--- a/figuras.pptx
+++ b/figuras.pptx
@@ -5,8 +5,10 @@
     <p:sldMasterId id="2147483648" r:id="rId1"/>
   </p:sldMasterIdLst>
   <p:sldIdLst>
-    <p:sldId id="256" r:id="rId2"/>
-    <p:sldId id="257" r:id="rId3"/>
+    <p:sldId id="258" r:id="rId2"/>
+    <p:sldId id="259" r:id="rId3"/>
+    <p:sldId id="260" r:id="rId4"/>
+    <p:sldId id="261" r:id="rId5"/>
   </p:sldIdLst>
   <p:sldSz cx="12192000" cy="6858000"/>
   <p:notesSz cx="6858000" cy="9144000"/>
@@ -105,7 +107,1876 @@
       </a:defRPr>
     </a:lvl9pPr>
   </p:defaultTextStyle>
+  <p:extLst>
+    <p:ext uri="{EFAFB233-063F-42B5-8137-9DF3F51BA10A}">
+      <p15:sldGuideLst xmlns:p15="http://schemas.microsoft.com/office/powerpoint/2012/main"/>
+    </p:ext>
+  </p:extLst>
 </p:presentation>
+</file>
+
+<file path=ppt/revisionInfo.xml><?xml version="1.0" encoding="utf-8"?>
+<p1510:revInfo xmlns:a="http://schemas.openxmlformats.org/drawingml/2006/main" xmlns:r="http://schemas.openxmlformats.org/officeDocument/2006/relationships" xmlns:p1510="http://schemas.microsoft.com/office/powerpoint/2015/10/main">
+  <p1510:revLst>
+    <p1510:client id="{B9542147-79DB-4659-9FC9-0ED96B9382FF}" v="21" dt="2023-08-11T21:46:09.776"/>
+  </p1510:revLst>
+</p1510:revInfo>
+</file>
+
+<file path=ppt/changesInfos/changesInfo1.xml><?xml version="1.0" encoding="utf-8"?>
+<pc:chgInfo xmlns:a="http://schemas.openxmlformats.org/drawingml/2006/main" xmlns:r="http://schemas.openxmlformats.org/officeDocument/2006/relationships" xmlns:ac="http://schemas.microsoft.com/office/drawing/2013/main/command" xmlns:pc="http://schemas.microsoft.com/office/powerpoint/2013/main/command">
+  <pc:docChgLst>
+    <pc:chgData name="Saulo Gil" userId="e4b858b1fb629067" providerId="LiveId" clId="{801A6E01-2955-4D56-8057-38689CB67D48}"/>
+    <pc:docChg chg="undo redo custSel addSld delSld modSld sldOrd">
+      <pc:chgData name="Saulo Gil" userId="e4b858b1fb629067" providerId="LiveId" clId="{801A6E01-2955-4D56-8057-38689CB67D48}" dt="2023-06-29T19:37:09.711" v="2231" actId="21"/>
+      <pc:docMkLst>
+        <pc:docMk/>
+      </pc:docMkLst>
+      <pc:sldChg chg="addSp delSp modSp del mod">
+        <pc:chgData name="Saulo Gil" userId="e4b858b1fb629067" providerId="LiveId" clId="{801A6E01-2955-4D56-8057-38689CB67D48}" dt="2023-06-29T12:59:01.859" v="689" actId="47"/>
+        <pc:sldMkLst>
+          <pc:docMk/>
+          <pc:sldMk cId="3967906435" sldId="256"/>
+        </pc:sldMkLst>
+        <pc:spChg chg="add mod">
+          <ac:chgData name="Saulo Gil" userId="e4b858b1fb629067" providerId="LiveId" clId="{801A6E01-2955-4D56-8057-38689CB67D48}" dt="2023-06-14T19:54:42.710" v="156" actId="1038"/>
+          <ac:spMkLst>
+            <pc:docMk/>
+            <pc:sldMk cId="3967906435" sldId="256"/>
+            <ac:spMk id="2" creationId="{DADBD845-CBF3-929C-511A-D1521280300B}"/>
+          </ac:spMkLst>
+        </pc:spChg>
+        <pc:spChg chg="add mod">
+          <ac:chgData name="Saulo Gil" userId="e4b858b1fb629067" providerId="LiveId" clId="{801A6E01-2955-4D56-8057-38689CB67D48}" dt="2023-06-14T19:54:50.270" v="160" actId="20577"/>
+          <ac:spMkLst>
+            <pc:docMk/>
+            <pc:sldMk cId="3967906435" sldId="256"/>
+            <ac:spMk id="3" creationId="{BBAD1269-47E5-C49F-C3F2-C77D4C0C706D}"/>
+          </ac:spMkLst>
+        </pc:spChg>
+        <pc:spChg chg="add mod">
+          <ac:chgData name="Saulo Gil" userId="e4b858b1fb629067" providerId="LiveId" clId="{801A6E01-2955-4D56-8057-38689CB67D48}" dt="2023-06-14T19:54:54.903" v="161" actId="20577"/>
+          <ac:spMkLst>
+            <pc:docMk/>
+            <pc:sldMk cId="3967906435" sldId="256"/>
+            <ac:spMk id="4" creationId="{BA8A5EE9-6BC3-A028-A849-782CFB8CAEF7}"/>
+          </ac:spMkLst>
+        </pc:spChg>
+        <pc:spChg chg="add mod">
+          <ac:chgData name="Saulo Gil" userId="e4b858b1fb629067" providerId="LiveId" clId="{801A6E01-2955-4D56-8057-38689CB67D48}" dt="2023-06-14T20:43:44.957" v="251" actId="1036"/>
+          <ac:spMkLst>
+            <pc:docMk/>
+            <pc:sldMk cId="3967906435" sldId="256"/>
+            <ac:spMk id="5" creationId="{C1147910-8861-907D-6734-49ED6F31CA0A}"/>
+          </ac:spMkLst>
+        </pc:spChg>
+        <pc:spChg chg="add mod">
+          <ac:chgData name="Saulo Gil" userId="e4b858b1fb629067" providerId="LiveId" clId="{801A6E01-2955-4D56-8057-38689CB67D48}" dt="2023-06-14T20:43:44.957" v="251" actId="1036"/>
+          <ac:spMkLst>
+            <pc:docMk/>
+            <pc:sldMk cId="3967906435" sldId="256"/>
+            <ac:spMk id="6" creationId="{A064CFDC-B54C-EBFD-33A6-5C6AD8043B7E}"/>
+          </ac:spMkLst>
+        </pc:spChg>
+        <pc:spChg chg="add mod">
+          <ac:chgData name="Saulo Gil" userId="e4b858b1fb629067" providerId="LiveId" clId="{801A6E01-2955-4D56-8057-38689CB67D48}" dt="2023-06-14T20:43:44.957" v="251" actId="1036"/>
+          <ac:spMkLst>
+            <pc:docMk/>
+            <pc:sldMk cId="3967906435" sldId="256"/>
+            <ac:spMk id="7" creationId="{B61896B3-2665-426B-4675-BA03B2CB4B36}"/>
+          </ac:spMkLst>
+        </pc:spChg>
+        <pc:spChg chg="mod">
+          <ac:chgData name="Saulo Gil" userId="e4b858b1fb629067" providerId="LiveId" clId="{801A6E01-2955-4D56-8057-38689CB67D48}" dt="2023-06-14T20:43:44.957" v="251" actId="1036"/>
+          <ac:spMkLst>
+            <pc:docMk/>
+            <pc:sldMk cId="3967906435" sldId="256"/>
+            <ac:spMk id="29" creationId="{B4042527-A314-2331-EEA9-AE75948AB554}"/>
+          </ac:spMkLst>
+        </pc:spChg>
+        <pc:spChg chg="mod">
+          <ac:chgData name="Saulo Gil" userId="e4b858b1fb629067" providerId="LiveId" clId="{801A6E01-2955-4D56-8057-38689CB67D48}" dt="2023-06-14T20:43:44.957" v="251" actId="1036"/>
+          <ac:spMkLst>
+            <pc:docMk/>
+            <pc:sldMk cId="3967906435" sldId="256"/>
+            <ac:spMk id="30" creationId="{0F89E857-76DB-F0D1-A553-97DC5FE29F1E}"/>
+          </ac:spMkLst>
+        </pc:spChg>
+        <pc:spChg chg="mod">
+          <ac:chgData name="Saulo Gil" userId="e4b858b1fb629067" providerId="LiveId" clId="{801A6E01-2955-4D56-8057-38689CB67D48}" dt="2023-06-14T20:43:44.957" v="251" actId="1036"/>
+          <ac:spMkLst>
+            <pc:docMk/>
+            <pc:sldMk cId="3967906435" sldId="256"/>
+            <ac:spMk id="31" creationId="{321CF209-0380-A7EF-CBBD-04B1E855456B}"/>
+          </ac:spMkLst>
+        </pc:spChg>
+        <pc:spChg chg="mod">
+          <ac:chgData name="Saulo Gil" userId="e4b858b1fb629067" providerId="LiveId" clId="{801A6E01-2955-4D56-8057-38689CB67D48}" dt="2023-06-14T20:43:44.957" v="251" actId="1036"/>
+          <ac:spMkLst>
+            <pc:docMk/>
+            <pc:sldMk cId="3967906435" sldId="256"/>
+            <ac:spMk id="32" creationId="{94634745-E41B-E9BC-BCDE-0D73139A051C}"/>
+          </ac:spMkLst>
+        </pc:spChg>
+        <pc:spChg chg="mod">
+          <ac:chgData name="Saulo Gil" userId="e4b858b1fb629067" providerId="LiveId" clId="{801A6E01-2955-4D56-8057-38689CB67D48}" dt="2023-06-14T20:43:44.957" v="251" actId="1036"/>
+          <ac:spMkLst>
+            <pc:docMk/>
+            <pc:sldMk cId="3967906435" sldId="256"/>
+            <ac:spMk id="61" creationId="{B0F1B997-D74A-DDCB-6E57-E027B4ADCCC9}"/>
+          </ac:spMkLst>
+        </pc:spChg>
+        <pc:spChg chg="mod">
+          <ac:chgData name="Saulo Gil" userId="e4b858b1fb629067" providerId="LiveId" clId="{801A6E01-2955-4D56-8057-38689CB67D48}" dt="2023-06-14T20:43:44.957" v="251" actId="1036"/>
+          <ac:spMkLst>
+            <pc:docMk/>
+            <pc:sldMk cId="3967906435" sldId="256"/>
+            <ac:spMk id="63" creationId="{F72DF69E-5B43-4E2E-FBF6-50BDC7B2D4BD}"/>
+          </ac:spMkLst>
+        </pc:spChg>
+        <pc:picChg chg="add del">
+          <ac:chgData name="Saulo Gil" userId="e4b858b1fb629067" providerId="LiveId" clId="{801A6E01-2955-4D56-8057-38689CB67D48}" dt="2023-06-14T19:55:22.305" v="235" actId="21"/>
+          <ac:picMkLst>
+            <pc:docMk/>
+            <pc:sldMk cId="3967906435" sldId="256"/>
+            <ac:picMk id="8" creationId="{883F0FA1-6E75-D82E-F920-9DFE08DE79E3}"/>
+          </ac:picMkLst>
+        </pc:picChg>
+        <pc:picChg chg="mod">
+          <ac:chgData name="Saulo Gil" userId="e4b858b1fb629067" providerId="LiveId" clId="{801A6E01-2955-4D56-8057-38689CB67D48}" dt="2023-06-14T20:43:44.957" v="251" actId="1036"/>
+          <ac:picMkLst>
+            <pc:docMk/>
+            <pc:sldMk cId="3967906435" sldId="256"/>
+            <ac:picMk id="35" creationId="{3794637A-D726-C822-7316-4603A904CD1A}"/>
+          </ac:picMkLst>
+        </pc:picChg>
+        <pc:picChg chg="mod">
+          <ac:chgData name="Saulo Gil" userId="e4b858b1fb629067" providerId="LiveId" clId="{801A6E01-2955-4D56-8057-38689CB67D48}" dt="2023-06-14T20:43:44.957" v="251" actId="1036"/>
+          <ac:picMkLst>
+            <pc:docMk/>
+            <pc:sldMk cId="3967906435" sldId="256"/>
+            <ac:picMk id="36" creationId="{4B4DBDC1-81E6-651C-332B-77C9189C713A}"/>
+          </ac:picMkLst>
+        </pc:picChg>
+        <pc:picChg chg="add del mod">
+          <ac:chgData name="Saulo Gil" userId="e4b858b1fb629067" providerId="LiveId" clId="{801A6E01-2955-4D56-8057-38689CB67D48}" dt="2023-06-19T21:53:28.507" v="257" actId="478"/>
+          <ac:picMkLst>
+            <pc:docMk/>
+            <pc:sldMk cId="3967906435" sldId="256"/>
+            <ac:picMk id="37" creationId="{12AF0F9F-5133-B9F3-DD90-B7AFB6E48C90}"/>
+          </ac:picMkLst>
+        </pc:picChg>
+        <pc:picChg chg="add del">
+          <ac:chgData name="Saulo Gil" userId="e4b858b1fb629067" providerId="LiveId" clId="{801A6E01-2955-4D56-8057-38689CB67D48}" dt="2023-06-19T21:53:28.920" v="258" actId="478"/>
+          <ac:picMkLst>
+            <pc:docMk/>
+            <pc:sldMk cId="3967906435" sldId="256"/>
+            <ac:picMk id="38" creationId="{75BF4BA3-EA57-E7AE-5FA6-B90F08EE7416}"/>
+          </ac:picMkLst>
+        </pc:picChg>
+        <pc:cxnChg chg="mod">
+          <ac:chgData name="Saulo Gil" userId="e4b858b1fb629067" providerId="LiveId" clId="{801A6E01-2955-4D56-8057-38689CB67D48}" dt="2023-06-14T20:43:44.957" v="251" actId="1036"/>
+          <ac:cxnSpMkLst>
+            <pc:docMk/>
+            <pc:sldMk cId="3967906435" sldId="256"/>
+            <ac:cxnSpMk id="33" creationId="{5A6D8701-B7FE-2872-E46D-238969EB9F86}"/>
+          </ac:cxnSpMkLst>
+        </pc:cxnChg>
+        <pc:cxnChg chg="mod">
+          <ac:chgData name="Saulo Gil" userId="e4b858b1fb629067" providerId="LiveId" clId="{801A6E01-2955-4D56-8057-38689CB67D48}" dt="2023-06-14T20:43:44.957" v="251" actId="1036"/>
+          <ac:cxnSpMkLst>
+            <pc:docMk/>
+            <pc:sldMk cId="3967906435" sldId="256"/>
+            <ac:cxnSpMk id="62" creationId="{FAE99593-7F71-C1D3-0FE9-C682736782E7}"/>
+          </ac:cxnSpMkLst>
+        </pc:cxnChg>
+        <pc:cxnChg chg="mod">
+          <ac:chgData name="Saulo Gil" userId="e4b858b1fb629067" providerId="LiveId" clId="{801A6E01-2955-4D56-8057-38689CB67D48}" dt="2023-06-14T20:43:44.957" v="251" actId="1036"/>
+          <ac:cxnSpMkLst>
+            <pc:docMk/>
+            <pc:sldMk cId="3967906435" sldId="256"/>
+            <ac:cxnSpMk id="64" creationId="{DD54D9D5-8D00-A40C-F269-A0C4CE40628B}"/>
+          </ac:cxnSpMkLst>
+        </pc:cxnChg>
+      </pc:sldChg>
+      <pc:sldChg chg="addSp delSp modSp del mod">
+        <pc:chgData name="Saulo Gil" userId="e4b858b1fb629067" providerId="LiveId" clId="{801A6E01-2955-4D56-8057-38689CB67D48}" dt="2023-06-29T19:34:45.609" v="2212" actId="47"/>
+        <pc:sldMkLst>
+          <pc:docMk/>
+          <pc:sldMk cId="4151576114" sldId="257"/>
+        </pc:sldMkLst>
+        <pc:spChg chg="add del mod">
+          <ac:chgData name="Saulo Gil" userId="e4b858b1fb629067" providerId="LiveId" clId="{801A6E01-2955-4D56-8057-38689CB67D48}" dt="2023-06-29T19:34:43.278" v="2211" actId="478"/>
+          <ac:spMkLst>
+            <pc:docMk/>
+            <pc:sldMk cId="4151576114" sldId="257"/>
+            <ac:spMk id="2" creationId="{20742406-6B68-F28F-7B31-854595BE2305}"/>
+          </ac:spMkLst>
+        </pc:spChg>
+        <pc:spChg chg="add del mod">
+          <ac:chgData name="Saulo Gil" userId="e4b858b1fb629067" providerId="LiveId" clId="{801A6E01-2955-4D56-8057-38689CB67D48}" dt="2023-06-26T18:53:56.963" v="280" actId="478"/>
+          <ac:spMkLst>
+            <pc:docMk/>
+            <pc:sldMk cId="4151576114" sldId="257"/>
+            <ac:spMk id="2" creationId="{C6FE0712-2E5C-46F9-E89F-7B3CF07B5B6A}"/>
+          </ac:spMkLst>
+        </pc:spChg>
+        <pc:spChg chg="add del mod">
+          <ac:chgData name="Saulo Gil" userId="e4b858b1fb629067" providerId="LiveId" clId="{801A6E01-2955-4D56-8057-38689CB67D48}" dt="2023-06-26T18:53:56.963" v="280" actId="478"/>
+          <ac:spMkLst>
+            <pc:docMk/>
+            <pc:sldMk cId="4151576114" sldId="257"/>
+            <ac:spMk id="4" creationId="{0FE04FD6-9C9E-B785-066E-3E10B7EBD3D6}"/>
+          </ac:spMkLst>
+        </pc:spChg>
+        <pc:spChg chg="add del mod">
+          <ac:chgData name="Saulo Gil" userId="e4b858b1fb629067" providerId="LiveId" clId="{801A6E01-2955-4D56-8057-38689CB67D48}" dt="2023-06-29T19:34:43.278" v="2211" actId="478"/>
+          <ac:spMkLst>
+            <pc:docMk/>
+            <pc:sldMk cId="4151576114" sldId="257"/>
+            <ac:spMk id="7" creationId="{7BF3B156-1B60-7714-D1F1-357FF3A7F919}"/>
+          </ac:spMkLst>
+        </pc:spChg>
+        <pc:spChg chg="add del mod">
+          <ac:chgData name="Saulo Gil" userId="e4b858b1fb629067" providerId="LiveId" clId="{801A6E01-2955-4D56-8057-38689CB67D48}" dt="2023-06-29T19:34:43.278" v="2211" actId="478"/>
+          <ac:spMkLst>
+            <pc:docMk/>
+            <pc:sldMk cId="4151576114" sldId="257"/>
+            <ac:spMk id="8" creationId="{7A0184D1-1FCE-1F59-7D42-020B33B8DFC7}"/>
+          </ac:spMkLst>
+        </pc:spChg>
+        <pc:spChg chg="add del mod">
+          <ac:chgData name="Saulo Gil" userId="e4b858b1fb629067" providerId="LiveId" clId="{801A6E01-2955-4D56-8057-38689CB67D48}" dt="2023-06-29T19:34:43.278" v="2211" actId="478"/>
+          <ac:spMkLst>
+            <pc:docMk/>
+            <pc:sldMk cId="4151576114" sldId="257"/>
+            <ac:spMk id="9" creationId="{91302BA9-F0F3-D0F5-2067-813311EE7B23}"/>
+          </ac:spMkLst>
+        </pc:spChg>
+        <pc:spChg chg="add del mod">
+          <ac:chgData name="Saulo Gil" userId="e4b858b1fb629067" providerId="LiveId" clId="{801A6E01-2955-4D56-8057-38689CB67D48}" dt="2023-06-29T19:34:43.278" v="2211" actId="478"/>
+          <ac:spMkLst>
+            <pc:docMk/>
+            <pc:sldMk cId="4151576114" sldId="257"/>
+            <ac:spMk id="11" creationId="{625CF07D-2FA0-4F25-3145-E711CB2904D3}"/>
+          </ac:spMkLst>
+        </pc:spChg>
+        <pc:spChg chg="add del mod">
+          <ac:chgData name="Saulo Gil" userId="e4b858b1fb629067" providerId="LiveId" clId="{801A6E01-2955-4D56-8057-38689CB67D48}" dt="2023-06-29T19:34:43.278" v="2211" actId="478"/>
+          <ac:spMkLst>
+            <pc:docMk/>
+            <pc:sldMk cId="4151576114" sldId="257"/>
+            <ac:spMk id="12" creationId="{A957D5BC-48F4-E4A4-3A50-8782C8E2D676}"/>
+          </ac:spMkLst>
+        </pc:spChg>
+        <pc:spChg chg="add del mod">
+          <ac:chgData name="Saulo Gil" userId="e4b858b1fb629067" providerId="LiveId" clId="{801A6E01-2955-4D56-8057-38689CB67D48}" dt="2023-06-29T19:34:43.278" v="2211" actId="478"/>
+          <ac:spMkLst>
+            <pc:docMk/>
+            <pc:sldMk cId="4151576114" sldId="257"/>
+            <ac:spMk id="13" creationId="{96173638-8DFB-81EF-AAED-F17830DE8798}"/>
+          </ac:spMkLst>
+        </pc:spChg>
+        <pc:spChg chg="add del mod">
+          <ac:chgData name="Saulo Gil" userId="e4b858b1fb629067" providerId="LiveId" clId="{801A6E01-2955-4D56-8057-38689CB67D48}" dt="2023-06-26T18:54:03.263" v="284" actId="478"/>
+          <ac:spMkLst>
+            <pc:docMk/>
+            <pc:sldMk cId="4151576114" sldId="257"/>
+            <ac:spMk id="19" creationId="{6F53F62B-7C60-EE06-C6F8-B4A98B5B9E78}"/>
+          </ac:spMkLst>
+        </pc:spChg>
+        <pc:spChg chg="add del mod">
+          <ac:chgData name="Saulo Gil" userId="e4b858b1fb629067" providerId="LiveId" clId="{801A6E01-2955-4D56-8057-38689CB67D48}" dt="2023-06-26T18:54:03.263" v="284" actId="478"/>
+          <ac:spMkLst>
+            <pc:docMk/>
+            <pc:sldMk cId="4151576114" sldId="257"/>
+            <ac:spMk id="21" creationId="{D7E755DA-82FC-5D69-045F-4D371F545D67}"/>
+          </ac:spMkLst>
+        </pc:spChg>
+        <pc:spChg chg="add del mod">
+          <ac:chgData name="Saulo Gil" userId="e4b858b1fb629067" providerId="LiveId" clId="{801A6E01-2955-4D56-8057-38689CB67D48}" dt="2023-06-26T18:54:07.345" v="287" actId="478"/>
+          <ac:spMkLst>
+            <pc:docMk/>
+            <pc:sldMk cId="4151576114" sldId="257"/>
+            <ac:spMk id="23" creationId="{42C78D3C-F6A9-D3DB-DBF8-CD9F7C2FC3B7}"/>
+          </ac:spMkLst>
+        </pc:spChg>
+        <pc:spChg chg="add del mod">
+          <ac:chgData name="Saulo Gil" userId="e4b858b1fb629067" providerId="LiveId" clId="{801A6E01-2955-4D56-8057-38689CB67D48}" dt="2023-06-26T18:54:11.245" v="289" actId="478"/>
+          <ac:spMkLst>
+            <pc:docMk/>
+            <pc:sldMk cId="4151576114" sldId="257"/>
+            <ac:spMk id="25" creationId="{91D2D915-B514-54D6-C9D7-C458A930CE88}"/>
+          </ac:spMkLst>
+        </pc:spChg>
+        <pc:spChg chg="add del mod">
+          <ac:chgData name="Saulo Gil" userId="e4b858b1fb629067" providerId="LiveId" clId="{801A6E01-2955-4D56-8057-38689CB67D48}" dt="2023-06-29T19:34:43.278" v="2211" actId="478"/>
+          <ac:spMkLst>
+            <pc:docMk/>
+            <pc:sldMk cId="4151576114" sldId="257"/>
+            <ac:spMk id="27" creationId="{535DF390-4D1F-8EFE-B107-2EEFFE79E90C}"/>
+          </ac:spMkLst>
+        </pc:spChg>
+        <pc:spChg chg="add del mod">
+          <ac:chgData name="Saulo Gil" userId="e4b858b1fb629067" providerId="LiveId" clId="{801A6E01-2955-4D56-8057-38689CB67D48}" dt="2023-06-29T19:34:43.278" v="2211" actId="478"/>
+          <ac:spMkLst>
+            <pc:docMk/>
+            <pc:sldMk cId="4151576114" sldId="257"/>
+            <ac:spMk id="28" creationId="{E3336DBC-EA4A-3655-EECF-7BCC2F67CDBB}"/>
+          </ac:spMkLst>
+        </pc:spChg>
+        <pc:spChg chg="add del mod">
+          <ac:chgData name="Saulo Gil" userId="e4b858b1fb629067" providerId="LiveId" clId="{801A6E01-2955-4D56-8057-38689CB67D48}" dt="2023-06-29T19:34:43.278" v="2211" actId="478"/>
+          <ac:spMkLst>
+            <pc:docMk/>
+            <pc:sldMk cId="4151576114" sldId="257"/>
+            <ac:spMk id="29" creationId="{D3C65835-D6D8-802D-06AD-F90B6E4CEC51}"/>
+          </ac:spMkLst>
+        </pc:spChg>
+        <pc:spChg chg="add del mod">
+          <ac:chgData name="Saulo Gil" userId="e4b858b1fb629067" providerId="LiveId" clId="{801A6E01-2955-4D56-8057-38689CB67D48}" dt="2023-06-29T19:34:43.278" v="2211" actId="478"/>
+          <ac:spMkLst>
+            <pc:docMk/>
+            <pc:sldMk cId="4151576114" sldId="257"/>
+            <ac:spMk id="30" creationId="{7C7A9D32-0436-899E-692D-6E56FE3E94C4}"/>
+          </ac:spMkLst>
+        </pc:spChg>
+        <pc:picChg chg="add del mod">
+          <ac:chgData name="Saulo Gil" userId="e4b858b1fb629067" providerId="LiveId" clId="{801A6E01-2955-4D56-8057-38689CB67D48}" dt="2023-06-14T19:55:29.194" v="239" actId="21"/>
+          <ac:picMkLst>
+            <pc:docMk/>
+            <pc:sldMk cId="4151576114" sldId="257"/>
+            <ac:picMk id="2" creationId="{54D9CC1B-A704-7760-1CA6-CB8112D91C9A}"/>
+          </ac:picMkLst>
+        </pc:picChg>
+        <pc:picChg chg="add del mod">
+          <ac:chgData name="Saulo Gil" userId="e4b858b1fb629067" providerId="LiveId" clId="{801A6E01-2955-4D56-8057-38689CB67D48}" dt="2023-06-23T19:23:40.800" v="275" actId="478"/>
+          <ac:picMkLst>
+            <pc:docMk/>
+            <pc:sldMk cId="4151576114" sldId="257"/>
+            <ac:picMk id="2" creationId="{D4EFE817-2C20-1E7F-4E99-833B3E1462D7}"/>
+          </ac:picMkLst>
+        </pc:picChg>
+        <pc:picChg chg="del mod">
+          <ac:chgData name="Saulo Gil" userId="e4b858b1fb629067" providerId="LiveId" clId="{801A6E01-2955-4D56-8057-38689CB67D48}" dt="2023-06-14T19:55:24.556" v="236" actId="478"/>
+          <ac:picMkLst>
+            <pc:docMk/>
+            <pc:sldMk cId="4151576114" sldId="257"/>
+            <ac:picMk id="3" creationId="{A1816BDE-31B7-1B8D-0625-755CAE53AF0A}"/>
+          </ac:picMkLst>
+        </pc:picChg>
+        <pc:picChg chg="add del mod">
+          <ac:chgData name="Saulo Gil" userId="e4b858b1fb629067" providerId="LiveId" clId="{801A6E01-2955-4D56-8057-38689CB67D48}" dt="2023-06-14T20:43:55.850" v="254" actId="21"/>
+          <ac:picMkLst>
+            <pc:docMk/>
+            <pc:sldMk cId="4151576114" sldId="257"/>
+            <ac:picMk id="4" creationId="{DB86EF3D-A87F-DDCC-7246-97FC172D916C}"/>
+          </ac:picMkLst>
+        </pc:picChg>
+        <pc:picChg chg="add del mod">
+          <ac:chgData name="Saulo Gil" userId="e4b858b1fb629067" providerId="LiveId" clId="{801A6E01-2955-4D56-8057-38689CB67D48}" dt="2023-06-28T14:24:22.474" v="688" actId="478"/>
+          <ac:picMkLst>
+            <pc:docMk/>
+            <pc:sldMk cId="4151576114" sldId="257"/>
+            <ac:picMk id="5" creationId="{3B57E4F2-91F3-ACAC-06AC-3A26319F62EF}"/>
+          </ac:picMkLst>
+        </pc:picChg>
+        <pc:picChg chg="add del mod">
+          <ac:chgData name="Saulo Gil" userId="e4b858b1fb629067" providerId="LiveId" clId="{801A6E01-2955-4D56-8057-38689CB67D48}" dt="2023-06-26T18:53:41.533" v="279" actId="478"/>
+          <ac:picMkLst>
+            <pc:docMk/>
+            <pc:sldMk cId="4151576114" sldId="257"/>
+            <ac:picMk id="6" creationId="{55779AA0-4D26-86EF-1D1F-836B39C689D9}"/>
+          </ac:picMkLst>
+        </pc:picChg>
+        <pc:picChg chg="add del mod">
+          <ac:chgData name="Saulo Gil" userId="e4b858b1fb629067" providerId="LiveId" clId="{801A6E01-2955-4D56-8057-38689CB67D48}" dt="2023-06-29T12:59:06.062" v="690" actId="478"/>
+          <ac:picMkLst>
+            <pc:docMk/>
+            <pc:sldMk cId="4151576114" sldId="257"/>
+            <ac:picMk id="15" creationId="{A417035C-B83E-63CA-CA10-0F96D6F10C56}"/>
+          </ac:picMkLst>
+        </pc:picChg>
+        <pc:picChg chg="add del mod">
+          <ac:chgData name="Saulo Gil" userId="e4b858b1fb629067" providerId="LiveId" clId="{801A6E01-2955-4D56-8057-38689CB67D48}" dt="2023-06-26T18:54:10.074" v="288" actId="478"/>
+          <ac:picMkLst>
+            <pc:docMk/>
+            <pc:sldMk cId="4151576114" sldId="257"/>
+            <ac:picMk id="15" creationId="{F03631AC-801F-C865-53DF-747DFB380489}"/>
+          </ac:picMkLst>
+        </pc:picChg>
+        <pc:picChg chg="add del mod">
+          <ac:chgData name="Saulo Gil" userId="e4b858b1fb629067" providerId="LiveId" clId="{801A6E01-2955-4D56-8057-38689CB67D48}" dt="2023-06-26T18:54:10.074" v="288" actId="478"/>
+          <ac:picMkLst>
+            <pc:docMk/>
+            <pc:sldMk cId="4151576114" sldId="257"/>
+            <ac:picMk id="16" creationId="{3DC4D7C6-280F-ED21-7D4D-43D80562A88F}"/>
+          </ac:picMkLst>
+        </pc:picChg>
+        <pc:picChg chg="add del mod">
+          <ac:chgData name="Saulo Gil" userId="e4b858b1fb629067" providerId="LiveId" clId="{801A6E01-2955-4D56-8057-38689CB67D48}" dt="2023-06-26T18:54:00.930" v="283" actId="478"/>
+          <ac:picMkLst>
+            <pc:docMk/>
+            <pc:sldMk cId="4151576114" sldId="257"/>
+            <ac:picMk id="17" creationId="{40D45BF6-6283-4543-102D-A43F3731E87A}"/>
+          </ac:picMkLst>
+        </pc:picChg>
+        <pc:picChg chg="add del mod">
+          <ac:chgData name="Saulo Gil" userId="e4b858b1fb629067" providerId="LiveId" clId="{801A6E01-2955-4D56-8057-38689CB67D48}" dt="2023-06-26T18:54:00.129" v="282" actId="478"/>
+          <ac:picMkLst>
+            <pc:docMk/>
+            <pc:sldMk cId="4151576114" sldId="257"/>
+            <ac:picMk id="18" creationId="{6A6057B1-0004-1BAE-3700-9AFA8B40C794}"/>
+          </ac:picMkLst>
+        </pc:picChg>
+        <pc:picChg chg="add del mod">
+          <ac:chgData name="Saulo Gil" userId="e4b858b1fb629067" providerId="LiveId" clId="{801A6E01-2955-4D56-8057-38689CB67D48}" dt="2023-06-26T18:55:35.074" v="292" actId="478"/>
+          <ac:picMkLst>
+            <pc:docMk/>
+            <pc:sldMk cId="4151576114" sldId="257"/>
+            <ac:picMk id="31" creationId="{CA20EFDB-351D-C4D8-9CF9-C2C056C1B6E8}"/>
+          </ac:picMkLst>
+        </pc:picChg>
+        <pc:picChg chg="add del mod">
+          <ac:chgData name="Saulo Gil" userId="e4b858b1fb629067" providerId="LiveId" clId="{801A6E01-2955-4D56-8057-38689CB67D48}" dt="2023-06-26T18:56:10.703" v="298" actId="478"/>
+          <ac:picMkLst>
+            <pc:docMk/>
+            <pc:sldMk cId="4151576114" sldId="257"/>
+            <ac:picMk id="32" creationId="{E342DD70-4165-17D2-4163-88178DF2A431}"/>
+          </ac:picMkLst>
+        </pc:picChg>
+        <pc:picChg chg="add del mod">
+          <ac:chgData name="Saulo Gil" userId="e4b858b1fb629067" providerId="LiveId" clId="{801A6E01-2955-4D56-8057-38689CB67D48}" dt="2023-06-26T18:56:10.163" v="297" actId="478"/>
+          <ac:picMkLst>
+            <pc:docMk/>
+            <pc:sldMk cId="4151576114" sldId="257"/>
+            <ac:picMk id="33" creationId="{BEDF3CC7-F9CC-FB88-603D-FC3E68B06471}"/>
+          </ac:picMkLst>
+        </pc:picChg>
+        <pc:picChg chg="add del mod">
+          <ac:chgData name="Saulo Gil" userId="e4b858b1fb629067" providerId="LiveId" clId="{801A6E01-2955-4D56-8057-38689CB67D48}" dt="2023-06-29T19:34:43.278" v="2211" actId="478"/>
+          <ac:picMkLst>
+            <pc:docMk/>
+            <pc:sldMk cId="4151576114" sldId="257"/>
+            <ac:picMk id="34" creationId="{8FB577BA-0A35-28D9-FA4E-B612A2752481}"/>
+          </ac:picMkLst>
+        </pc:picChg>
+        <pc:picChg chg="add del mod">
+          <ac:chgData name="Saulo Gil" userId="e4b858b1fb629067" providerId="LiveId" clId="{801A6E01-2955-4D56-8057-38689CB67D48}" dt="2023-06-29T19:34:43.278" v="2211" actId="478"/>
+          <ac:picMkLst>
+            <pc:docMk/>
+            <pc:sldMk cId="4151576114" sldId="257"/>
+            <ac:picMk id="35" creationId="{43A25CEC-C01E-F3B8-2944-7C8D35A2459D}"/>
+          </ac:picMkLst>
+        </pc:picChg>
+        <pc:picChg chg="add del mod">
+          <ac:chgData name="Saulo Gil" userId="e4b858b1fb629067" providerId="LiveId" clId="{801A6E01-2955-4D56-8057-38689CB67D48}" dt="2023-06-29T19:34:43.278" v="2211" actId="478"/>
+          <ac:picMkLst>
+            <pc:docMk/>
+            <pc:sldMk cId="4151576114" sldId="257"/>
+            <ac:picMk id="36" creationId="{3F4B2B4E-A666-41EA-F5B5-CD6C9E518889}"/>
+          </ac:picMkLst>
+        </pc:picChg>
+        <pc:picChg chg="add del mod">
+          <ac:chgData name="Saulo Gil" userId="e4b858b1fb629067" providerId="LiveId" clId="{801A6E01-2955-4D56-8057-38689CB67D48}" dt="2023-06-29T19:34:43.278" v="2211" actId="478"/>
+          <ac:picMkLst>
+            <pc:docMk/>
+            <pc:sldMk cId="4151576114" sldId="257"/>
+            <ac:picMk id="37" creationId="{11A084DD-385A-3515-4003-55CE02896231}"/>
+          </ac:picMkLst>
+        </pc:picChg>
+        <pc:picChg chg="add del">
+          <ac:chgData name="Saulo Gil" userId="e4b858b1fb629067" providerId="LiveId" clId="{801A6E01-2955-4D56-8057-38689CB67D48}" dt="2023-06-26T18:59:24.065" v="458" actId="21"/>
+          <ac:picMkLst>
+            <pc:docMk/>
+            <pc:sldMk cId="4151576114" sldId="257"/>
+            <ac:picMk id="44" creationId="{0173622E-E9DF-B5D3-E4A8-A66B1D2075F1}"/>
+          </ac:picMkLst>
+        </pc:picChg>
+        <pc:cxnChg chg="add del mod">
+          <ac:chgData name="Saulo Gil" userId="e4b858b1fb629067" providerId="LiveId" clId="{801A6E01-2955-4D56-8057-38689CB67D48}" dt="2023-06-26T18:53:56.963" v="280" actId="478"/>
+          <ac:cxnSpMkLst>
+            <pc:docMk/>
+            <pc:sldMk cId="4151576114" sldId="257"/>
+            <ac:cxnSpMk id="3" creationId="{DF9B8C06-F8DC-641F-FF06-144234F0C068}"/>
+          </ac:cxnSpMkLst>
+        </pc:cxnChg>
+        <pc:cxnChg chg="add del mod">
+          <ac:chgData name="Saulo Gil" userId="e4b858b1fb629067" providerId="LiveId" clId="{801A6E01-2955-4D56-8057-38689CB67D48}" dt="2023-06-29T19:34:43.278" v="2211" actId="478"/>
+          <ac:cxnSpMkLst>
+            <pc:docMk/>
+            <pc:sldMk cId="4151576114" sldId="257"/>
+            <ac:cxnSpMk id="3" creationId="{F7C62838-D324-B07C-4D47-C024A10DA399}"/>
+          </ac:cxnSpMkLst>
+        </pc:cxnChg>
+        <pc:cxnChg chg="add del mod">
+          <ac:chgData name="Saulo Gil" userId="e4b858b1fb629067" providerId="LiveId" clId="{801A6E01-2955-4D56-8057-38689CB67D48}" dt="2023-06-26T18:53:56.963" v="280" actId="478"/>
+          <ac:cxnSpMkLst>
+            <pc:docMk/>
+            <pc:sldMk cId="4151576114" sldId="257"/>
+            <ac:cxnSpMk id="5" creationId="{81948106-5050-EBD9-33F5-012D3739C764}"/>
+          </ac:cxnSpMkLst>
+        </pc:cxnChg>
+        <pc:cxnChg chg="add del mod">
+          <ac:chgData name="Saulo Gil" userId="e4b858b1fb629067" providerId="LiveId" clId="{801A6E01-2955-4D56-8057-38689CB67D48}" dt="2023-06-29T19:34:43.278" v="2211" actId="478"/>
+          <ac:cxnSpMkLst>
+            <pc:docMk/>
+            <pc:sldMk cId="4151576114" sldId="257"/>
+            <ac:cxnSpMk id="10" creationId="{BBD327F5-2241-F4BB-4C63-9D79DFE7473D}"/>
+          </ac:cxnSpMkLst>
+        </pc:cxnChg>
+        <pc:cxnChg chg="add del mod">
+          <ac:chgData name="Saulo Gil" userId="e4b858b1fb629067" providerId="LiveId" clId="{801A6E01-2955-4D56-8057-38689CB67D48}" dt="2023-06-29T19:34:43.278" v="2211" actId="478"/>
+          <ac:cxnSpMkLst>
+            <pc:docMk/>
+            <pc:sldMk cId="4151576114" sldId="257"/>
+            <ac:cxnSpMk id="14" creationId="{1E389C1B-44BC-9D5F-BFB8-BF8F5C605744}"/>
+          </ac:cxnSpMkLst>
+        </pc:cxnChg>
+        <pc:cxnChg chg="add del mod">
+          <ac:chgData name="Saulo Gil" userId="e4b858b1fb629067" providerId="LiveId" clId="{801A6E01-2955-4D56-8057-38689CB67D48}" dt="2023-06-26T18:54:03.263" v="284" actId="478"/>
+          <ac:cxnSpMkLst>
+            <pc:docMk/>
+            <pc:sldMk cId="4151576114" sldId="257"/>
+            <ac:cxnSpMk id="20" creationId="{8B26FE8F-C4B9-95C3-3C12-F73E4F374BF7}"/>
+          </ac:cxnSpMkLst>
+        </pc:cxnChg>
+        <pc:cxnChg chg="add del mod">
+          <ac:chgData name="Saulo Gil" userId="e4b858b1fb629067" providerId="LiveId" clId="{801A6E01-2955-4D56-8057-38689CB67D48}" dt="2023-06-26T18:54:03.263" v="284" actId="478"/>
+          <ac:cxnSpMkLst>
+            <pc:docMk/>
+            <pc:sldMk cId="4151576114" sldId="257"/>
+            <ac:cxnSpMk id="22" creationId="{EF850E12-DCFE-DE13-1F0E-30964977D149}"/>
+          </ac:cxnSpMkLst>
+        </pc:cxnChg>
+        <pc:cxnChg chg="add del mod">
+          <ac:chgData name="Saulo Gil" userId="e4b858b1fb629067" providerId="LiveId" clId="{801A6E01-2955-4D56-8057-38689CB67D48}" dt="2023-06-26T18:54:05.995" v="285" actId="478"/>
+          <ac:cxnSpMkLst>
+            <pc:docMk/>
+            <pc:sldMk cId="4151576114" sldId="257"/>
+            <ac:cxnSpMk id="24" creationId="{E496AD25-6E48-6427-E2EA-F5E94C7149E7}"/>
+          </ac:cxnSpMkLst>
+        </pc:cxnChg>
+        <pc:cxnChg chg="add del mod">
+          <ac:chgData name="Saulo Gil" userId="e4b858b1fb629067" providerId="LiveId" clId="{801A6E01-2955-4D56-8057-38689CB67D48}" dt="2023-06-26T18:54:10.074" v="288" actId="478"/>
+          <ac:cxnSpMkLst>
+            <pc:docMk/>
+            <pc:sldMk cId="4151576114" sldId="257"/>
+            <ac:cxnSpMk id="26" creationId="{1EA716B9-790A-40B6-272B-F219F518E057}"/>
+          </ac:cxnSpMkLst>
+        </pc:cxnChg>
+        <pc:cxnChg chg="add del mod">
+          <ac:chgData name="Saulo Gil" userId="e4b858b1fb629067" providerId="LiveId" clId="{801A6E01-2955-4D56-8057-38689CB67D48}" dt="2023-06-26T18:59:09.998" v="456" actId="478"/>
+          <ac:cxnSpMkLst>
+            <pc:docMk/>
+            <pc:sldMk cId="4151576114" sldId="257"/>
+            <ac:cxnSpMk id="39" creationId="{E5E2A7CF-E558-9C00-CB1C-C8B0261D2E69}"/>
+          </ac:cxnSpMkLst>
+        </pc:cxnChg>
+        <pc:cxnChg chg="add del mod">
+          <ac:chgData name="Saulo Gil" userId="e4b858b1fb629067" providerId="LiveId" clId="{801A6E01-2955-4D56-8057-38689CB67D48}" dt="2023-06-26T18:59:08.728" v="455" actId="478"/>
+          <ac:cxnSpMkLst>
+            <pc:docMk/>
+            <pc:sldMk cId="4151576114" sldId="257"/>
+            <ac:cxnSpMk id="41" creationId="{DF06B354-56CF-EFAA-8B74-92E076D2FC83}"/>
+          </ac:cxnSpMkLst>
+        </pc:cxnChg>
+      </pc:sldChg>
+      <pc:sldChg chg="addSp delSp modSp add mod">
+        <pc:chgData name="Saulo Gil" userId="e4b858b1fb629067" providerId="LiveId" clId="{801A6E01-2955-4D56-8057-38689CB67D48}" dt="2023-06-29T19:37:09.711" v="2231" actId="21"/>
+        <pc:sldMkLst>
+          <pc:docMk/>
+          <pc:sldMk cId="3270712228" sldId="258"/>
+        </pc:sldMkLst>
+        <pc:spChg chg="mod">
+          <ac:chgData name="Saulo Gil" userId="e4b858b1fb629067" providerId="LiveId" clId="{801A6E01-2955-4D56-8057-38689CB67D48}" dt="2023-06-29T13:06:22.008" v="722" actId="1076"/>
+          <ac:spMkLst>
+            <pc:docMk/>
+            <pc:sldMk cId="3270712228" sldId="258"/>
+            <ac:spMk id="2" creationId="{DADBD845-CBF3-929C-511A-D1521280300B}"/>
+          </ac:spMkLst>
+        </pc:spChg>
+        <pc:spChg chg="mod">
+          <ac:chgData name="Saulo Gil" userId="e4b858b1fb629067" providerId="LiveId" clId="{801A6E01-2955-4D56-8057-38689CB67D48}" dt="2023-06-29T13:06:22.008" v="722" actId="1076"/>
+          <ac:spMkLst>
+            <pc:docMk/>
+            <pc:sldMk cId="3270712228" sldId="258"/>
+            <ac:spMk id="3" creationId="{BBAD1269-47E5-C49F-C3F2-C77D4C0C706D}"/>
+          </ac:spMkLst>
+        </pc:spChg>
+        <pc:spChg chg="del">
+          <ac:chgData name="Saulo Gil" userId="e4b858b1fb629067" providerId="LiveId" clId="{801A6E01-2955-4D56-8057-38689CB67D48}" dt="2023-06-19T21:53:35.130" v="262" actId="478"/>
+          <ac:spMkLst>
+            <pc:docMk/>
+            <pc:sldMk cId="3270712228" sldId="258"/>
+            <ac:spMk id="4" creationId="{BA8A5EE9-6BC3-A028-A849-782CFB8CAEF7}"/>
+          </ac:spMkLst>
+        </pc:spChg>
+        <pc:spChg chg="mod ord">
+          <ac:chgData name="Saulo Gil" userId="e4b858b1fb629067" providerId="LiveId" clId="{801A6E01-2955-4D56-8057-38689CB67D48}" dt="2023-06-29T13:22:21.270" v="1003" actId="1036"/>
+          <ac:spMkLst>
+            <pc:docMk/>
+            <pc:sldMk cId="3270712228" sldId="258"/>
+            <ac:spMk id="5" creationId="{C1147910-8861-907D-6734-49ED6F31CA0A}"/>
+          </ac:spMkLst>
+        </pc:spChg>
+        <pc:spChg chg="mod ord">
+          <ac:chgData name="Saulo Gil" userId="e4b858b1fb629067" providerId="LiveId" clId="{801A6E01-2955-4D56-8057-38689CB67D48}" dt="2023-06-29T13:22:21.270" v="1003" actId="1036"/>
+          <ac:spMkLst>
+            <pc:docMk/>
+            <pc:sldMk cId="3270712228" sldId="258"/>
+            <ac:spMk id="6" creationId="{A064CFDC-B54C-EBFD-33A6-5C6AD8043B7E}"/>
+          </ac:spMkLst>
+        </pc:spChg>
+        <pc:spChg chg="del">
+          <ac:chgData name="Saulo Gil" userId="e4b858b1fb629067" providerId="LiveId" clId="{801A6E01-2955-4D56-8057-38689CB67D48}" dt="2023-06-19T21:53:35.130" v="262" actId="478"/>
+          <ac:spMkLst>
+            <pc:docMk/>
+            <pc:sldMk cId="3270712228" sldId="258"/>
+            <ac:spMk id="7" creationId="{B61896B3-2665-426B-4675-BA03B2CB4B36}"/>
+          </ac:spMkLst>
+        </pc:spChg>
+        <pc:spChg chg="mod">
+          <ac:chgData name="Saulo Gil" userId="e4b858b1fb629067" providerId="LiveId" clId="{801A6E01-2955-4D56-8057-38689CB67D48}" dt="2023-06-29T13:15:46.511" v="825" actId="14100"/>
+          <ac:spMkLst>
+            <pc:docMk/>
+            <pc:sldMk cId="3270712228" sldId="258"/>
+            <ac:spMk id="20" creationId="{A463A417-904F-FD4D-2CFE-2A69B93AC0E0}"/>
+          </ac:spMkLst>
+        </pc:spChg>
+        <pc:spChg chg="mod">
+          <ac:chgData name="Saulo Gil" userId="e4b858b1fb629067" providerId="LiveId" clId="{801A6E01-2955-4D56-8057-38689CB67D48}" dt="2023-06-29T13:06:22.008" v="722" actId="1076"/>
+          <ac:spMkLst>
+            <pc:docMk/>
+            <pc:sldMk cId="3270712228" sldId="258"/>
+            <ac:spMk id="21" creationId="{6093B8D4-A5F1-AAF0-17AA-AA539F630A33}"/>
+          </ac:spMkLst>
+        </pc:spChg>
+        <pc:spChg chg="mod">
+          <ac:chgData name="Saulo Gil" userId="e4b858b1fb629067" providerId="LiveId" clId="{801A6E01-2955-4D56-8057-38689CB67D48}" dt="2023-06-29T13:06:22.008" v="722" actId="1076"/>
+          <ac:spMkLst>
+            <pc:docMk/>
+            <pc:sldMk cId="3270712228" sldId="258"/>
+            <ac:spMk id="24" creationId="{F3899C2E-B56E-EDD1-0544-B5A3B2903AE4}"/>
+          </ac:spMkLst>
+        </pc:spChg>
+        <pc:spChg chg="del">
+          <ac:chgData name="Saulo Gil" userId="e4b858b1fb629067" providerId="LiveId" clId="{801A6E01-2955-4D56-8057-38689CB67D48}" dt="2023-06-19T21:53:35.130" v="262" actId="478"/>
+          <ac:spMkLst>
+            <pc:docMk/>
+            <pc:sldMk cId="3270712228" sldId="258"/>
+            <ac:spMk id="26" creationId="{419E04A3-D94E-FBE7-B8A0-58DC7F30BD07}"/>
+          </ac:spMkLst>
+        </pc:spChg>
+        <pc:spChg chg="add del mod">
+          <ac:chgData name="Saulo Gil" userId="e4b858b1fb629067" providerId="LiveId" clId="{801A6E01-2955-4D56-8057-38689CB67D48}" dt="2023-06-29T13:16:13.918" v="833" actId="478"/>
+          <ac:spMkLst>
+            <pc:docMk/>
+            <pc:sldMk cId="3270712228" sldId="258"/>
+            <ac:spMk id="29" creationId="{B4042527-A314-2331-EEA9-AE75948AB554}"/>
+          </ac:spMkLst>
+        </pc:spChg>
+        <pc:spChg chg="mod ord">
+          <ac:chgData name="Saulo Gil" userId="e4b858b1fb629067" providerId="LiveId" clId="{801A6E01-2955-4D56-8057-38689CB67D48}" dt="2023-06-29T13:22:21.270" v="1003" actId="1036"/>
+          <ac:spMkLst>
+            <pc:docMk/>
+            <pc:sldMk cId="3270712228" sldId="258"/>
+            <ac:spMk id="30" creationId="{0F89E857-76DB-F0D1-A553-97DC5FE29F1E}"/>
+          </ac:spMkLst>
+        </pc:spChg>
+        <pc:spChg chg="mod ord">
+          <ac:chgData name="Saulo Gil" userId="e4b858b1fb629067" providerId="LiveId" clId="{801A6E01-2955-4D56-8057-38689CB67D48}" dt="2023-06-29T13:22:21.270" v="1003" actId="1036"/>
+          <ac:spMkLst>
+            <pc:docMk/>
+            <pc:sldMk cId="3270712228" sldId="258"/>
+            <ac:spMk id="31" creationId="{321CF209-0380-A7EF-CBBD-04B1E855456B}"/>
+          </ac:spMkLst>
+        </pc:spChg>
+        <pc:spChg chg="add mod ord">
+          <ac:chgData name="Saulo Gil" userId="e4b858b1fb629067" providerId="LiveId" clId="{801A6E01-2955-4D56-8057-38689CB67D48}" dt="2023-06-29T19:35:06.154" v="2219" actId="20577"/>
+          <ac:spMkLst>
+            <pc:docMk/>
+            <pc:sldMk cId="3270712228" sldId="258"/>
+            <ac:spMk id="32" creationId="{2E95CC22-F595-E456-E28C-EDCE91B1C071}"/>
+          </ac:spMkLst>
+        </pc:spChg>
+        <pc:spChg chg="del">
+          <ac:chgData name="Saulo Gil" userId="e4b858b1fb629067" providerId="LiveId" clId="{801A6E01-2955-4D56-8057-38689CB67D48}" dt="2023-06-19T21:53:35.130" v="262" actId="478"/>
+          <ac:spMkLst>
+            <pc:docMk/>
+            <pc:sldMk cId="3270712228" sldId="258"/>
+            <ac:spMk id="32" creationId="{94634745-E41B-E9BC-BCDE-0D73139A051C}"/>
+          </ac:spMkLst>
+        </pc:spChg>
+        <pc:spChg chg="mod">
+          <ac:chgData name="Saulo Gil" userId="e4b858b1fb629067" providerId="LiveId" clId="{801A6E01-2955-4D56-8057-38689CB67D48}" dt="2023-06-29T13:19:44.361" v="968"/>
+          <ac:spMkLst>
+            <pc:docMk/>
+            <pc:sldMk cId="3270712228" sldId="258"/>
+            <ac:spMk id="48" creationId="{EBC949DD-EBCE-C3BB-ECF7-4907323D0A7E}"/>
+          </ac:spMkLst>
+        </pc:spChg>
+        <pc:spChg chg="mod">
+          <ac:chgData name="Saulo Gil" userId="e4b858b1fb629067" providerId="LiveId" clId="{801A6E01-2955-4D56-8057-38689CB67D48}" dt="2023-06-29T13:18:46.588" v="965"/>
+          <ac:spMkLst>
+            <pc:docMk/>
+            <pc:sldMk cId="3270712228" sldId="258"/>
+            <ac:spMk id="57" creationId="{5D60D7A8-E3D9-1A31-3C82-C1E9FB1664FD}"/>
+          </ac:spMkLst>
+        </pc:spChg>
+        <pc:spChg chg="mod ord">
+          <ac:chgData name="Saulo Gil" userId="e4b858b1fb629067" providerId="LiveId" clId="{801A6E01-2955-4D56-8057-38689CB67D48}" dt="2023-06-29T13:22:21.270" v="1003" actId="1036"/>
+          <ac:spMkLst>
+            <pc:docMk/>
+            <pc:sldMk cId="3270712228" sldId="258"/>
+            <ac:spMk id="61" creationId="{B0F1B997-D74A-DDCB-6E57-E027B4ADCCC9}"/>
+          </ac:spMkLst>
+        </pc:spChg>
+        <pc:spChg chg="mod ord">
+          <ac:chgData name="Saulo Gil" userId="e4b858b1fb629067" providerId="LiveId" clId="{801A6E01-2955-4D56-8057-38689CB67D48}" dt="2023-06-29T13:22:21.270" v="1003" actId="1036"/>
+          <ac:spMkLst>
+            <pc:docMk/>
+            <pc:sldMk cId="3270712228" sldId="258"/>
+            <ac:spMk id="63" creationId="{F72DF69E-5B43-4E2E-FBF6-50BDC7B2D4BD}"/>
+          </ac:spMkLst>
+        </pc:spChg>
+        <pc:picChg chg="add del">
+          <ac:chgData name="Saulo Gil" userId="e4b858b1fb629067" providerId="LiveId" clId="{801A6E01-2955-4D56-8057-38689CB67D48}" dt="2023-06-29T19:35:12.687" v="2221" actId="21"/>
+          <ac:picMkLst>
+            <pc:docMk/>
+            <pc:sldMk cId="3270712228" sldId="258"/>
+            <ac:picMk id="4" creationId="{0EF8D357-F118-C78A-A158-D00B40BB35A3}"/>
+          </ac:picMkLst>
+        </pc:picChg>
+        <pc:picChg chg="add del mod">
+          <ac:chgData name="Saulo Gil" userId="e4b858b1fb629067" providerId="LiveId" clId="{801A6E01-2955-4D56-8057-38689CB67D48}" dt="2023-06-29T13:02:59.623" v="695" actId="478"/>
+          <ac:picMkLst>
+            <pc:docMk/>
+            <pc:sldMk cId="3270712228" sldId="258"/>
+            <ac:picMk id="4" creationId="{C713EDD4-1E02-1EF6-E1C7-DB984EBDFF8B}"/>
+          </ac:picMkLst>
+        </pc:picChg>
+        <pc:picChg chg="add del mod">
+          <ac:chgData name="Saulo Gil" userId="e4b858b1fb629067" providerId="LiveId" clId="{801A6E01-2955-4D56-8057-38689CB67D48}" dt="2023-06-29T13:04:09.630" v="704" actId="478"/>
+          <ac:picMkLst>
+            <pc:docMk/>
+            <pc:sldMk cId="3270712228" sldId="258"/>
+            <ac:picMk id="7" creationId="{0A1EAF3F-1175-CB1E-3471-75078AE173F2}"/>
+          </ac:picMkLst>
+        </pc:picChg>
+        <pc:picChg chg="add mod modCrop">
+          <ac:chgData name="Saulo Gil" userId="e4b858b1fb629067" providerId="LiveId" clId="{801A6E01-2955-4D56-8057-38689CB67D48}" dt="2023-06-29T19:37:01.443" v="2229" actId="1035"/>
+          <ac:picMkLst>
+            <pc:docMk/>
+            <pc:sldMk cId="3270712228" sldId="258"/>
+            <ac:picMk id="7" creationId="{5236B3D2-D06E-2B4A-5989-F83BC36C2961}"/>
+          </ac:picMkLst>
+        </pc:picChg>
+        <pc:picChg chg="add del mod">
+          <ac:chgData name="Saulo Gil" userId="e4b858b1fb629067" providerId="LiveId" clId="{801A6E01-2955-4D56-8057-38689CB67D48}" dt="2023-06-29T13:04:09.166" v="703" actId="478"/>
+          <ac:picMkLst>
+            <pc:docMk/>
+            <pc:sldMk cId="3270712228" sldId="258"/>
+            <ac:picMk id="8" creationId="{415644EC-026D-0C66-7125-4B7E64DE94AC}"/>
+          </ac:picMkLst>
+        </pc:picChg>
+        <pc:picChg chg="add del">
+          <ac:chgData name="Saulo Gil" userId="e4b858b1fb629067" providerId="LiveId" clId="{801A6E01-2955-4D56-8057-38689CB67D48}" dt="2023-06-29T19:37:09.711" v="2231" actId="21"/>
+          <ac:picMkLst>
+            <pc:docMk/>
+            <pc:sldMk cId="3270712228" sldId="258"/>
+            <ac:picMk id="8" creationId="{DACF544F-C6FD-6867-3956-36F717D8A157}"/>
+          </ac:picMkLst>
+        </pc:picChg>
+        <pc:picChg chg="add del mod">
+          <ac:chgData name="Saulo Gil" userId="e4b858b1fb629067" providerId="LiveId" clId="{801A6E01-2955-4D56-8057-38689CB67D48}" dt="2023-06-29T13:04:22.110" v="707" actId="478"/>
+          <ac:picMkLst>
+            <pc:docMk/>
+            <pc:sldMk cId="3270712228" sldId="258"/>
+            <ac:picMk id="9" creationId="{AD3D24D1-8351-567B-939F-84F1382C1757}"/>
+          </ac:picMkLst>
+        </pc:picChg>
+        <pc:picChg chg="add del mod">
+          <ac:chgData name="Saulo Gil" userId="e4b858b1fb629067" providerId="LiveId" clId="{801A6E01-2955-4D56-8057-38689CB67D48}" dt="2023-06-19T21:54:20.513" v="271" actId="21"/>
+          <ac:picMkLst>
+            <pc:docMk/>
+            <pc:sldMk cId="3270712228" sldId="258"/>
+            <ac:picMk id="10" creationId="{2290BC20-5D18-8B42-FC90-F8C1FE1E2DCC}"/>
+          </ac:picMkLst>
+        </pc:picChg>
+        <pc:picChg chg="add del mod">
+          <ac:chgData name="Saulo Gil" userId="e4b858b1fb629067" providerId="LiveId" clId="{801A6E01-2955-4D56-8057-38689CB67D48}" dt="2023-06-29T13:04:46.614" v="713" actId="478"/>
+          <ac:picMkLst>
+            <pc:docMk/>
+            <pc:sldMk cId="3270712228" sldId="258"/>
+            <ac:picMk id="10" creationId="{B156968A-8102-87A6-161A-B6351FD36082}"/>
+          </ac:picMkLst>
+        </pc:picChg>
+        <pc:picChg chg="add mod ord">
+          <ac:chgData name="Saulo Gil" userId="e4b858b1fb629067" providerId="LiveId" clId="{801A6E01-2955-4D56-8057-38689CB67D48}" dt="2023-06-29T13:22:21.270" v="1003" actId="1036"/>
+          <ac:picMkLst>
+            <pc:docMk/>
+            <pc:sldMk cId="3270712228" sldId="258"/>
+            <ac:picMk id="11" creationId="{3AE91F8E-4FD9-6FDA-2166-C9B848456F51}"/>
+          </ac:picMkLst>
+        </pc:picChg>
+        <pc:picChg chg="add mod ord">
+          <ac:chgData name="Saulo Gil" userId="e4b858b1fb629067" providerId="LiveId" clId="{801A6E01-2955-4D56-8057-38689CB67D48}" dt="2023-06-29T13:23:27.231" v="1011" actId="171"/>
+          <ac:picMkLst>
+            <pc:docMk/>
+            <pc:sldMk cId="3270712228" sldId="258"/>
+            <ac:picMk id="12" creationId="{FC5A8372-6C81-3A13-A951-AABAC02B38C0}"/>
+          </ac:picMkLst>
+        </pc:picChg>
+        <pc:picChg chg="add mod ord">
+          <ac:chgData name="Saulo Gil" userId="e4b858b1fb629067" providerId="LiveId" clId="{801A6E01-2955-4D56-8057-38689CB67D48}" dt="2023-06-29T13:22:21.270" v="1003" actId="1036"/>
+          <ac:picMkLst>
+            <pc:docMk/>
+            <pc:sldMk cId="3270712228" sldId="258"/>
+            <ac:picMk id="13" creationId="{AD113682-3910-3B13-7149-574554FAEB94}"/>
+          </ac:picMkLst>
+        </pc:picChg>
+        <pc:picChg chg="add mod ord modCrop">
+          <ac:chgData name="Saulo Gil" userId="e4b858b1fb629067" providerId="LiveId" clId="{801A6E01-2955-4D56-8057-38689CB67D48}" dt="2023-06-29T19:36:20.253" v="2222" actId="732"/>
+          <ac:picMkLst>
+            <pc:docMk/>
+            <pc:sldMk cId="3270712228" sldId="258"/>
+            <ac:picMk id="14" creationId="{E7171BAC-38EA-8E03-C726-D50D52E267B1}"/>
+          </ac:picMkLst>
+        </pc:picChg>
+        <pc:picChg chg="del mod">
+          <ac:chgData name="Saulo Gil" userId="e4b858b1fb629067" providerId="LiveId" clId="{801A6E01-2955-4D56-8057-38689CB67D48}" dt="2023-06-29T13:12:13.613" v="742" actId="478"/>
+          <ac:picMkLst>
+            <pc:docMk/>
+            <pc:sldMk cId="3270712228" sldId="258"/>
+            <ac:picMk id="35" creationId="{3794637A-D726-C822-7316-4603A904CD1A}"/>
+          </ac:picMkLst>
+        </pc:picChg>
+        <pc:picChg chg="del mod">
+          <ac:chgData name="Saulo Gil" userId="e4b858b1fb629067" providerId="LiveId" clId="{801A6E01-2955-4D56-8057-38689CB67D48}" dt="2023-06-29T13:12:13.085" v="741" actId="478"/>
+          <ac:picMkLst>
+            <pc:docMk/>
+            <pc:sldMk cId="3270712228" sldId="258"/>
+            <ac:picMk id="36" creationId="{4B4DBDC1-81E6-651C-332B-77C9189C713A}"/>
+          </ac:picMkLst>
+        </pc:picChg>
+        <pc:picChg chg="del">
+          <ac:chgData name="Saulo Gil" userId="e4b858b1fb629067" providerId="LiveId" clId="{801A6E01-2955-4D56-8057-38689CB67D48}" dt="2023-06-19T21:53:33.755" v="261" actId="478"/>
+          <ac:picMkLst>
+            <pc:docMk/>
+            <pc:sldMk cId="3270712228" sldId="258"/>
+            <ac:picMk id="37" creationId="{12AF0F9F-5133-B9F3-DD90-B7AFB6E48C90}"/>
+          </ac:picMkLst>
+        </pc:picChg>
+        <pc:picChg chg="add mod">
+          <ac:chgData name="Saulo Gil" userId="e4b858b1fb629067" providerId="LiveId" clId="{801A6E01-2955-4D56-8057-38689CB67D48}" dt="2023-06-29T13:19:19.470" v="967" actId="1076"/>
+          <ac:picMkLst>
+            <pc:docMk/>
+            <pc:sldMk cId="3270712228" sldId="258"/>
+            <ac:picMk id="38" creationId="{2244621B-988E-5E2F-1FD2-DE36C9D4515C}"/>
+          </ac:picMkLst>
+        </pc:picChg>
+        <pc:picChg chg="del">
+          <ac:chgData name="Saulo Gil" userId="e4b858b1fb629067" providerId="LiveId" clId="{801A6E01-2955-4D56-8057-38689CB67D48}" dt="2023-06-19T21:53:32.998" v="260" actId="478"/>
+          <ac:picMkLst>
+            <pc:docMk/>
+            <pc:sldMk cId="3270712228" sldId="258"/>
+            <ac:picMk id="38" creationId="{75BF4BA3-EA57-E7AE-5FA6-B90F08EE7416}"/>
+          </ac:picMkLst>
+        </pc:picChg>
+        <pc:picChg chg="add mod">
+          <ac:chgData name="Saulo Gil" userId="e4b858b1fb629067" providerId="LiveId" clId="{801A6E01-2955-4D56-8057-38689CB67D48}" dt="2023-06-29T13:20:03.286" v="970" actId="1076"/>
+          <ac:picMkLst>
+            <pc:docMk/>
+            <pc:sldMk cId="3270712228" sldId="258"/>
+            <ac:picMk id="40" creationId="{04EDF24C-5B1A-DD0F-F45B-38A6F6E7FEE8}"/>
+          </ac:picMkLst>
+        </pc:picChg>
+        <pc:picChg chg="del mod">
+          <ac:chgData name="Saulo Gil" userId="e4b858b1fb629067" providerId="LiveId" clId="{801A6E01-2955-4D56-8057-38689CB67D48}" dt="2023-06-29T13:12:12.430" v="740" actId="478"/>
+          <ac:picMkLst>
+            <pc:docMk/>
+            <pc:sldMk cId="3270712228" sldId="258"/>
+            <ac:picMk id="41" creationId="{7A6D4A0A-1C71-B2E0-B687-F8397828BC7D}"/>
+          </ac:picMkLst>
+        </pc:picChg>
+        <pc:picChg chg="del mod">
+          <ac:chgData name="Saulo Gil" userId="e4b858b1fb629067" providerId="LiveId" clId="{801A6E01-2955-4D56-8057-38689CB67D48}" dt="2023-06-29T13:12:11.910" v="739" actId="478"/>
+          <ac:picMkLst>
+            <pc:docMk/>
+            <pc:sldMk cId="3270712228" sldId="258"/>
+            <ac:picMk id="42" creationId="{E766C390-DF9A-8D5B-89D5-28E1C874B803}"/>
+          </ac:picMkLst>
+        </pc:picChg>
+        <pc:picChg chg="add mod">
+          <ac:chgData name="Saulo Gil" userId="e4b858b1fb629067" providerId="LiveId" clId="{801A6E01-2955-4D56-8057-38689CB67D48}" dt="2023-06-29T13:21:09.598" v="972" actId="1076"/>
+          <ac:picMkLst>
+            <pc:docMk/>
+            <pc:sldMk cId="3270712228" sldId="258"/>
+            <ac:picMk id="44" creationId="{B273F828-F07C-DFBD-5366-0D6EAF628FDB}"/>
+          </ac:picMkLst>
+        </pc:picChg>
+        <pc:picChg chg="add mod">
+          <ac:chgData name="Saulo Gil" userId="e4b858b1fb629067" providerId="LiveId" clId="{801A6E01-2955-4D56-8057-38689CB67D48}" dt="2023-06-29T13:21:39.190" v="976" actId="1076"/>
+          <ac:picMkLst>
+            <pc:docMk/>
+            <pc:sldMk cId="3270712228" sldId="258"/>
+            <ac:picMk id="46" creationId="{20A457F5-B69A-A103-3527-416D6A0E20CB}"/>
+          </ac:picMkLst>
+        </pc:picChg>
+        <pc:picChg chg="add del">
+          <ac:chgData name="Saulo Gil" userId="e4b858b1fb629067" providerId="LiveId" clId="{801A6E01-2955-4D56-8057-38689CB67D48}" dt="2023-06-29T13:22:34.418" v="1005" actId="21"/>
+          <ac:picMkLst>
+            <pc:docMk/>
+            <pc:sldMk cId="3270712228" sldId="258"/>
+            <ac:picMk id="47" creationId="{A690EB76-2AA7-78D7-4F49-B90C5157FEB5}"/>
+          </ac:picMkLst>
+        </pc:picChg>
+        <pc:picChg chg="add del">
+          <ac:chgData name="Saulo Gil" userId="e4b858b1fb629067" providerId="LiveId" clId="{801A6E01-2955-4D56-8057-38689CB67D48}" dt="2023-06-29T13:23:33.972" v="1013" actId="21"/>
+          <ac:picMkLst>
+            <pc:docMk/>
+            <pc:sldMk cId="3270712228" sldId="258"/>
+            <ac:picMk id="49" creationId="{AFC5F8DD-FB2A-8E6F-79EC-087EEEF20AC0}"/>
+          </ac:picMkLst>
+        </pc:picChg>
+        <pc:cxnChg chg="add del mod">
+          <ac:chgData name="Saulo Gil" userId="e4b858b1fb629067" providerId="LiveId" clId="{801A6E01-2955-4D56-8057-38689CB67D48}" dt="2023-06-29T13:16:33.630" v="852" actId="1038"/>
+          <ac:cxnSpMkLst>
+            <pc:docMk/>
+            <pc:sldMk cId="3270712228" sldId="258"/>
+            <ac:cxnSpMk id="28" creationId="{45802C0D-18BB-AE8E-F130-800E1D591458}"/>
+          </ac:cxnSpMkLst>
+        </pc:cxnChg>
+        <pc:cxnChg chg="add del mod">
+          <ac:chgData name="Saulo Gil" userId="e4b858b1fb629067" providerId="LiveId" clId="{801A6E01-2955-4D56-8057-38689CB67D48}" dt="2023-06-29T13:16:13.918" v="833" actId="478"/>
+          <ac:cxnSpMkLst>
+            <pc:docMk/>
+            <pc:sldMk cId="3270712228" sldId="258"/>
+            <ac:cxnSpMk id="33" creationId="{5A6D8701-B7FE-2872-E46D-238969EB9F86}"/>
+          </ac:cxnSpMkLst>
+        </pc:cxnChg>
+        <pc:cxnChg chg="add mod ord">
+          <ac:chgData name="Saulo Gil" userId="e4b858b1fb629067" providerId="LiveId" clId="{801A6E01-2955-4D56-8057-38689CB67D48}" dt="2023-06-29T13:22:21.270" v="1003" actId="1036"/>
+          <ac:cxnSpMkLst>
+            <pc:docMk/>
+            <pc:sldMk cId="3270712228" sldId="258"/>
+            <ac:cxnSpMk id="34" creationId="{1E37D809-A9FC-A899-FD3E-3D6190F5B892}"/>
+          </ac:cxnSpMkLst>
+        </pc:cxnChg>
+        <pc:cxnChg chg="mod">
+          <ac:chgData name="Saulo Gil" userId="e4b858b1fb629067" providerId="LiveId" clId="{801A6E01-2955-4D56-8057-38689CB67D48}" dt="2023-06-29T13:06:22.008" v="722" actId="1076"/>
+          <ac:cxnSpMkLst>
+            <pc:docMk/>
+            <pc:sldMk cId="3270712228" sldId="258"/>
+            <ac:cxnSpMk id="53" creationId="{9C9C9A2E-4322-2187-FB43-396B71C64E71}"/>
+          </ac:cxnSpMkLst>
+        </pc:cxnChg>
+        <pc:cxnChg chg="mod">
+          <ac:chgData name="Saulo Gil" userId="e4b858b1fb629067" providerId="LiveId" clId="{801A6E01-2955-4D56-8057-38689CB67D48}" dt="2023-06-29T13:06:22.008" v="722" actId="1076"/>
+          <ac:cxnSpMkLst>
+            <pc:docMk/>
+            <pc:sldMk cId="3270712228" sldId="258"/>
+            <ac:cxnSpMk id="58" creationId="{0463A3FC-03CE-EA1D-944D-0C461D5D436E}"/>
+          </ac:cxnSpMkLst>
+        </pc:cxnChg>
+        <pc:cxnChg chg="mod ord">
+          <ac:chgData name="Saulo Gil" userId="e4b858b1fb629067" providerId="LiveId" clId="{801A6E01-2955-4D56-8057-38689CB67D48}" dt="2023-06-29T13:22:21.270" v="1003" actId="1036"/>
+          <ac:cxnSpMkLst>
+            <pc:docMk/>
+            <pc:sldMk cId="3270712228" sldId="258"/>
+            <ac:cxnSpMk id="62" creationId="{FAE99593-7F71-C1D3-0FE9-C682736782E7}"/>
+          </ac:cxnSpMkLst>
+        </pc:cxnChg>
+        <pc:cxnChg chg="mod ord">
+          <ac:chgData name="Saulo Gil" userId="e4b858b1fb629067" providerId="LiveId" clId="{801A6E01-2955-4D56-8057-38689CB67D48}" dt="2023-06-29T13:22:21.270" v="1003" actId="1036"/>
+          <ac:cxnSpMkLst>
+            <pc:docMk/>
+            <pc:sldMk cId="3270712228" sldId="258"/>
+            <ac:cxnSpMk id="64" creationId="{DD54D9D5-8D00-A40C-F269-A0C4CE40628B}"/>
+          </ac:cxnSpMkLst>
+        </pc:cxnChg>
+      </pc:sldChg>
+      <pc:sldChg chg="addSp delSp modSp new mod ord">
+        <pc:chgData name="Saulo Gil" userId="e4b858b1fb629067" providerId="LiveId" clId="{801A6E01-2955-4D56-8057-38689CB67D48}" dt="2023-06-29T18:12:52.033" v="2210" actId="21"/>
+        <pc:sldMkLst>
+          <pc:docMk/>
+          <pc:sldMk cId="1937024240" sldId="259"/>
+        </pc:sldMkLst>
+        <pc:spChg chg="add mod">
+          <ac:chgData name="Saulo Gil" userId="e4b858b1fb629067" providerId="LiveId" clId="{801A6E01-2955-4D56-8057-38689CB67D48}" dt="2023-06-29T15:54:00.650" v="1813" actId="1035"/>
+          <ac:spMkLst>
+            <pc:docMk/>
+            <pc:sldMk cId="1937024240" sldId="259"/>
+            <ac:spMk id="2" creationId="{FED15CA6-4259-D9DF-D867-C2CBB9B859C3}"/>
+          </ac:spMkLst>
+        </pc:spChg>
+        <pc:spChg chg="add mod">
+          <ac:chgData name="Saulo Gil" userId="e4b858b1fb629067" providerId="LiveId" clId="{801A6E01-2955-4D56-8057-38689CB67D48}" dt="2023-06-29T15:49:03.922" v="1642" actId="1037"/>
+          <ac:spMkLst>
+            <pc:docMk/>
+            <pc:sldMk cId="1937024240" sldId="259"/>
+            <ac:spMk id="3" creationId="{1482DB97-8665-B17F-22E3-501FD29F761D}"/>
+          </ac:spMkLst>
+        </pc:spChg>
+        <pc:spChg chg="add mod">
+          <ac:chgData name="Saulo Gil" userId="e4b858b1fb629067" providerId="LiveId" clId="{801A6E01-2955-4D56-8057-38689CB67D48}" dt="2023-06-29T15:48:13.938" v="1541" actId="1037"/>
+          <ac:spMkLst>
+            <pc:docMk/>
+            <pc:sldMk cId="1937024240" sldId="259"/>
+            <ac:spMk id="4" creationId="{54E2658C-9266-07DD-A344-187CE3178972}"/>
+          </ac:spMkLst>
+        </pc:spChg>
+        <pc:spChg chg="add del mod">
+          <ac:chgData name="Saulo Gil" userId="e4b858b1fb629067" providerId="LiveId" clId="{801A6E01-2955-4D56-8057-38689CB67D48}" dt="2023-06-29T15:39:45.818" v="1097" actId="478"/>
+          <ac:spMkLst>
+            <pc:docMk/>
+            <pc:sldMk cId="1937024240" sldId="259"/>
+            <ac:spMk id="6" creationId="{7F4DC318-7028-F4A8-1FE4-0D1E8C876227}"/>
+          </ac:spMkLst>
+        </pc:spChg>
+        <pc:spChg chg="add del mod">
+          <ac:chgData name="Saulo Gil" userId="e4b858b1fb629067" providerId="LiveId" clId="{801A6E01-2955-4D56-8057-38689CB67D48}" dt="2023-06-29T15:39:45.818" v="1097" actId="478"/>
+          <ac:spMkLst>
+            <pc:docMk/>
+            <pc:sldMk cId="1937024240" sldId="259"/>
+            <ac:spMk id="7" creationId="{E11FB339-E94D-6590-FBD2-AC0B3587581F}"/>
+          </ac:spMkLst>
+        </pc:spChg>
+        <pc:spChg chg="add del mod">
+          <ac:chgData name="Saulo Gil" userId="e4b858b1fb629067" providerId="LiveId" clId="{801A6E01-2955-4D56-8057-38689CB67D48}" dt="2023-06-29T15:39:45.818" v="1097" actId="478"/>
+          <ac:spMkLst>
+            <pc:docMk/>
+            <pc:sldMk cId="1937024240" sldId="259"/>
+            <ac:spMk id="8" creationId="{31668F05-F71F-D5BE-B8BA-E7718FE89A0E}"/>
+          </ac:spMkLst>
+        </pc:spChg>
+        <pc:spChg chg="add mod">
+          <ac:chgData name="Saulo Gil" userId="e4b858b1fb629067" providerId="LiveId" clId="{801A6E01-2955-4D56-8057-38689CB67D48}" dt="2023-06-29T15:40:41.122" v="1334" actId="1037"/>
+          <ac:spMkLst>
+            <pc:docMk/>
+            <pc:sldMk cId="1937024240" sldId="259"/>
+            <ac:spMk id="10" creationId="{14CD97AE-011A-F8E0-BDD1-EFA8CCD6AD30}"/>
+          </ac:spMkLst>
+        </pc:spChg>
+        <pc:spChg chg="add mod">
+          <ac:chgData name="Saulo Gil" userId="e4b858b1fb629067" providerId="LiveId" clId="{801A6E01-2955-4D56-8057-38689CB67D48}" dt="2023-06-29T15:40:51.482" v="1372" actId="1037"/>
+          <ac:spMkLst>
+            <pc:docMk/>
+            <pc:sldMk cId="1937024240" sldId="259"/>
+            <ac:spMk id="11" creationId="{45CCB714-8995-2BEB-F1B5-C5468E01573C}"/>
+          </ac:spMkLst>
+        </pc:spChg>
+        <pc:spChg chg="add del mod">
+          <ac:chgData name="Saulo Gil" userId="e4b858b1fb629067" providerId="LiveId" clId="{801A6E01-2955-4D56-8057-38689CB67D48}" dt="2023-06-29T15:39:45.818" v="1097" actId="478"/>
+          <ac:spMkLst>
+            <pc:docMk/>
+            <pc:sldMk cId="1937024240" sldId="259"/>
+            <ac:spMk id="12" creationId="{1FDA53C4-DFA8-D5A2-298D-3E1E68CA13DB}"/>
+          </ac:spMkLst>
+        </pc:spChg>
+        <pc:spChg chg="add del mod">
+          <ac:chgData name="Saulo Gil" userId="e4b858b1fb629067" providerId="LiveId" clId="{801A6E01-2955-4D56-8057-38689CB67D48}" dt="2023-06-29T15:39:45.818" v="1097" actId="478"/>
+          <ac:spMkLst>
+            <pc:docMk/>
+            <pc:sldMk cId="1937024240" sldId="259"/>
+            <ac:spMk id="13" creationId="{6D40A29F-6429-7C8D-AC98-570973E4415A}"/>
+          </ac:spMkLst>
+        </pc:spChg>
+        <pc:spChg chg="add del mod">
+          <ac:chgData name="Saulo Gil" userId="e4b858b1fb629067" providerId="LiveId" clId="{801A6E01-2955-4D56-8057-38689CB67D48}" dt="2023-06-29T15:35:34.458" v="1022" actId="478"/>
+          <ac:spMkLst>
+            <pc:docMk/>
+            <pc:sldMk cId="1937024240" sldId="259"/>
+            <ac:spMk id="18" creationId="{65A85EF6-DC0D-1BE6-9FB4-09BEAA736F7D}"/>
+          </ac:spMkLst>
+        </pc:spChg>
+        <pc:spChg chg="add del mod">
+          <ac:chgData name="Saulo Gil" userId="e4b858b1fb629067" providerId="LiveId" clId="{801A6E01-2955-4D56-8057-38689CB67D48}" dt="2023-06-29T15:43:50.568" v="1407"/>
+          <ac:spMkLst>
+            <pc:docMk/>
+            <pc:sldMk cId="1937024240" sldId="259"/>
+            <ac:spMk id="28" creationId="{CD831E5E-4FAD-975A-40EA-3D18B15B6F3E}"/>
+          </ac:spMkLst>
+        </pc:spChg>
+        <pc:spChg chg="add del mod">
+          <ac:chgData name="Saulo Gil" userId="e4b858b1fb629067" providerId="LiveId" clId="{801A6E01-2955-4D56-8057-38689CB67D48}" dt="2023-06-29T15:43:50.568" v="1407"/>
+          <ac:spMkLst>
+            <pc:docMk/>
+            <pc:sldMk cId="1937024240" sldId="259"/>
+            <ac:spMk id="29" creationId="{F4A3C231-14D4-3293-DF05-6B90CF07F4BD}"/>
+          </ac:spMkLst>
+        </pc:spChg>
+        <pc:spChg chg="add mod">
+          <ac:chgData name="Saulo Gil" userId="e4b858b1fb629067" providerId="LiveId" clId="{801A6E01-2955-4D56-8057-38689CB67D48}" dt="2023-06-29T15:54:33.167" v="1877" actId="1035"/>
+          <ac:spMkLst>
+            <pc:docMk/>
+            <pc:sldMk cId="1937024240" sldId="259"/>
+            <ac:spMk id="30" creationId="{D96DE3F8-7245-7542-7368-EF1C3AF70516}"/>
+          </ac:spMkLst>
+        </pc:spChg>
+        <pc:spChg chg="add mod">
+          <ac:chgData name="Saulo Gil" userId="e4b858b1fb629067" providerId="LiveId" clId="{801A6E01-2955-4D56-8057-38689CB67D48}" dt="2023-06-29T15:54:33.167" v="1877" actId="1035"/>
+          <ac:spMkLst>
+            <pc:docMk/>
+            <pc:sldMk cId="1937024240" sldId="259"/>
+            <ac:spMk id="32" creationId="{9C0A834B-2A40-2FCD-C255-524CF4A0EB30}"/>
+          </ac:spMkLst>
+        </pc:spChg>
+        <pc:spChg chg="add mod">
+          <ac:chgData name="Saulo Gil" userId="e4b858b1fb629067" providerId="LiveId" clId="{801A6E01-2955-4D56-8057-38689CB67D48}" dt="2023-06-29T15:54:33.167" v="1877" actId="1035"/>
+          <ac:spMkLst>
+            <pc:docMk/>
+            <pc:sldMk cId="1937024240" sldId="259"/>
+            <ac:spMk id="33" creationId="{1647E1A5-6A61-C6F5-F2BB-1C3E1FF33C83}"/>
+          </ac:spMkLst>
+        </pc:spChg>
+        <pc:spChg chg="add mod">
+          <ac:chgData name="Saulo Gil" userId="e4b858b1fb629067" providerId="LiveId" clId="{801A6E01-2955-4D56-8057-38689CB67D48}" dt="2023-06-29T15:54:33.167" v="1877" actId="1035"/>
+          <ac:spMkLst>
+            <pc:docMk/>
+            <pc:sldMk cId="1937024240" sldId="259"/>
+            <ac:spMk id="34" creationId="{86C29078-3A59-EC3A-B03F-457441F96848}"/>
+          </ac:spMkLst>
+        </pc:spChg>
+        <pc:spChg chg="add mod">
+          <ac:chgData name="Saulo Gil" userId="e4b858b1fb629067" providerId="LiveId" clId="{801A6E01-2955-4D56-8057-38689CB67D48}" dt="2023-06-29T15:54:33.167" v="1877" actId="1035"/>
+          <ac:spMkLst>
+            <pc:docMk/>
+            <pc:sldMk cId="1937024240" sldId="259"/>
+            <ac:spMk id="35" creationId="{522C2D8F-68CB-D377-0E1C-4A73AB63CA87}"/>
+          </ac:spMkLst>
+        </pc:spChg>
+        <pc:spChg chg="add del">
+          <ac:chgData name="Saulo Gil" userId="e4b858b1fb629067" providerId="LiveId" clId="{801A6E01-2955-4D56-8057-38689CB67D48}" dt="2023-06-29T15:52:30.842" v="1745" actId="478"/>
+          <ac:spMkLst>
+            <pc:docMk/>
+            <pc:sldMk cId="1937024240" sldId="259"/>
+            <ac:spMk id="36" creationId="{37E53979-2742-200E-3363-9B81B3FEEC5C}"/>
+          </ac:spMkLst>
+        </pc:spChg>
+        <pc:spChg chg="add del mod">
+          <ac:chgData name="Saulo Gil" userId="e4b858b1fb629067" providerId="LiveId" clId="{801A6E01-2955-4D56-8057-38689CB67D48}" dt="2023-06-29T15:55:18.667" v="1882"/>
+          <ac:spMkLst>
+            <pc:docMk/>
+            <pc:sldMk cId="1937024240" sldId="259"/>
+            <ac:spMk id="40" creationId="{B7967607-634D-27BF-89D9-96FF9326329F}"/>
+          </ac:spMkLst>
+        </pc:spChg>
+        <pc:spChg chg="add del mod">
+          <ac:chgData name="Saulo Gil" userId="e4b858b1fb629067" providerId="LiveId" clId="{801A6E01-2955-4D56-8057-38689CB67D48}" dt="2023-06-29T15:55:18.667" v="1882"/>
+          <ac:spMkLst>
+            <pc:docMk/>
+            <pc:sldMk cId="1937024240" sldId="259"/>
+            <ac:spMk id="41" creationId="{20E08DE3-E85F-1A6D-AB65-BFF84C1368EE}"/>
+          </ac:spMkLst>
+        </pc:spChg>
+        <pc:spChg chg="add del mod">
+          <ac:chgData name="Saulo Gil" userId="e4b858b1fb629067" providerId="LiveId" clId="{801A6E01-2955-4D56-8057-38689CB67D48}" dt="2023-06-29T15:55:18.667" v="1882"/>
+          <ac:spMkLst>
+            <pc:docMk/>
+            <pc:sldMk cId="1937024240" sldId="259"/>
+            <ac:spMk id="42" creationId="{3C06D79B-992A-3411-CD0E-F507101646FE}"/>
+          </ac:spMkLst>
+        </pc:spChg>
+        <pc:spChg chg="add del mod">
+          <ac:chgData name="Saulo Gil" userId="e4b858b1fb629067" providerId="LiveId" clId="{801A6E01-2955-4D56-8057-38689CB67D48}" dt="2023-06-29T15:55:18.667" v="1882"/>
+          <ac:spMkLst>
+            <pc:docMk/>
+            <pc:sldMk cId="1937024240" sldId="259"/>
+            <ac:spMk id="44" creationId="{6F27F1C6-67CB-212E-1754-E628923E84CD}"/>
+          </ac:spMkLst>
+        </pc:spChg>
+        <pc:spChg chg="add del mod">
+          <ac:chgData name="Saulo Gil" userId="e4b858b1fb629067" providerId="LiveId" clId="{801A6E01-2955-4D56-8057-38689CB67D48}" dt="2023-06-29T15:55:18.667" v="1882"/>
+          <ac:spMkLst>
+            <pc:docMk/>
+            <pc:sldMk cId="1937024240" sldId="259"/>
+            <ac:spMk id="45" creationId="{76E67995-1693-AFA5-C3EB-9A47D774F2A5}"/>
+          </ac:spMkLst>
+        </pc:spChg>
+        <pc:spChg chg="add del mod">
+          <ac:chgData name="Saulo Gil" userId="e4b858b1fb629067" providerId="LiveId" clId="{801A6E01-2955-4D56-8057-38689CB67D48}" dt="2023-06-29T15:55:18.667" v="1882"/>
+          <ac:spMkLst>
+            <pc:docMk/>
+            <pc:sldMk cId="1937024240" sldId="259"/>
+            <ac:spMk id="50" creationId="{69DFF55B-411F-63A1-1F43-E269C323BAD1}"/>
+          </ac:spMkLst>
+        </pc:spChg>
+        <pc:spChg chg="add del mod">
+          <ac:chgData name="Saulo Gil" userId="e4b858b1fb629067" providerId="LiveId" clId="{801A6E01-2955-4D56-8057-38689CB67D48}" dt="2023-06-29T15:55:18.667" v="1882"/>
+          <ac:spMkLst>
+            <pc:docMk/>
+            <pc:sldMk cId="1937024240" sldId="259"/>
+            <ac:spMk id="52" creationId="{CCDB8A97-60A3-B8AB-7644-334F0306AFCE}"/>
+          </ac:spMkLst>
+        </pc:spChg>
+        <pc:spChg chg="add del mod">
+          <ac:chgData name="Saulo Gil" userId="e4b858b1fb629067" providerId="LiveId" clId="{801A6E01-2955-4D56-8057-38689CB67D48}" dt="2023-06-29T15:55:18.667" v="1882"/>
+          <ac:spMkLst>
+            <pc:docMk/>
+            <pc:sldMk cId="1937024240" sldId="259"/>
+            <ac:spMk id="53" creationId="{45FE7CCE-90BC-82E2-7AD5-A9F7C46A0A3F}"/>
+          </ac:spMkLst>
+        </pc:spChg>
+        <pc:spChg chg="add del mod">
+          <ac:chgData name="Saulo Gil" userId="e4b858b1fb629067" providerId="LiveId" clId="{801A6E01-2955-4D56-8057-38689CB67D48}" dt="2023-06-29T15:55:18.667" v="1882"/>
+          <ac:spMkLst>
+            <pc:docMk/>
+            <pc:sldMk cId="1937024240" sldId="259"/>
+            <ac:spMk id="54" creationId="{97CDB8AF-96CD-0E73-2FFA-57BF320B14D7}"/>
+          </ac:spMkLst>
+        </pc:spChg>
+        <pc:spChg chg="add del mod">
+          <ac:chgData name="Saulo Gil" userId="e4b858b1fb629067" providerId="LiveId" clId="{801A6E01-2955-4D56-8057-38689CB67D48}" dt="2023-06-29T15:55:18.667" v="1882"/>
+          <ac:spMkLst>
+            <pc:docMk/>
+            <pc:sldMk cId="1937024240" sldId="259"/>
+            <ac:spMk id="55" creationId="{CC969115-5A05-E801-C3CE-264C4206BEB0}"/>
+          </ac:spMkLst>
+        </pc:spChg>
+        <pc:picChg chg="add del mod">
+          <ac:chgData name="Saulo Gil" userId="e4b858b1fb629067" providerId="LiveId" clId="{801A6E01-2955-4D56-8057-38689CB67D48}" dt="2023-06-29T15:35:30.753" v="1021" actId="478"/>
+          <ac:picMkLst>
+            <pc:docMk/>
+            <pc:sldMk cId="1937024240" sldId="259"/>
+            <ac:picMk id="14" creationId="{5F7B9172-D07F-25B4-87B0-C1AED4E0E2B8}"/>
+          </ac:picMkLst>
+        </pc:picChg>
+        <pc:picChg chg="add del mod">
+          <ac:chgData name="Saulo Gil" userId="e4b858b1fb629067" providerId="LiveId" clId="{801A6E01-2955-4D56-8057-38689CB67D48}" dt="2023-06-29T15:35:27.986" v="1018" actId="478"/>
+          <ac:picMkLst>
+            <pc:docMk/>
+            <pc:sldMk cId="1937024240" sldId="259"/>
+            <ac:picMk id="15" creationId="{BB8FEBA3-19F0-5F1A-3259-E1BDEA33196A}"/>
+          </ac:picMkLst>
+        </pc:picChg>
+        <pc:picChg chg="add del mod">
+          <ac:chgData name="Saulo Gil" userId="e4b858b1fb629067" providerId="LiveId" clId="{801A6E01-2955-4D56-8057-38689CB67D48}" dt="2023-06-29T15:35:30.049" v="1020" actId="478"/>
+          <ac:picMkLst>
+            <pc:docMk/>
+            <pc:sldMk cId="1937024240" sldId="259"/>
+            <ac:picMk id="16" creationId="{024CDAF1-5AB8-DC33-2135-177DEE08477F}"/>
+          </ac:picMkLst>
+        </pc:picChg>
+        <pc:picChg chg="add del mod">
+          <ac:chgData name="Saulo Gil" userId="e4b858b1fb629067" providerId="LiveId" clId="{801A6E01-2955-4D56-8057-38689CB67D48}" dt="2023-06-29T15:35:28.497" v="1019" actId="478"/>
+          <ac:picMkLst>
+            <pc:docMk/>
+            <pc:sldMk cId="1937024240" sldId="259"/>
+            <ac:picMk id="17" creationId="{A59362F2-8A29-6227-4921-D9D8B2969948}"/>
+          </ac:picMkLst>
+        </pc:picChg>
+        <pc:picChg chg="add del mod">
+          <ac:chgData name="Saulo Gil" userId="e4b858b1fb629067" providerId="LiveId" clId="{801A6E01-2955-4D56-8057-38689CB67D48}" dt="2023-06-29T15:36:10.146" v="1027" actId="478"/>
+          <ac:picMkLst>
+            <pc:docMk/>
+            <pc:sldMk cId="1937024240" sldId="259"/>
+            <ac:picMk id="20" creationId="{46797A4F-E757-6E51-B4BC-B407F21EED5B}"/>
+          </ac:picMkLst>
+        </pc:picChg>
+        <pc:picChg chg="add del mod">
+          <ac:chgData name="Saulo Gil" userId="e4b858b1fb629067" providerId="LiveId" clId="{801A6E01-2955-4D56-8057-38689CB67D48}" dt="2023-06-29T15:38:27.146" v="1067" actId="478"/>
+          <ac:picMkLst>
+            <pc:docMk/>
+            <pc:sldMk cId="1937024240" sldId="259"/>
+            <ac:picMk id="21" creationId="{4B69CF18-B126-10A0-8B4E-C3D71FA13546}"/>
+          </ac:picMkLst>
+        </pc:picChg>
+        <pc:picChg chg="add mod modCrop">
+          <ac:chgData name="Saulo Gil" userId="e4b858b1fb629067" providerId="LiveId" clId="{801A6E01-2955-4D56-8057-38689CB67D48}" dt="2023-06-29T15:54:15.983" v="1845" actId="1035"/>
+          <ac:picMkLst>
+            <pc:docMk/>
+            <pc:sldMk cId="1937024240" sldId="259"/>
+            <ac:picMk id="22" creationId="{E852004E-798C-2E6F-3F36-2C149C40D78A}"/>
+          </ac:picMkLst>
+        </pc:picChg>
+        <pc:picChg chg="add mod modCrop">
+          <ac:chgData name="Saulo Gil" userId="e4b858b1fb629067" providerId="LiveId" clId="{801A6E01-2955-4D56-8057-38689CB67D48}" dt="2023-06-29T15:54:15.983" v="1845" actId="1035"/>
+          <ac:picMkLst>
+            <pc:docMk/>
+            <pc:sldMk cId="1937024240" sldId="259"/>
+            <ac:picMk id="23" creationId="{F54963AA-AA8D-08A9-29B6-36233E8051B5}"/>
+          </ac:picMkLst>
+        </pc:picChg>
+        <pc:picChg chg="add mod modCrop">
+          <ac:chgData name="Saulo Gil" userId="e4b858b1fb629067" providerId="LiveId" clId="{801A6E01-2955-4D56-8057-38689CB67D48}" dt="2023-06-29T15:54:33.167" v="1877" actId="1035"/>
+          <ac:picMkLst>
+            <pc:docMk/>
+            <pc:sldMk cId="1937024240" sldId="259"/>
+            <ac:picMk id="24" creationId="{948D6D3F-C9DA-7A43-DBBF-974800D0078F}"/>
+          </ac:picMkLst>
+        </pc:picChg>
+        <pc:picChg chg="add mod modCrop">
+          <ac:chgData name="Saulo Gil" userId="e4b858b1fb629067" providerId="LiveId" clId="{801A6E01-2955-4D56-8057-38689CB67D48}" dt="2023-06-29T15:54:33.167" v="1877" actId="1035"/>
+          <ac:picMkLst>
+            <pc:docMk/>
+            <pc:sldMk cId="1937024240" sldId="259"/>
+            <ac:picMk id="25" creationId="{8DCE506B-8475-65D3-2214-430BF712A2EB}"/>
+          </ac:picMkLst>
+        </pc:picChg>
+        <pc:picChg chg="add del mod ord modCrop">
+          <ac:chgData name="Saulo Gil" userId="e4b858b1fb629067" providerId="LiveId" clId="{801A6E01-2955-4D56-8057-38689CB67D48}" dt="2023-06-29T17:16:55.886" v="2013" actId="478"/>
+          <ac:picMkLst>
+            <pc:docMk/>
+            <pc:sldMk cId="1937024240" sldId="259"/>
+            <ac:picMk id="38" creationId="{BEDC163A-1719-8B47-51F9-1EF647BBD258}"/>
+          </ac:picMkLst>
+        </pc:picChg>
+        <pc:picChg chg="add del mod">
+          <ac:chgData name="Saulo Gil" userId="e4b858b1fb629067" providerId="LiveId" clId="{801A6E01-2955-4D56-8057-38689CB67D48}" dt="2023-06-29T15:55:18.667" v="1882"/>
+          <ac:picMkLst>
+            <pc:docMk/>
+            <pc:sldMk cId="1937024240" sldId="259"/>
+            <ac:picMk id="39" creationId="{E2FAEDD6-E346-35C8-E7B6-5C2EE1A9E3F6}"/>
+          </ac:picMkLst>
+        </pc:picChg>
+        <pc:picChg chg="add del mod">
+          <ac:chgData name="Saulo Gil" userId="e4b858b1fb629067" providerId="LiveId" clId="{801A6E01-2955-4D56-8057-38689CB67D48}" dt="2023-06-29T15:55:18.667" v="1882"/>
+          <ac:picMkLst>
+            <pc:docMk/>
+            <pc:sldMk cId="1937024240" sldId="259"/>
+            <ac:picMk id="46" creationId="{6C249182-C52D-C874-8771-29ECB7FA5F80}"/>
+          </ac:picMkLst>
+        </pc:picChg>
+        <pc:picChg chg="add del mod">
+          <ac:chgData name="Saulo Gil" userId="e4b858b1fb629067" providerId="LiveId" clId="{801A6E01-2955-4D56-8057-38689CB67D48}" dt="2023-06-29T15:55:18.667" v="1882"/>
+          <ac:picMkLst>
+            <pc:docMk/>
+            <pc:sldMk cId="1937024240" sldId="259"/>
+            <ac:picMk id="47" creationId="{260D17AF-DBF2-87D4-E3D3-46654FEC2A53}"/>
+          </ac:picMkLst>
+        </pc:picChg>
+        <pc:picChg chg="add del mod">
+          <ac:chgData name="Saulo Gil" userId="e4b858b1fb629067" providerId="LiveId" clId="{801A6E01-2955-4D56-8057-38689CB67D48}" dt="2023-06-29T15:55:18.667" v="1882"/>
+          <ac:picMkLst>
+            <pc:docMk/>
+            <pc:sldMk cId="1937024240" sldId="259"/>
+            <ac:picMk id="48" creationId="{D534D5BA-E7C7-0B8E-025E-C454528DE765}"/>
+          </ac:picMkLst>
+        </pc:picChg>
+        <pc:picChg chg="add del mod">
+          <ac:chgData name="Saulo Gil" userId="e4b858b1fb629067" providerId="LiveId" clId="{801A6E01-2955-4D56-8057-38689CB67D48}" dt="2023-06-29T15:55:18.667" v="1882"/>
+          <ac:picMkLst>
+            <pc:docMk/>
+            <pc:sldMk cId="1937024240" sldId="259"/>
+            <ac:picMk id="49" creationId="{E3E5AFCE-315B-788F-C8A8-CCF4EBE4A689}"/>
+          </ac:picMkLst>
+        </pc:picChg>
+        <pc:picChg chg="add mod modCrop">
+          <ac:chgData name="Saulo Gil" userId="e4b858b1fb629067" providerId="LiveId" clId="{801A6E01-2955-4D56-8057-38689CB67D48}" dt="2023-06-29T15:56:18.561" v="1892" actId="732"/>
+          <ac:picMkLst>
+            <pc:docMk/>
+            <pc:sldMk cId="1937024240" sldId="259"/>
+            <ac:picMk id="56" creationId="{858FE4D5-A49B-20BC-24D6-91EABF815829}"/>
+          </ac:picMkLst>
+        </pc:picChg>
+        <pc:picChg chg="add mod modCrop">
+          <ac:chgData name="Saulo Gil" userId="e4b858b1fb629067" providerId="LiveId" clId="{801A6E01-2955-4D56-8057-38689CB67D48}" dt="2023-06-29T17:14:06.791" v="1926" actId="1038"/>
+          <ac:picMkLst>
+            <pc:docMk/>
+            <pc:sldMk cId="1937024240" sldId="259"/>
+            <ac:picMk id="57" creationId="{278F13A9-4B9B-13AA-FB09-03814742E85E}"/>
+          </ac:picMkLst>
+        </pc:picChg>
+        <pc:picChg chg="add del mod">
+          <ac:chgData name="Saulo Gil" userId="e4b858b1fb629067" providerId="LiveId" clId="{801A6E01-2955-4D56-8057-38689CB67D48}" dt="2023-06-29T15:55:44.098" v="1887"/>
+          <ac:picMkLst>
+            <pc:docMk/>
+            <pc:sldMk cId="1937024240" sldId="259"/>
+            <ac:picMk id="58" creationId="{E0A9E1E4-90AA-E7F5-840A-D07C5B422687}"/>
+          </ac:picMkLst>
+        </pc:picChg>
+        <pc:picChg chg="add del mod">
+          <ac:chgData name="Saulo Gil" userId="e4b858b1fb629067" providerId="LiveId" clId="{801A6E01-2955-4D56-8057-38689CB67D48}" dt="2023-06-29T17:13:51.199" v="1917" actId="478"/>
+          <ac:picMkLst>
+            <pc:docMk/>
+            <pc:sldMk cId="1937024240" sldId="259"/>
+            <ac:picMk id="59" creationId="{6B886080-3491-7853-FF84-CAA4BB8CF74D}"/>
+          </ac:picMkLst>
+        </pc:picChg>
+        <pc:picChg chg="add mod modCrop">
+          <ac:chgData name="Saulo Gil" userId="e4b858b1fb629067" providerId="LiveId" clId="{801A6E01-2955-4D56-8057-38689CB67D48}" dt="2023-06-29T17:15:12.854" v="1980" actId="1076"/>
+          <ac:picMkLst>
+            <pc:docMk/>
+            <pc:sldMk cId="1937024240" sldId="259"/>
+            <ac:picMk id="61" creationId="{3FBA5D27-C22D-0202-E4D0-C809065489B9}"/>
+          </ac:picMkLst>
+        </pc:picChg>
+        <pc:picChg chg="add mod modCrop">
+          <ac:chgData name="Saulo Gil" userId="e4b858b1fb629067" providerId="LiveId" clId="{801A6E01-2955-4D56-8057-38689CB67D48}" dt="2023-06-29T17:15:20.279" v="1988" actId="1035"/>
+          <ac:picMkLst>
+            <pc:docMk/>
+            <pc:sldMk cId="1937024240" sldId="259"/>
+            <ac:picMk id="62" creationId="{1728A38A-9D6E-025A-EEE7-F7ED6D2C7026}"/>
+          </ac:picMkLst>
+        </pc:picChg>
+        <pc:picChg chg="add del mod">
+          <ac:chgData name="Saulo Gil" userId="e4b858b1fb629067" providerId="LiveId" clId="{801A6E01-2955-4D56-8057-38689CB67D48}" dt="2023-06-29T17:15:07.367" v="1979" actId="478"/>
+          <ac:picMkLst>
+            <pc:docMk/>
+            <pc:sldMk cId="1937024240" sldId="259"/>
+            <ac:picMk id="65" creationId="{4942B625-4E74-A61E-E841-EF8E977F23BA}"/>
+          </ac:picMkLst>
+        </pc:picChg>
+        <pc:picChg chg="add mod">
+          <ac:chgData name="Saulo Gil" userId="e4b858b1fb629067" providerId="LiveId" clId="{801A6E01-2955-4D56-8057-38689CB67D48}" dt="2023-06-29T17:16:00.638" v="1995" actId="1076"/>
+          <ac:picMkLst>
+            <pc:docMk/>
+            <pc:sldMk cId="1937024240" sldId="259"/>
+            <ac:picMk id="66" creationId="{F75C9097-F5F4-7D0D-6589-4AA90F1027CF}"/>
+          </ac:picMkLst>
+        </pc:picChg>
+        <pc:picChg chg="add mod">
+          <ac:chgData name="Saulo Gil" userId="e4b858b1fb629067" providerId="LiveId" clId="{801A6E01-2955-4D56-8057-38689CB67D48}" dt="2023-06-29T17:18:04.063" v="2102" actId="1035"/>
+          <ac:picMkLst>
+            <pc:docMk/>
+            <pc:sldMk cId="1937024240" sldId="259"/>
+            <ac:picMk id="67" creationId="{97C392D0-D510-72F2-E733-0D1B73770C62}"/>
+          </ac:picMkLst>
+        </pc:picChg>
+        <pc:picChg chg="add mod">
+          <ac:chgData name="Saulo Gil" userId="e4b858b1fb629067" providerId="LiveId" clId="{801A6E01-2955-4D56-8057-38689CB67D48}" dt="2023-06-29T17:17:50.951" v="2045" actId="1035"/>
+          <ac:picMkLst>
+            <pc:docMk/>
+            <pc:sldMk cId="1937024240" sldId="259"/>
+            <ac:picMk id="68" creationId="{A657BDE2-C205-0B14-0673-91CCF17EF8D6}"/>
+          </ac:picMkLst>
+        </pc:picChg>
+        <pc:picChg chg="add mod">
+          <ac:chgData name="Saulo Gil" userId="e4b858b1fb629067" providerId="LiveId" clId="{801A6E01-2955-4D56-8057-38689CB67D48}" dt="2023-06-29T17:18:09.238" v="2107" actId="1035"/>
+          <ac:picMkLst>
+            <pc:docMk/>
+            <pc:sldMk cId="1937024240" sldId="259"/>
+            <ac:picMk id="69" creationId="{81ACDC6B-5544-3723-CE9B-173FAAB15C0B}"/>
+          </ac:picMkLst>
+        </pc:picChg>
+        <pc:picChg chg="add del">
+          <ac:chgData name="Saulo Gil" userId="e4b858b1fb629067" providerId="LiveId" clId="{801A6E01-2955-4D56-8057-38689CB67D48}" dt="2023-06-29T18:11:54.370" v="2209" actId="21"/>
+          <ac:picMkLst>
+            <pc:docMk/>
+            <pc:sldMk cId="1937024240" sldId="259"/>
+            <ac:picMk id="71" creationId="{7EDDD8AC-BC20-2A98-DF6B-1F5DB7C53AC8}"/>
+          </ac:picMkLst>
+        </pc:picChg>
+        <pc:picChg chg="del">
+          <ac:chgData name="Saulo Gil" userId="e4b858b1fb629067" providerId="LiveId" clId="{801A6E01-2955-4D56-8057-38689CB67D48}" dt="2023-06-29T18:12:52.033" v="2210" actId="21"/>
+          <ac:picMkLst>
+            <pc:docMk/>
+            <pc:sldMk cId="1937024240" sldId="259"/>
+            <ac:picMk id="72" creationId="{3B8079FE-2735-C2E3-E1A8-79B195CC80FC}"/>
+          </ac:picMkLst>
+        </pc:picChg>
+        <pc:cxnChg chg="add mod">
+          <ac:chgData name="Saulo Gil" userId="e4b858b1fb629067" providerId="LiveId" clId="{801A6E01-2955-4D56-8057-38689CB67D48}" dt="2023-06-29T15:54:00.650" v="1813" actId="1035"/>
+          <ac:cxnSpMkLst>
+            <pc:docMk/>
+            <pc:sldMk cId="1937024240" sldId="259"/>
+            <ac:cxnSpMk id="5" creationId="{1A441D07-F6B6-3F99-A84B-54AB764D60C1}"/>
+          </ac:cxnSpMkLst>
+        </pc:cxnChg>
+        <pc:cxnChg chg="add del mod">
+          <ac:chgData name="Saulo Gil" userId="e4b858b1fb629067" providerId="LiveId" clId="{801A6E01-2955-4D56-8057-38689CB67D48}" dt="2023-06-29T15:39:45.818" v="1097" actId="478"/>
+          <ac:cxnSpMkLst>
+            <pc:docMk/>
+            <pc:sldMk cId="1937024240" sldId="259"/>
+            <ac:cxnSpMk id="9" creationId="{ECD1168F-FD10-DE36-08CC-6089055D702D}"/>
+          </ac:cxnSpMkLst>
+        </pc:cxnChg>
+        <pc:cxnChg chg="add del mod">
+          <ac:chgData name="Saulo Gil" userId="e4b858b1fb629067" providerId="LiveId" clId="{801A6E01-2955-4D56-8057-38689CB67D48}" dt="2023-06-29T15:35:34.458" v="1022" actId="478"/>
+          <ac:cxnSpMkLst>
+            <pc:docMk/>
+            <pc:sldMk cId="1937024240" sldId="259"/>
+            <ac:cxnSpMk id="19" creationId="{DFF8BFF3-CAA7-9ED3-36E4-0197B3FE8ACE}"/>
+          </ac:cxnSpMkLst>
+        </pc:cxnChg>
+        <pc:cxnChg chg="add del mod">
+          <ac:chgData name="Saulo Gil" userId="e4b858b1fb629067" providerId="LiveId" clId="{801A6E01-2955-4D56-8057-38689CB67D48}" dt="2023-06-29T15:43:50.568" v="1407"/>
+          <ac:cxnSpMkLst>
+            <pc:docMk/>
+            <pc:sldMk cId="1937024240" sldId="259"/>
+            <ac:cxnSpMk id="27" creationId="{52201BD2-0B3E-C7B5-5AF3-1E8DF42830D7}"/>
+          </ac:cxnSpMkLst>
+        </pc:cxnChg>
+        <pc:cxnChg chg="add mod">
+          <ac:chgData name="Saulo Gil" userId="e4b858b1fb629067" providerId="LiveId" clId="{801A6E01-2955-4D56-8057-38689CB67D48}" dt="2023-06-29T15:54:33.167" v="1877" actId="1035"/>
+          <ac:cxnSpMkLst>
+            <pc:docMk/>
+            <pc:sldMk cId="1937024240" sldId="259"/>
+            <ac:cxnSpMk id="31" creationId="{2CBE900C-2937-98B5-01E3-B55822E7B3C9}"/>
+          </ac:cxnSpMkLst>
+        </pc:cxnChg>
+        <pc:cxnChg chg="add del mod">
+          <ac:chgData name="Saulo Gil" userId="e4b858b1fb629067" providerId="LiveId" clId="{801A6E01-2955-4D56-8057-38689CB67D48}" dt="2023-06-29T15:55:18.667" v="1882"/>
+          <ac:cxnSpMkLst>
+            <pc:docMk/>
+            <pc:sldMk cId="1937024240" sldId="259"/>
+            <ac:cxnSpMk id="43" creationId="{15F6D527-491C-BDFF-9F25-AC1E273B79B3}"/>
+          </ac:cxnSpMkLst>
+        </pc:cxnChg>
+        <pc:cxnChg chg="add del mod">
+          <ac:chgData name="Saulo Gil" userId="e4b858b1fb629067" providerId="LiveId" clId="{801A6E01-2955-4D56-8057-38689CB67D48}" dt="2023-06-29T15:55:18.667" v="1882"/>
+          <ac:cxnSpMkLst>
+            <pc:docMk/>
+            <pc:sldMk cId="1937024240" sldId="259"/>
+            <ac:cxnSpMk id="51" creationId="{992E639F-F9EE-606E-6351-B778C75D9CC8}"/>
+          </ac:cxnSpMkLst>
+        </pc:cxnChg>
+        <pc:cxnChg chg="add del mod">
+          <ac:chgData name="Saulo Gil" userId="e4b858b1fb629067" providerId="LiveId" clId="{801A6E01-2955-4D56-8057-38689CB67D48}" dt="2023-06-29T17:14:36.175" v="1973" actId="478"/>
+          <ac:cxnSpMkLst>
+            <pc:docMk/>
+            <pc:sldMk cId="1937024240" sldId="259"/>
+            <ac:cxnSpMk id="64" creationId="{B208BC30-B205-D219-5590-B09665BA916C}"/>
+          </ac:cxnSpMkLst>
+        </pc:cxnChg>
+        <pc:cxnChg chg="add del mod">
+          <ac:chgData name="Saulo Gil" userId="e4b858b1fb629067" providerId="LiveId" clId="{801A6E01-2955-4D56-8057-38689CB67D48}" dt="2023-06-29T17:18:13.487" v="2108" actId="478"/>
+          <ac:cxnSpMkLst>
+            <pc:docMk/>
+            <pc:sldMk cId="1937024240" sldId="259"/>
+            <ac:cxnSpMk id="70" creationId="{E8D6C48E-FEB6-6F05-AC55-B0DA8A6FF975}"/>
+          </ac:cxnSpMkLst>
+        </pc:cxnChg>
+      </pc:sldChg>
+      <pc:sldChg chg="addSp delSp modSp new del mod">
+        <pc:chgData name="Saulo Gil" userId="e4b858b1fb629067" providerId="LiveId" clId="{801A6E01-2955-4D56-8057-38689CB67D48}" dt="2023-06-29T18:11:44.289" v="2207" actId="47"/>
+        <pc:sldMkLst>
+          <pc:docMk/>
+          <pc:sldMk cId="3902968027" sldId="260"/>
+        </pc:sldMkLst>
+        <pc:spChg chg="add mod">
+          <ac:chgData name="Saulo Gil" userId="e4b858b1fb629067" providerId="LiveId" clId="{801A6E01-2955-4D56-8057-38689CB67D48}" dt="2023-06-29T17:38:48.807" v="2191" actId="1076"/>
+          <ac:spMkLst>
+            <pc:docMk/>
+            <pc:sldMk cId="3902968027" sldId="260"/>
+            <ac:spMk id="13" creationId="{DD49FFEC-D1C6-275E-43F4-D492EBF0BA89}"/>
+          </ac:spMkLst>
+        </pc:spChg>
+        <pc:spChg chg="add mod">
+          <ac:chgData name="Saulo Gil" userId="e4b858b1fb629067" providerId="LiveId" clId="{801A6E01-2955-4D56-8057-38689CB67D48}" dt="2023-06-29T17:37:34.133" v="2190" actId="1076"/>
+          <ac:spMkLst>
+            <pc:docMk/>
+            <pc:sldMk cId="3902968027" sldId="260"/>
+            <ac:spMk id="14" creationId="{1C99E6E1-D2F4-43E7-67A7-904F2108CAF1}"/>
+          </ac:spMkLst>
+        </pc:spChg>
+        <pc:picChg chg="add del mod modCrop">
+          <ac:chgData name="Saulo Gil" userId="e4b858b1fb629067" providerId="LiveId" clId="{801A6E01-2955-4D56-8057-38689CB67D48}" dt="2023-06-29T17:17:14.614" v="2014" actId="478"/>
+          <ac:picMkLst>
+            <pc:docMk/>
+            <pc:sldMk cId="3902968027" sldId="260"/>
+            <ac:picMk id="2" creationId="{26C14598-E5D4-F060-C91A-E97269C36DAA}"/>
+          </ac:picMkLst>
+        </pc:picChg>
+        <pc:picChg chg="add del">
+          <ac:chgData name="Saulo Gil" userId="e4b858b1fb629067" providerId="LiveId" clId="{801A6E01-2955-4D56-8057-38689CB67D48}" dt="2023-06-29T17:17:23.472" v="2016" actId="478"/>
+          <ac:picMkLst>
+            <pc:docMk/>
+            <pc:sldMk cId="3902968027" sldId="260"/>
+            <ac:picMk id="3" creationId="{91832C94-A5C1-0055-621D-5D09F29C6D59}"/>
+          </ac:picMkLst>
+        </pc:picChg>
+        <pc:picChg chg="add del mod">
+          <ac:chgData name="Saulo Gil" userId="e4b858b1fb629067" providerId="LiveId" clId="{801A6E01-2955-4D56-8057-38689CB67D48}" dt="2023-06-29T17:18:41.334" v="2111" actId="478"/>
+          <ac:picMkLst>
+            <pc:docMk/>
+            <pc:sldMk cId="3902968027" sldId="260"/>
+            <ac:picMk id="4" creationId="{CC506FFD-FE71-EBE6-F41E-A94F90A363F1}"/>
+          </ac:picMkLst>
+        </pc:picChg>
+        <pc:picChg chg="add mod">
+          <ac:chgData name="Saulo Gil" userId="e4b858b1fb629067" providerId="LiveId" clId="{801A6E01-2955-4D56-8057-38689CB67D48}" dt="2023-06-29T17:36:56.142" v="2134" actId="1036"/>
+          <ac:picMkLst>
+            <pc:docMk/>
+            <pc:sldMk cId="3902968027" sldId="260"/>
+            <ac:picMk id="6" creationId="{550375BF-1265-1D05-9BCC-2677A192E174}"/>
+          </ac:picMkLst>
+        </pc:picChg>
+        <pc:picChg chg="add mod">
+          <ac:chgData name="Saulo Gil" userId="e4b858b1fb629067" providerId="LiveId" clId="{801A6E01-2955-4D56-8057-38689CB67D48}" dt="2023-06-29T17:36:56.142" v="2134" actId="1036"/>
+          <ac:picMkLst>
+            <pc:docMk/>
+            <pc:sldMk cId="3902968027" sldId="260"/>
+            <ac:picMk id="8" creationId="{82334C61-462D-2F29-3480-2B2B9A6C40ED}"/>
+          </ac:picMkLst>
+        </pc:picChg>
+        <pc:picChg chg="add mod">
+          <ac:chgData name="Saulo Gil" userId="e4b858b1fb629067" providerId="LiveId" clId="{801A6E01-2955-4D56-8057-38689CB67D48}" dt="2023-06-29T17:36:56.142" v="2134" actId="1036"/>
+          <ac:picMkLst>
+            <pc:docMk/>
+            <pc:sldMk cId="3902968027" sldId="260"/>
+            <ac:picMk id="10" creationId="{D6209CA4-23CE-AC96-1E0F-D5531CEC65B4}"/>
+          </ac:picMkLst>
+        </pc:picChg>
+        <pc:picChg chg="add mod">
+          <ac:chgData name="Saulo Gil" userId="e4b858b1fb629067" providerId="LiveId" clId="{801A6E01-2955-4D56-8057-38689CB67D48}" dt="2023-06-29T17:36:56.142" v="2134" actId="1036"/>
+          <ac:picMkLst>
+            <pc:docMk/>
+            <pc:sldMk cId="3902968027" sldId="260"/>
+            <ac:picMk id="12" creationId="{3C6FD6A0-081F-9438-D769-580828207AA7}"/>
+          </ac:picMkLst>
+        </pc:picChg>
+        <pc:picChg chg="add mod">
+          <ac:chgData name="Saulo Gil" userId="e4b858b1fb629067" providerId="LiveId" clId="{801A6E01-2955-4D56-8057-38689CB67D48}" dt="2023-06-29T17:41:47.382" v="2193" actId="1076"/>
+          <ac:picMkLst>
+            <pc:docMk/>
+            <pc:sldMk cId="3902968027" sldId="260"/>
+            <ac:picMk id="16" creationId="{149D28E0-D5A3-74E2-1F22-41E216D5DA83}"/>
+          </ac:picMkLst>
+        </pc:picChg>
+        <pc:picChg chg="add mod modCrop">
+          <ac:chgData name="Saulo Gil" userId="e4b858b1fb629067" providerId="LiveId" clId="{801A6E01-2955-4D56-8057-38689CB67D48}" dt="2023-06-29T17:47:19.197" v="2206" actId="1076"/>
+          <ac:picMkLst>
+            <pc:docMk/>
+            <pc:sldMk cId="3902968027" sldId="260"/>
+            <ac:picMk id="18" creationId="{370857B8-DBF9-7B8B-3D48-A723CD0AD593}"/>
+          </ac:picMkLst>
+        </pc:picChg>
+        <pc:picChg chg="add mod">
+          <ac:chgData name="Saulo Gil" userId="e4b858b1fb629067" providerId="LiveId" clId="{801A6E01-2955-4D56-8057-38689CB67D48}" dt="2023-06-29T17:47:19.197" v="2206" actId="1076"/>
+          <ac:picMkLst>
+            <pc:docMk/>
+            <pc:sldMk cId="3902968027" sldId="260"/>
+            <ac:picMk id="20" creationId="{A35B689B-5108-9C3D-2D12-E795E5838293}"/>
+          </ac:picMkLst>
+        </pc:picChg>
+        <pc:picChg chg="add mod">
+          <ac:chgData name="Saulo Gil" userId="e4b858b1fb629067" providerId="LiveId" clId="{801A6E01-2955-4D56-8057-38689CB67D48}" dt="2023-06-29T17:47:15.318" v="2205" actId="1076"/>
+          <ac:picMkLst>
+            <pc:docMk/>
+            <pc:sldMk cId="3902968027" sldId="260"/>
+            <ac:picMk id="22" creationId="{509751FA-449D-8E7C-C0AD-29848396238F}"/>
+          </ac:picMkLst>
+        </pc:picChg>
+      </pc:sldChg>
+    </pc:docChg>
+  </pc:docChgLst>
+  <pc:docChgLst>
+    <pc:chgData name="Saulo Gil" userId="e4b858b1fb629067" providerId="LiveId" clId="{B9542147-79DB-4659-9FC9-0ED96B9382FF}"/>
+    <pc:docChg chg="undo custSel addSld modSld">
+      <pc:chgData name="Saulo Gil" userId="e4b858b1fb629067" providerId="LiveId" clId="{B9542147-79DB-4659-9FC9-0ED96B9382FF}" dt="2023-08-11T21:46:11.070" v="846" actId="21"/>
+      <pc:docMkLst>
+        <pc:docMk/>
+      </pc:docMkLst>
+      <pc:sldChg chg="addSp delSp modSp add mod">
+        <pc:chgData name="Saulo Gil" userId="e4b858b1fb629067" providerId="LiveId" clId="{B9542147-79DB-4659-9FC9-0ED96B9382FF}" dt="2023-08-11T21:46:11.070" v="846" actId="21"/>
+        <pc:sldMkLst>
+          <pc:docMk/>
+          <pc:sldMk cId="3841045236" sldId="260"/>
+        </pc:sldMkLst>
+        <pc:spChg chg="add del">
+          <ac:chgData name="Saulo Gil" userId="e4b858b1fb629067" providerId="LiveId" clId="{B9542147-79DB-4659-9FC9-0ED96B9382FF}" dt="2023-08-11T20:14:40.999" v="37"/>
+          <ac:spMkLst>
+            <pc:docMk/>
+            <pc:sldMk cId="3841045236" sldId="260"/>
+            <ac:spMk id="13" creationId="{501C70FD-424F-E5FA-D34F-013754C700D5}"/>
+          </ac:spMkLst>
+        </pc:spChg>
+        <pc:spChg chg="add del">
+          <ac:chgData name="Saulo Gil" userId="e4b858b1fb629067" providerId="LiveId" clId="{B9542147-79DB-4659-9FC9-0ED96B9382FF}" dt="2023-08-11T20:29:41.078" v="398"/>
+          <ac:spMkLst>
+            <pc:docMk/>
+            <pc:sldMk cId="3841045236" sldId="260"/>
+            <ac:spMk id="20" creationId="{234F2EBA-2168-8BBB-E9A3-5F5238A4E51D}"/>
+          </ac:spMkLst>
+        </pc:spChg>
+        <pc:spChg chg="add del mod">
+          <ac:chgData name="Saulo Gil" userId="e4b858b1fb629067" providerId="LiveId" clId="{B9542147-79DB-4659-9FC9-0ED96B9382FF}" dt="2023-08-11T21:00:09.109" v="842" actId="478"/>
+          <ac:spMkLst>
+            <pc:docMk/>
+            <pc:sldMk cId="3841045236" sldId="260"/>
+            <ac:spMk id="29" creationId="{227975DF-7825-D66C-CC24-5D2060267B12}"/>
+          </ac:spMkLst>
+        </pc:spChg>
+        <pc:spChg chg="mod">
+          <ac:chgData name="Saulo Gil" userId="e4b858b1fb629067" providerId="LiveId" clId="{B9542147-79DB-4659-9FC9-0ED96B9382FF}" dt="2023-08-11T21:00:35.618" v="844" actId="20577"/>
+          <ac:spMkLst>
+            <pc:docMk/>
+            <pc:sldMk cId="3841045236" sldId="260"/>
+            <ac:spMk id="34" creationId="{86C29078-3A59-EC3A-B03F-457441F96848}"/>
+          </ac:spMkLst>
+        </pc:spChg>
+        <pc:picChg chg="add del">
+          <ac:chgData name="Saulo Gil" userId="e4b858b1fb629067" providerId="LiveId" clId="{B9542147-79DB-4659-9FC9-0ED96B9382FF}" dt="2023-08-11T20:10:56.588" v="7" actId="21"/>
+          <ac:picMkLst>
+            <pc:docMk/>
+            <pc:sldMk cId="3841045236" sldId="260"/>
+            <ac:picMk id="6" creationId="{20C010BC-6E57-DD5F-860F-6038737D3693}"/>
+          </ac:picMkLst>
+        </pc:picChg>
+        <pc:picChg chg="add del mod">
+          <ac:chgData name="Saulo Gil" userId="e4b858b1fb629067" providerId="LiveId" clId="{B9542147-79DB-4659-9FC9-0ED96B9382FF}" dt="2023-08-11T20:11:45.956" v="16" actId="478"/>
+          <ac:picMkLst>
+            <pc:docMk/>
+            <pc:sldMk cId="3841045236" sldId="260"/>
+            <ac:picMk id="7" creationId="{C9D65671-0E89-F4BF-E582-99A66D1D6402}"/>
+          </ac:picMkLst>
+        </pc:picChg>
+        <pc:picChg chg="add del mod">
+          <ac:chgData name="Saulo Gil" userId="e4b858b1fb629067" providerId="LiveId" clId="{B9542147-79DB-4659-9FC9-0ED96B9382FF}" dt="2023-08-11T20:12:30.358" v="23" actId="478"/>
+          <ac:picMkLst>
+            <pc:docMk/>
+            <pc:sldMk cId="3841045236" sldId="260"/>
+            <ac:picMk id="8" creationId="{1A5D9243-97F6-6755-CEF3-D81802A16EB8}"/>
+          </ac:picMkLst>
+        </pc:picChg>
+        <pc:picChg chg="add del mod">
+          <ac:chgData name="Saulo Gil" userId="e4b858b1fb629067" providerId="LiveId" clId="{B9542147-79DB-4659-9FC9-0ED96B9382FF}" dt="2023-08-11T20:13:59.740" v="28" actId="478"/>
+          <ac:picMkLst>
+            <pc:docMk/>
+            <pc:sldMk cId="3841045236" sldId="260"/>
+            <ac:picMk id="9" creationId="{5B097368-937B-0199-E108-3E3BA348B8B3}"/>
+          </ac:picMkLst>
+        </pc:picChg>
+        <pc:picChg chg="add del mod">
+          <ac:chgData name="Saulo Gil" userId="e4b858b1fb629067" providerId="LiveId" clId="{B9542147-79DB-4659-9FC9-0ED96B9382FF}" dt="2023-08-11T20:14:38.369" v="35" actId="478"/>
+          <ac:picMkLst>
+            <pc:docMk/>
+            <pc:sldMk cId="3841045236" sldId="260"/>
+            <ac:picMk id="12" creationId="{6B6230B5-DDF3-64CF-5D86-DB39188F12D7}"/>
+          </ac:picMkLst>
+        </pc:picChg>
+        <pc:picChg chg="add del mod ord modCrop">
+          <ac:chgData name="Saulo Gil" userId="e4b858b1fb629067" providerId="LiveId" clId="{B9542147-79DB-4659-9FC9-0ED96B9382FF}" dt="2023-08-11T20:33:20.929" v="474" actId="478"/>
+          <ac:picMkLst>
+            <pc:docMk/>
+            <pc:sldMk cId="3841045236" sldId="260"/>
+            <ac:picMk id="14" creationId="{ABE831B0-1769-DBCF-CB49-0C219B51FA92}"/>
+          </ac:picMkLst>
+        </pc:picChg>
+        <pc:picChg chg="add mod ord modCrop">
+          <ac:chgData name="Saulo Gil" userId="e4b858b1fb629067" providerId="LiveId" clId="{B9542147-79DB-4659-9FC9-0ED96B9382FF}" dt="2023-08-11T20:36:19.849" v="665" actId="1036"/>
+          <ac:picMkLst>
+            <pc:docMk/>
+            <pc:sldMk cId="3841045236" sldId="260"/>
+            <ac:picMk id="15" creationId="{9491D7A6-2DFE-AA1A-C0E4-A1A36083F40E}"/>
+          </ac:picMkLst>
+        </pc:picChg>
+        <pc:picChg chg="add mod ord modCrop">
+          <ac:chgData name="Saulo Gil" userId="e4b858b1fb629067" providerId="LiveId" clId="{B9542147-79DB-4659-9FC9-0ED96B9382FF}" dt="2023-08-11T20:36:19.849" v="665" actId="1036"/>
+          <ac:picMkLst>
+            <pc:docMk/>
+            <pc:sldMk cId="3841045236" sldId="260"/>
+            <ac:picMk id="16" creationId="{7ADAC0BB-56F9-4D50-5ADC-148DB0D846A3}"/>
+          </ac:picMkLst>
+        </pc:picChg>
+        <pc:picChg chg="add mod ord modCrop">
+          <ac:chgData name="Saulo Gil" userId="e4b858b1fb629067" providerId="LiveId" clId="{B9542147-79DB-4659-9FC9-0ED96B9382FF}" dt="2023-08-11T20:36:19.849" v="665" actId="1036"/>
+          <ac:picMkLst>
+            <pc:docMk/>
+            <pc:sldMk cId="3841045236" sldId="260"/>
+            <ac:picMk id="17" creationId="{C52EFEE5-FA1A-3DF4-D5FC-A9E4441EE9B5}"/>
+          </ac:picMkLst>
+        </pc:picChg>
+        <pc:picChg chg="add del">
+          <ac:chgData name="Saulo Gil" userId="e4b858b1fb629067" providerId="LiveId" clId="{B9542147-79DB-4659-9FC9-0ED96B9382FF}" dt="2023-08-11T20:30:03.853" v="444" actId="478"/>
+          <ac:picMkLst>
+            <pc:docMk/>
+            <pc:sldMk cId="3841045236" sldId="260"/>
+            <ac:picMk id="21" creationId="{3DAF9404-666F-48B0-E2F6-F2C24AC285DF}"/>
+          </ac:picMkLst>
+        </pc:picChg>
+        <pc:picChg chg="del">
+          <ac:chgData name="Saulo Gil" userId="e4b858b1fb629067" providerId="LiveId" clId="{B9542147-79DB-4659-9FC9-0ED96B9382FF}" dt="2023-08-11T20:10:14.433" v="1" actId="478"/>
+          <ac:picMkLst>
+            <pc:docMk/>
+            <pc:sldMk cId="3841045236" sldId="260"/>
+            <ac:picMk id="22" creationId="{E852004E-798C-2E6F-3F36-2C149C40D78A}"/>
+          </ac:picMkLst>
+        </pc:picChg>
+        <pc:picChg chg="del">
+          <ac:chgData name="Saulo Gil" userId="e4b858b1fb629067" providerId="LiveId" clId="{B9542147-79DB-4659-9FC9-0ED96B9382FF}" dt="2023-08-11T20:10:15.531" v="2" actId="478"/>
+          <ac:picMkLst>
+            <pc:docMk/>
+            <pc:sldMk cId="3841045236" sldId="260"/>
+            <ac:picMk id="23" creationId="{F54963AA-AA8D-08A9-29B6-36233E8051B5}"/>
+          </ac:picMkLst>
+        </pc:picChg>
+        <pc:picChg chg="del">
+          <ac:chgData name="Saulo Gil" userId="e4b858b1fb629067" providerId="LiveId" clId="{B9542147-79DB-4659-9FC9-0ED96B9382FF}" dt="2023-08-11T20:10:16.702" v="3" actId="478"/>
+          <ac:picMkLst>
+            <pc:docMk/>
+            <pc:sldMk cId="3841045236" sldId="260"/>
+            <ac:picMk id="24" creationId="{948D6D3F-C9DA-7A43-DBBF-974800D0078F}"/>
+          </ac:picMkLst>
+        </pc:picChg>
+        <pc:picChg chg="del">
+          <ac:chgData name="Saulo Gil" userId="e4b858b1fb629067" providerId="LiveId" clId="{B9542147-79DB-4659-9FC9-0ED96B9382FF}" dt="2023-08-11T20:10:17.181" v="4" actId="478"/>
+          <ac:picMkLst>
+            <pc:docMk/>
+            <pc:sldMk cId="3841045236" sldId="260"/>
+            <ac:picMk id="25" creationId="{8DCE506B-8475-65D3-2214-430BF712A2EB}"/>
+          </ac:picMkLst>
+        </pc:picChg>
+        <pc:picChg chg="add del mod modCrop">
+          <ac:chgData name="Saulo Gil" userId="e4b858b1fb629067" providerId="LiveId" clId="{B9542147-79DB-4659-9FC9-0ED96B9382FF}" dt="2023-08-11T20:32:45.172" v="455" actId="478"/>
+          <ac:picMkLst>
+            <pc:docMk/>
+            <pc:sldMk cId="3841045236" sldId="260"/>
+            <ac:picMk id="26" creationId="{689CFA1A-AE03-6E76-7A16-E8A071A1CF9E}"/>
+          </ac:picMkLst>
+        </pc:picChg>
+        <pc:picChg chg="add mod ord modCrop">
+          <ac:chgData name="Saulo Gil" userId="e4b858b1fb629067" providerId="LiveId" clId="{B9542147-79DB-4659-9FC9-0ED96B9382FF}" dt="2023-08-11T20:36:19.849" v="665" actId="1036"/>
+          <ac:picMkLst>
+            <pc:docMk/>
+            <pc:sldMk cId="3841045236" sldId="260"/>
+            <ac:picMk id="27" creationId="{691D1136-CA47-9F15-5073-148B55FAD9D8}"/>
+          </ac:picMkLst>
+        </pc:picChg>
+        <pc:picChg chg="add del">
+          <ac:chgData name="Saulo Gil" userId="e4b858b1fb629067" providerId="LiveId" clId="{B9542147-79DB-4659-9FC9-0ED96B9382FF}" dt="2023-08-11T21:46:11.070" v="846" actId="21"/>
+          <ac:picMkLst>
+            <pc:docMk/>
+            <pc:sldMk cId="3841045236" sldId="260"/>
+            <ac:picMk id="37" creationId="{D3B8BE45-3A2D-9637-EE91-219612AA08C4}"/>
+          </ac:picMkLst>
+        </pc:picChg>
+        <pc:cxnChg chg="add del mod ord">
+          <ac:chgData name="Saulo Gil" userId="e4b858b1fb629067" providerId="LiveId" clId="{B9542147-79DB-4659-9FC9-0ED96B9382FF}" dt="2023-08-11T20:30:06.182" v="445" actId="478"/>
+          <ac:cxnSpMkLst>
+            <pc:docMk/>
+            <pc:sldMk cId="3841045236" sldId="260"/>
+            <ac:cxnSpMk id="19" creationId="{AE2B8E71-7CE3-AA03-F2B9-598AE8F07F1D}"/>
+          </ac:cxnSpMkLst>
+        </pc:cxnChg>
+        <pc:cxnChg chg="add del mod">
+          <ac:chgData name="Saulo Gil" userId="e4b858b1fb629067" providerId="LiveId" clId="{B9542147-79DB-4659-9FC9-0ED96B9382FF}" dt="2023-08-11T20:35:55.664" v="648" actId="478"/>
+          <ac:cxnSpMkLst>
+            <pc:docMk/>
+            <pc:sldMk cId="3841045236" sldId="260"/>
+            <ac:cxnSpMk id="28" creationId="{1C9EA7A9-6BDF-C17D-059B-E36A8B108586}"/>
+          </ac:cxnSpMkLst>
+        </pc:cxnChg>
+        <pc:cxnChg chg="add del mod">
+          <ac:chgData name="Saulo Gil" userId="e4b858b1fb629067" providerId="LiveId" clId="{B9542147-79DB-4659-9FC9-0ED96B9382FF}" dt="2023-08-11T20:59:43.797" v="840" actId="478"/>
+          <ac:cxnSpMkLst>
+            <pc:docMk/>
+            <pc:sldMk cId="3841045236" sldId="260"/>
+            <ac:cxnSpMk id="36" creationId="{29DEFE2D-72DE-9B7F-853C-22B58A2FCB01}"/>
+          </ac:cxnSpMkLst>
+        </pc:cxnChg>
+      </pc:sldChg>
+      <pc:sldChg chg="addSp modSp new mod">
+        <pc:chgData name="Saulo Gil" userId="e4b858b1fb629067" providerId="LiveId" clId="{B9542147-79DB-4659-9FC9-0ED96B9382FF}" dt="2023-08-11T20:10:58.945" v="9" actId="1076"/>
+        <pc:sldMkLst>
+          <pc:docMk/>
+          <pc:sldMk cId="1188421431" sldId="261"/>
+        </pc:sldMkLst>
+        <pc:picChg chg="add mod">
+          <ac:chgData name="Saulo Gil" userId="e4b858b1fb629067" providerId="LiveId" clId="{B9542147-79DB-4659-9FC9-0ED96B9382FF}" dt="2023-08-11T20:10:58.945" v="9" actId="1076"/>
+          <ac:picMkLst>
+            <pc:docMk/>
+            <pc:sldMk cId="1188421431" sldId="261"/>
+            <ac:picMk id="2" creationId="{87CA6893-CC07-32DC-2001-957A49FCE169}"/>
+          </ac:picMkLst>
+        </pc:picChg>
+      </pc:sldChg>
+    </pc:docChg>
+  </pc:docChgLst>
+</pc:chgInfo>
 </file>
 
 <file path=ppt/slideLayouts/slideLayout1.xml><?xml version="1.0" encoding="utf-8"?>
@@ -255,7 +2126,7 @@
           <a:p>
             <a:fld id="{12718F71-D1B9-4A90-89DC-62CC4C6A83D4}" type="datetimeFigureOut">
               <a:rPr lang="pt-BR" smtClean="0"/>
-              <a:t>14/06/2023</a:t>
+              <a:t>11/08/2023</a:t>
             </a:fld>
             <a:endParaRPr lang="pt-BR"/>
           </a:p>
@@ -453,7 +2324,7 @@
           <a:p>
             <a:fld id="{12718F71-D1B9-4A90-89DC-62CC4C6A83D4}" type="datetimeFigureOut">
               <a:rPr lang="pt-BR" smtClean="0"/>
-              <a:t>14/06/2023</a:t>
+              <a:t>11/08/2023</a:t>
             </a:fld>
             <a:endParaRPr lang="pt-BR"/>
           </a:p>
@@ -661,7 +2532,7 @@
           <a:p>
             <a:fld id="{12718F71-D1B9-4A90-89DC-62CC4C6A83D4}" type="datetimeFigureOut">
               <a:rPr lang="pt-BR" smtClean="0"/>
-              <a:t>14/06/2023</a:t>
+              <a:t>11/08/2023</a:t>
             </a:fld>
             <a:endParaRPr lang="pt-BR"/>
           </a:p>
@@ -859,7 +2730,7 @@
           <a:p>
             <a:fld id="{12718F71-D1B9-4A90-89DC-62CC4C6A83D4}" type="datetimeFigureOut">
               <a:rPr lang="pt-BR" smtClean="0"/>
-              <a:t>14/06/2023</a:t>
+              <a:t>11/08/2023</a:t>
             </a:fld>
             <a:endParaRPr lang="pt-BR"/>
           </a:p>
@@ -1134,7 +3005,7 @@
           <a:p>
             <a:fld id="{12718F71-D1B9-4A90-89DC-62CC4C6A83D4}" type="datetimeFigureOut">
               <a:rPr lang="pt-BR" smtClean="0"/>
-              <a:t>14/06/2023</a:t>
+              <a:t>11/08/2023</a:t>
             </a:fld>
             <a:endParaRPr lang="pt-BR"/>
           </a:p>
@@ -1399,7 +3270,7 @@
           <a:p>
             <a:fld id="{12718F71-D1B9-4A90-89DC-62CC4C6A83D4}" type="datetimeFigureOut">
               <a:rPr lang="pt-BR" smtClean="0"/>
-              <a:t>14/06/2023</a:t>
+              <a:t>11/08/2023</a:t>
             </a:fld>
             <a:endParaRPr lang="pt-BR"/>
           </a:p>
@@ -1811,7 +3682,7 @@
           <a:p>
             <a:fld id="{12718F71-D1B9-4A90-89DC-62CC4C6A83D4}" type="datetimeFigureOut">
               <a:rPr lang="pt-BR" smtClean="0"/>
-              <a:t>14/06/2023</a:t>
+              <a:t>11/08/2023</a:t>
             </a:fld>
             <a:endParaRPr lang="pt-BR"/>
           </a:p>
@@ -1952,7 +3823,7 @@
           <a:p>
             <a:fld id="{12718F71-D1B9-4A90-89DC-62CC4C6A83D4}" type="datetimeFigureOut">
               <a:rPr lang="pt-BR" smtClean="0"/>
-              <a:t>14/06/2023</a:t>
+              <a:t>11/08/2023</a:t>
             </a:fld>
             <a:endParaRPr lang="pt-BR"/>
           </a:p>
@@ -2065,7 +3936,7 @@
           <a:p>
             <a:fld id="{12718F71-D1B9-4A90-89DC-62CC4C6A83D4}" type="datetimeFigureOut">
               <a:rPr lang="pt-BR" smtClean="0"/>
-              <a:t>14/06/2023</a:t>
+              <a:t>11/08/2023</a:t>
             </a:fld>
             <a:endParaRPr lang="pt-BR"/>
           </a:p>
@@ -2376,7 +4247,7 @@
           <a:p>
             <a:fld id="{12718F71-D1B9-4A90-89DC-62CC4C6A83D4}" type="datetimeFigureOut">
               <a:rPr lang="pt-BR" smtClean="0"/>
-              <a:t>14/06/2023</a:t>
+              <a:t>11/08/2023</a:t>
             </a:fld>
             <a:endParaRPr lang="pt-BR"/>
           </a:p>
@@ -2664,7 +4535,7 @@
           <a:p>
             <a:fld id="{12718F71-D1B9-4A90-89DC-62CC4C6A83D4}" type="datetimeFigureOut">
               <a:rPr lang="pt-BR" smtClean="0"/>
-              <a:t>14/06/2023</a:t>
+              <a:t>11/08/2023</a:t>
             </a:fld>
             <a:endParaRPr lang="pt-BR"/>
           </a:p>
@@ -2905,7 +4776,7 @@
           <a:p>
             <a:fld id="{12718F71-D1B9-4A90-89DC-62CC4C6A83D4}" type="datetimeFigureOut">
               <a:rPr lang="pt-BR" smtClean="0"/>
-              <a:t>14/06/2023</a:t>
+              <a:t>11/08/2023</a:t>
             </a:fld>
             <a:endParaRPr lang="pt-BR"/>
           </a:p>
@@ -3324,10 +5195,10 @@
       </p:grpSpPr>
       <p:sp>
         <p:nvSpPr>
-          <p:cNvPr id="20" name="CaixaDeTexto 19">
-            <a:extLst>
-              <a:ext uri="{FF2B5EF4-FFF2-40B4-BE49-F238E27FC236}">
-                <a16:creationId xmlns:a16="http://schemas.microsoft.com/office/drawing/2014/main" id="{A463A417-904F-FD4D-2CFE-2A69B93AC0E0}"/>
+          <p:cNvPr id="30" name="CaixaDeTexto 29">
+            <a:extLst>
+              <a:ext uri="{FF2B5EF4-FFF2-40B4-BE49-F238E27FC236}">
+                <a16:creationId xmlns:a16="http://schemas.microsoft.com/office/drawing/2014/main" id="{0F89E857-76DB-F0D1-A553-97DC5FE29F1E}"/>
               </a:ext>
             </a:extLst>
           </p:cNvPr>
@@ -3336,60 +5207,7 @@
         </p:nvSpPr>
         <p:spPr>
           <a:xfrm>
-            <a:off x="1914648" y="-71899"/>
-            <a:ext cx="7445829" cy="369332"/>
-          </a:xfrm>
-          <a:prstGeom prst="rect">
-            <a:avLst/>
-          </a:prstGeom>
-          <a:noFill/>
-        </p:spPr>
-        <p:txBody>
-          <a:bodyPr wrap="square" rtlCol="0">
-            <a:spAutoFit/>
-          </a:bodyPr>
-          <a:lstStyle/>
-          <a:p>
-            <a:pPr algn="ctr"/>
-            <a:r>
-              <a:rPr lang="pt-BR" dirty="0">
-                <a:latin typeface="Times New Roman" panose="02020603050405020304" pitchFamily="18" charset="0"/>
-                <a:cs typeface="Times New Roman" panose="02020603050405020304" pitchFamily="18" charset="0"/>
-              </a:rPr>
-              <a:t>Beck Depression </a:t>
-            </a:r>
-            <a:r>
-              <a:rPr lang="pt-BR" dirty="0" err="1">
-                <a:latin typeface="Times New Roman" panose="02020603050405020304" pitchFamily="18" charset="0"/>
-                <a:cs typeface="Times New Roman" panose="02020603050405020304" pitchFamily="18" charset="0"/>
-              </a:rPr>
-              <a:t>Inventory</a:t>
-            </a:r>
-            <a:r>
-              <a:rPr lang="pt-BR" dirty="0">
-                <a:latin typeface="Times New Roman" panose="02020603050405020304" pitchFamily="18" charset="0"/>
-                <a:cs typeface="Times New Roman" panose="02020603050405020304" pitchFamily="18" charset="0"/>
-              </a:rPr>
-              <a:t> Score</a:t>
-            </a:r>
-          </a:p>
-        </p:txBody>
-      </p:sp>
-      <p:sp>
-        <p:nvSpPr>
-          <p:cNvPr id="21" name="CaixaDeTexto 20">
-            <a:extLst>
-              <a:ext uri="{FF2B5EF4-FFF2-40B4-BE49-F238E27FC236}">
-                <a16:creationId xmlns:a16="http://schemas.microsoft.com/office/drawing/2014/main" id="{6093B8D4-A5F1-AAF0-17AA-AA539F630A33}"/>
-              </a:ext>
-            </a:extLst>
-          </p:cNvPr>
-          <p:cNvSpPr txBox="1"/>
-          <p:nvPr/>
-        </p:nvSpPr>
-        <p:spPr>
-          <a:xfrm>
-            <a:off x="2907428" y="270506"/>
+            <a:off x="4619951" y="3955878"/>
             <a:ext cx="593432" cy="338554"/>
           </a:xfrm>
           <a:prstGeom prst="rect">
@@ -3416,10 +5234,10 @@
       </p:sp>
       <p:sp>
         <p:nvSpPr>
-          <p:cNvPr id="24" name="CaixaDeTexto 23">
-            <a:extLst>
-              <a:ext uri="{FF2B5EF4-FFF2-40B4-BE49-F238E27FC236}">
-                <a16:creationId xmlns:a16="http://schemas.microsoft.com/office/drawing/2014/main" id="{F3899C2E-B56E-EDD1-0544-B5A3B2903AE4}"/>
+          <p:cNvPr id="31" name="CaixaDeTexto 30">
+            <a:extLst>
+              <a:ext uri="{FF2B5EF4-FFF2-40B4-BE49-F238E27FC236}">
+                <a16:creationId xmlns:a16="http://schemas.microsoft.com/office/drawing/2014/main" id="{321CF209-0380-A7EF-CBBD-04B1E855456B}"/>
               </a:ext>
             </a:extLst>
           </p:cNvPr>
@@ -3428,7 +5246,7 @@
         </p:nvSpPr>
         <p:spPr>
           <a:xfrm>
-            <a:off x="5276517" y="268526"/>
+            <a:off x="6989040" y="3953898"/>
             <a:ext cx="1313950" cy="338554"/>
           </a:xfrm>
           <a:prstGeom prst="rect">
@@ -3462,10 +5280,10 @@
       </p:sp>
       <p:sp>
         <p:nvSpPr>
-          <p:cNvPr id="26" name="CaixaDeTexto 25">
-            <a:extLst>
-              <a:ext uri="{FF2B5EF4-FFF2-40B4-BE49-F238E27FC236}">
-                <a16:creationId xmlns:a16="http://schemas.microsoft.com/office/drawing/2014/main" id="{419E04A3-D94E-FBE7-B8A0-58DC7F30BD07}"/>
+          <p:cNvPr id="61" name="CaixaDeTexto 60">
+            <a:extLst>
+              <a:ext uri="{FF2B5EF4-FFF2-40B4-BE49-F238E27FC236}">
+                <a16:creationId xmlns:a16="http://schemas.microsoft.com/office/drawing/2014/main" id="{B0F1B997-D74A-DDCB-6E57-E027B4ADCCC9}"/>
               </a:ext>
             </a:extLst>
           </p:cNvPr>
@@ -3474,8 +5292,8 @@
         </p:nvSpPr>
         <p:spPr>
           <a:xfrm>
-            <a:off x="7855181" y="278423"/>
-            <a:ext cx="1615315" cy="338554"/>
+            <a:off x="4561206" y="4275854"/>
+            <a:ext cx="779381" cy="276999"/>
           </a:xfrm>
           <a:prstGeom prst="rect">
             <a:avLst/>
@@ -3488,47 +5306,64 @@
           </a:bodyPr>
           <a:lstStyle/>
           <a:p>
-            <a:pPr algn="ctr"/>
-            <a:r>
-              <a:rPr lang="pt-BR" sz="1600" u="sng" dirty="0">
+            <a:r>
+              <a:rPr lang="pt-BR" sz="1200" dirty="0">
                 <a:latin typeface="Times New Roman" panose="02020603050405020304" pitchFamily="18" charset="0"/>
                 <a:cs typeface="Times New Roman" panose="02020603050405020304" pitchFamily="18" charset="0"/>
               </a:rPr>
-              <a:t>Time-Up-</a:t>
-            </a:r>
-            <a:r>
-              <a:rPr lang="pt-BR" sz="1600" u="sng" dirty="0" err="1">
-                <a:latin typeface="Times New Roman" panose="02020603050405020304" pitchFamily="18" charset="0"/>
-                <a:cs typeface="Times New Roman" panose="02020603050405020304" pitchFamily="18" charset="0"/>
-              </a:rPr>
-              <a:t>and</a:t>
-            </a:r>
-            <a:r>
-              <a:rPr lang="pt-BR" sz="1600" u="sng" dirty="0">
-                <a:latin typeface="Times New Roman" panose="02020603050405020304" pitchFamily="18" charset="0"/>
-                <a:cs typeface="Times New Roman" panose="02020603050405020304" pitchFamily="18" charset="0"/>
-              </a:rPr>
-              <a:t>-Go</a:t>
-            </a:r>
-          </a:p>
-        </p:txBody>
-      </p:sp>
+              <a:t>P=0.0008</a:t>
+            </a:r>
+          </a:p>
+        </p:txBody>
+      </p:sp>
+      <p:pic>
+        <p:nvPicPr>
+          <p:cNvPr id="12" name="Imagem 11">
+            <a:extLst>
+              <a:ext uri="{FF2B5EF4-FFF2-40B4-BE49-F238E27FC236}">
+                <a16:creationId xmlns:a16="http://schemas.microsoft.com/office/drawing/2014/main" id="{FC5A8372-6C81-3A13-A951-AABAC02B38C0}"/>
+              </a:ext>
+            </a:extLst>
+          </p:cNvPr>
+          <p:cNvPicPr>
+            <a:picLocks noChangeAspect="1"/>
+          </p:cNvPicPr>
+          <p:nvPr/>
+        </p:nvPicPr>
+        <p:blipFill>
+          <a:blip r:embed="rId2"/>
+          <a:stretch>
+            <a:fillRect/>
+          </a:stretch>
+        </p:blipFill>
+        <p:spPr>
+          <a:xfrm>
+            <a:off x="6544016" y="4496735"/>
+            <a:ext cx="2284978" cy="2944214"/>
+          </a:xfrm>
+          <a:prstGeom prst="rect">
+            <a:avLst/>
+          </a:prstGeom>
+        </p:spPr>
+      </p:pic>
       <p:cxnSp>
         <p:nvCxnSpPr>
-          <p:cNvPr id="28" name="Conector reto 27">
-            <a:extLst>
-              <a:ext uri="{FF2B5EF4-FFF2-40B4-BE49-F238E27FC236}">
-                <a16:creationId xmlns:a16="http://schemas.microsoft.com/office/drawing/2014/main" id="{45802C0D-18BB-AE8E-F130-800E1D591458}"/>
-              </a:ext>
-            </a:extLst>
-          </p:cNvPr>
-          <p:cNvCxnSpPr/>
+          <p:cNvPr id="62" name="Conector reto 61">
+            <a:extLst>
+              <a:ext uri="{FF2B5EF4-FFF2-40B4-BE49-F238E27FC236}">
+                <a16:creationId xmlns:a16="http://schemas.microsoft.com/office/drawing/2014/main" id="{FAE99593-7F71-C1D3-0FE9-C682736782E7}"/>
+              </a:ext>
+            </a:extLst>
+          </p:cNvPr>
+          <p:cNvCxnSpPr>
+            <a:cxnSpLocks/>
+          </p:cNvCxnSpPr>
           <p:nvPr/>
         </p:nvCxnSpPr>
         <p:spPr>
           <a:xfrm>
-            <a:off x="1916625" y="268526"/>
-            <a:ext cx="7445829" cy="0"/>
+            <a:off x="4546023" y="4496735"/>
+            <a:ext cx="794564" cy="0"/>
           </a:xfrm>
           <a:prstGeom prst="line">
             <a:avLst/>
@@ -3551,10 +5386,10 @@
       </p:cxnSp>
       <p:sp>
         <p:nvSpPr>
-          <p:cNvPr id="29" name="CaixaDeTexto 28">
-            <a:extLst>
-              <a:ext uri="{FF2B5EF4-FFF2-40B4-BE49-F238E27FC236}">
-                <a16:creationId xmlns:a16="http://schemas.microsoft.com/office/drawing/2014/main" id="{B4042527-A314-2331-EEA9-AE75948AB554}"/>
+          <p:cNvPr id="63" name="CaixaDeTexto 62">
+            <a:extLst>
+              <a:ext uri="{FF2B5EF4-FFF2-40B4-BE49-F238E27FC236}">
+                <a16:creationId xmlns:a16="http://schemas.microsoft.com/office/drawing/2014/main" id="{F72DF69E-5B43-4E2E-FBF6-50BDC7B2D4BD}"/>
               </a:ext>
             </a:extLst>
           </p:cNvPr>
@@ -3563,8 +5398,8 @@
         </p:nvSpPr>
         <p:spPr>
           <a:xfrm>
-            <a:off x="1914647" y="3488713"/>
-            <a:ext cx="7445829" cy="369332"/>
+            <a:off x="7304406" y="4275854"/>
+            <a:ext cx="779381" cy="276999"/>
           </a:xfrm>
           <a:prstGeom prst="rect">
             <a:avLst/>
@@ -3572,190 +5407,39 @@
           <a:noFill/>
         </p:spPr>
         <p:txBody>
-          <a:bodyPr wrap="square" rtlCol="0">
-            <a:spAutoFit/>
-          </a:bodyPr>
-          <a:lstStyle/>
-          <a:p>
-            <a:pPr algn="ctr"/>
-            <a:r>
-              <a:rPr lang="pt-BR" dirty="0">
-                <a:latin typeface="Times New Roman" panose="02020603050405020304" pitchFamily="18" charset="0"/>
-                <a:cs typeface="Times New Roman" panose="02020603050405020304" pitchFamily="18" charset="0"/>
-              </a:rPr>
-              <a:t>Beck Anxiety </a:t>
-            </a:r>
-            <a:r>
-              <a:rPr lang="pt-BR" dirty="0" err="1">
-                <a:latin typeface="Times New Roman" panose="02020603050405020304" pitchFamily="18" charset="0"/>
-                <a:cs typeface="Times New Roman" panose="02020603050405020304" pitchFamily="18" charset="0"/>
-              </a:rPr>
-              <a:t>Inventory</a:t>
-            </a:r>
-            <a:r>
-              <a:rPr lang="pt-BR" dirty="0">
-                <a:latin typeface="Times New Roman" panose="02020603050405020304" pitchFamily="18" charset="0"/>
-                <a:cs typeface="Times New Roman" panose="02020603050405020304" pitchFamily="18" charset="0"/>
-              </a:rPr>
-              <a:t> Score</a:t>
-            </a:r>
-          </a:p>
-        </p:txBody>
-      </p:sp>
-      <p:sp>
-        <p:nvSpPr>
-          <p:cNvPr id="30" name="CaixaDeTexto 29">
-            <a:extLst>
-              <a:ext uri="{FF2B5EF4-FFF2-40B4-BE49-F238E27FC236}">
-                <a16:creationId xmlns:a16="http://schemas.microsoft.com/office/drawing/2014/main" id="{0F89E857-76DB-F0D1-A553-97DC5FE29F1E}"/>
-              </a:ext>
-            </a:extLst>
-          </p:cNvPr>
-          <p:cNvSpPr txBox="1"/>
-          <p:nvPr/>
-        </p:nvSpPr>
-        <p:spPr>
-          <a:xfrm>
-            <a:off x="2905451" y="3831118"/>
-            <a:ext cx="593432" cy="338554"/>
-          </a:xfrm>
-          <a:prstGeom prst="rect">
-            <a:avLst/>
-          </a:prstGeom>
-          <a:noFill/>
-        </p:spPr>
-        <p:txBody>
           <a:bodyPr wrap="none" rtlCol="0">
             <a:spAutoFit/>
           </a:bodyPr>
           <a:lstStyle/>
           <a:p>
-            <a:pPr algn="ctr"/>
-            <a:r>
-              <a:rPr lang="pt-BR" sz="1600" u="sng" dirty="0">
+            <a:r>
+              <a:rPr lang="pt-BR" sz="1200" dirty="0">
                 <a:latin typeface="Times New Roman" panose="02020603050405020304" pitchFamily="18" charset="0"/>
                 <a:cs typeface="Times New Roman" panose="02020603050405020304" pitchFamily="18" charset="0"/>
               </a:rPr>
-              <a:t>HGS</a:t>
-            </a:r>
-          </a:p>
-        </p:txBody>
-      </p:sp>
-      <p:sp>
-        <p:nvSpPr>
-          <p:cNvPr id="31" name="CaixaDeTexto 30">
-            <a:extLst>
-              <a:ext uri="{FF2B5EF4-FFF2-40B4-BE49-F238E27FC236}">
-                <a16:creationId xmlns:a16="http://schemas.microsoft.com/office/drawing/2014/main" id="{321CF209-0380-A7EF-CBBD-04B1E855456B}"/>
-              </a:ext>
-            </a:extLst>
-          </p:cNvPr>
-          <p:cNvSpPr txBox="1"/>
-          <p:nvPr/>
-        </p:nvSpPr>
-        <p:spPr>
-          <a:xfrm>
-            <a:off x="5274540" y="3829138"/>
-            <a:ext cx="1313950" cy="338554"/>
-          </a:xfrm>
-          <a:prstGeom prst="rect">
-            <a:avLst/>
-          </a:prstGeom>
-          <a:noFill/>
-        </p:spPr>
-        <p:txBody>
-          <a:bodyPr wrap="none" rtlCol="0">
-            <a:spAutoFit/>
-          </a:bodyPr>
-          <a:lstStyle/>
-          <a:p>
-            <a:pPr algn="ctr"/>
-            <a:r>
-              <a:rPr lang="pt-BR" sz="1600" u="sng" dirty="0" err="1">
-                <a:latin typeface="Times New Roman" panose="02020603050405020304" pitchFamily="18" charset="0"/>
-                <a:cs typeface="Times New Roman" panose="02020603050405020304" pitchFamily="18" charset="0"/>
-              </a:rPr>
-              <a:t>Timed</a:t>
-            </a:r>
-            <a:r>
-              <a:rPr lang="pt-BR" sz="1600" u="sng" dirty="0">
-                <a:latin typeface="Times New Roman" panose="02020603050405020304" pitchFamily="18" charset="0"/>
-                <a:cs typeface="Times New Roman" panose="02020603050405020304" pitchFamily="18" charset="0"/>
-              </a:rPr>
-              <a:t> Stands</a:t>
-            </a:r>
-          </a:p>
-        </p:txBody>
-      </p:sp>
-      <p:sp>
-        <p:nvSpPr>
-          <p:cNvPr id="32" name="CaixaDeTexto 31">
-            <a:extLst>
-              <a:ext uri="{FF2B5EF4-FFF2-40B4-BE49-F238E27FC236}">
-                <a16:creationId xmlns:a16="http://schemas.microsoft.com/office/drawing/2014/main" id="{94634745-E41B-E9BC-BCDE-0D73139A051C}"/>
-              </a:ext>
-            </a:extLst>
-          </p:cNvPr>
-          <p:cNvSpPr txBox="1"/>
-          <p:nvPr/>
-        </p:nvSpPr>
-        <p:spPr>
-          <a:xfrm>
-            <a:off x="7853204" y="3839035"/>
-            <a:ext cx="1615315" cy="338554"/>
-          </a:xfrm>
-          <a:prstGeom prst="rect">
-            <a:avLst/>
-          </a:prstGeom>
-          <a:noFill/>
-        </p:spPr>
-        <p:txBody>
-          <a:bodyPr wrap="none" rtlCol="0">
-            <a:spAutoFit/>
-          </a:bodyPr>
-          <a:lstStyle/>
-          <a:p>
-            <a:pPr algn="ctr"/>
-            <a:r>
-              <a:rPr lang="pt-BR" sz="1600" u="sng" dirty="0">
-                <a:latin typeface="Times New Roman" panose="02020603050405020304" pitchFamily="18" charset="0"/>
-                <a:cs typeface="Times New Roman" panose="02020603050405020304" pitchFamily="18" charset="0"/>
-              </a:rPr>
-              <a:t>Time-Up-</a:t>
-            </a:r>
-            <a:r>
-              <a:rPr lang="pt-BR" sz="1600" u="sng" dirty="0" err="1">
-                <a:latin typeface="Times New Roman" panose="02020603050405020304" pitchFamily="18" charset="0"/>
-                <a:cs typeface="Times New Roman" panose="02020603050405020304" pitchFamily="18" charset="0"/>
-              </a:rPr>
-              <a:t>and</a:t>
-            </a:r>
-            <a:r>
-              <a:rPr lang="pt-BR" sz="1600" u="sng" dirty="0">
-                <a:latin typeface="Times New Roman" panose="02020603050405020304" pitchFamily="18" charset="0"/>
-                <a:cs typeface="Times New Roman" panose="02020603050405020304" pitchFamily="18" charset="0"/>
-              </a:rPr>
-              <a:t>-Go</a:t>
+              <a:t>P&lt;0.0001</a:t>
             </a:r>
           </a:p>
         </p:txBody>
       </p:sp>
       <p:cxnSp>
         <p:nvCxnSpPr>
-          <p:cNvPr id="33" name="Conector reto 32">
-            <a:extLst>
-              <a:ext uri="{FF2B5EF4-FFF2-40B4-BE49-F238E27FC236}">
-                <a16:creationId xmlns:a16="http://schemas.microsoft.com/office/drawing/2014/main" id="{5A6D8701-B7FE-2872-E46D-238969EB9F86}"/>
-              </a:ext>
-            </a:extLst>
-          </p:cNvPr>
-          <p:cNvCxnSpPr/>
+          <p:cNvPr id="64" name="Conector reto 63">
+            <a:extLst>
+              <a:ext uri="{FF2B5EF4-FFF2-40B4-BE49-F238E27FC236}">
+                <a16:creationId xmlns:a16="http://schemas.microsoft.com/office/drawing/2014/main" id="{DD54D9D5-8D00-A40C-F269-A0C4CE40628B}"/>
+              </a:ext>
+            </a:extLst>
+          </p:cNvPr>
+          <p:cNvCxnSpPr>
+            <a:cxnSpLocks/>
+          </p:cNvCxnSpPr>
           <p:nvPr/>
         </p:nvCxnSpPr>
         <p:spPr>
           <a:xfrm>
-            <a:off x="1914648" y="3829138"/>
-            <a:ext cx="7445829" cy="0"/>
+            <a:off x="7289223" y="4496735"/>
+            <a:ext cx="794564" cy="0"/>
           </a:xfrm>
           <a:prstGeom prst="line">
             <a:avLst/>
@@ -3776,42 +5460,88 @@
           </a:fontRef>
         </p:style>
       </p:cxnSp>
-      <p:pic>
-        <p:nvPicPr>
-          <p:cNvPr id="35" name="Imagem 34">
-            <a:extLst>
-              <a:ext uri="{FF2B5EF4-FFF2-40B4-BE49-F238E27FC236}">
-                <a16:creationId xmlns:a16="http://schemas.microsoft.com/office/drawing/2014/main" id="{3794637A-D726-C822-7316-4603A904CD1A}"/>
-              </a:ext>
-            </a:extLst>
-          </p:cNvPr>
-          <p:cNvPicPr>
-            <a:picLocks noChangeAspect="1"/>
-          </p:cNvPicPr>
+      <p:sp>
+        <p:nvSpPr>
+          <p:cNvPr id="5" name="CaixaDeTexto 4">
+            <a:extLst>
+              <a:ext uri="{FF2B5EF4-FFF2-40B4-BE49-F238E27FC236}">
+                <a16:creationId xmlns:a16="http://schemas.microsoft.com/office/drawing/2014/main" id="{C1147910-8861-907D-6734-49ED6F31CA0A}"/>
+              </a:ext>
+            </a:extLst>
+          </p:cNvPr>
+          <p:cNvSpPr txBox="1"/>
           <p:nvPr/>
-        </p:nvPicPr>
-        <p:blipFill>
-          <a:blip r:embed="rId2"/>
-          <a:stretch>
-            <a:fillRect/>
-          </a:stretch>
-        </p:blipFill>
-        <p:spPr>
-          <a:xfrm>
-            <a:off x="4656463" y="4285867"/>
-            <a:ext cx="2270957" cy="2812024"/>
+        </p:nvSpPr>
+        <p:spPr>
+          <a:xfrm>
+            <a:off x="3541320" y="4006008"/>
+            <a:ext cx="428322" cy="369332"/>
           </a:xfrm>
           <a:prstGeom prst="rect">
             <a:avLst/>
           </a:prstGeom>
-        </p:spPr>
-      </p:pic>
+          <a:noFill/>
+        </p:spPr>
+        <p:txBody>
+          <a:bodyPr wrap="none" rtlCol="0">
+            <a:spAutoFit/>
+          </a:bodyPr>
+          <a:lstStyle/>
+          <a:p>
+            <a:r>
+              <a:rPr lang="pt-BR" dirty="0">
+                <a:latin typeface="Times New Roman" panose="02020603050405020304" pitchFamily="18" charset="0"/>
+                <a:cs typeface="Times New Roman" panose="02020603050405020304" pitchFamily="18" charset="0"/>
+              </a:rPr>
+              <a:t>C)</a:t>
+            </a:r>
+          </a:p>
+        </p:txBody>
+      </p:sp>
+      <p:sp>
+        <p:nvSpPr>
+          <p:cNvPr id="6" name="CaixaDeTexto 5">
+            <a:extLst>
+              <a:ext uri="{FF2B5EF4-FFF2-40B4-BE49-F238E27FC236}">
+                <a16:creationId xmlns:a16="http://schemas.microsoft.com/office/drawing/2014/main" id="{A064CFDC-B54C-EBFD-33A6-5C6AD8043B7E}"/>
+              </a:ext>
+            </a:extLst>
+          </p:cNvPr>
+          <p:cNvSpPr txBox="1"/>
+          <p:nvPr/>
+        </p:nvSpPr>
+        <p:spPr>
+          <a:xfrm>
+            <a:off x="6294415" y="4004029"/>
+            <a:ext cx="428322" cy="369332"/>
+          </a:xfrm>
+          <a:prstGeom prst="rect">
+            <a:avLst/>
+          </a:prstGeom>
+          <a:noFill/>
+        </p:spPr>
+        <p:txBody>
+          <a:bodyPr wrap="square" rtlCol="0">
+            <a:spAutoFit/>
+          </a:bodyPr>
+          <a:lstStyle/>
+          <a:p>
+            <a:r>
+              <a:rPr lang="pt-BR" dirty="0">
+                <a:latin typeface="Times New Roman" panose="02020603050405020304" pitchFamily="18" charset="0"/>
+                <a:cs typeface="Times New Roman" panose="02020603050405020304" pitchFamily="18" charset="0"/>
+              </a:rPr>
+              <a:t>D)</a:t>
+            </a:r>
+          </a:p>
+        </p:txBody>
+      </p:sp>
       <p:pic>
         <p:nvPicPr>
-          <p:cNvPr id="36" name="Imagem 35">
-            <a:extLst>
-              <a:ext uri="{FF2B5EF4-FFF2-40B4-BE49-F238E27FC236}">
-                <a16:creationId xmlns:a16="http://schemas.microsoft.com/office/drawing/2014/main" id="{4B4DBDC1-81E6-651C-332B-77C9189C713A}"/>
+          <p:cNvPr id="11" name="Imagem 10">
+            <a:extLst>
+              <a:ext uri="{FF2B5EF4-FFF2-40B4-BE49-F238E27FC236}">
+                <a16:creationId xmlns:a16="http://schemas.microsoft.com/office/drawing/2014/main" id="{3AE91F8E-4FD9-6FDA-2166-C9B848456F51}"/>
               </a:ext>
             </a:extLst>
           </p:cNvPr>
@@ -3828,8 +5558,8 @@
         </p:blipFill>
         <p:spPr>
           <a:xfrm>
-            <a:off x="1916625" y="4285867"/>
-            <a:ext cx="2270957" cy="2812024"/>
+            <a:off x="3800816" y="4515313"/>
+            <a:ext cx="2284978" cy="2944214"/>
           </a:xfrm>
           <a:prstGeom prst="rect">
             <a:avLst/>
@@ -3838,10 +5568,10 @@
       </p:pic>
       <p:pic>
         <p:nvPicPr>
-          <p:cNvPr id="37" name="Imagem 36">
-            <a:extLst>
-              <a:ext uri="{FF2B5EF4-FFF2-40B4-BE49-F238E27FC236}">
-                <a16:creationId xmlns:a16="http://schemas.microsoft.com/office/drawing/2014/main" id="{12AF0F9F-5133-B9F3-DD90-B7AFB6E48C90}"/>
+          <p:cNvPr id="13" name="Imagem 12">
+            <a:extLst>
+              <a:ext uri="{FF2B5EF4-FFF2-40B4-BE49-F238E27FC236}">
+                <a16:creationId xmlns:a16="http://schemas.microsoft.com/office/drawing/2014/main" id="{AD113682-3910-3B13-7149-574554FAEB94}"/>
               </a:ext>
             </a:extLst>
           </p:cNvPr>
@@ -3858,8 +5588,8 @@
         </p:blipFill>
         <p:spPr>
           <a:xfrm>
-            <a:off x="7396300" y="4285867"/>
-            <a:ext cx="2270957" cy="2812024"/>
+            <a:off x="6498680" y="676750"/>
+            <a:ext cx="2284978" cy="2944214"/>
           </a:xfrm>
           <a:prstGeom prst="rect">
             <a:avLst/>
@@ -3868,10 +5598,10 @@
       </p:pic>
       <p:pic>
         <p:nvPicPr>
-          <p:cNvPr id="38" name="Imagem 37">
-            <a:extLst>
-              <a:ext uri="{FF2B5EF4-FFF2-40B4-BE49-F238E27FC236}">
-                <a16:creationId xmlns:a16="http://schemas.microsoft.com/office/drawing/2014/main" id="{75BF4BA3-EA57-E7AE-5FA6-B90F08EE7416}"/>
+          <p:cNvPr id="14" name="Imagem 13">
+            <a:extLst>
+              <a:ext uri="{FF2B5EF4-FFF2-40B4-BE49-F238E27FC236}">
+                <a16:creationId xmlns:a16="http://schemas.microsoft.com/office/drawing/2014/main" id="{E7171BAC-38EA-8E03-C726-D50D52E267B1}"/>
               </a:ext>
             </a:extLst>
           </p:cNvPr>
@@ -3880,88 +5610,27 @@
           </p:cNvPicPr>
           <p:nvPr/>
         </p:nvPicPr>
-        <p:blipFill>
+        <p:blipFill rotWithShape="1">
           <a:blip r:embed="rId5"/>
-          <a:stretch>
-            <a:fillRect/>
-          </a:stretch>
+          <a:srcRect b="6520"/>
+          <a:stretch/>
         </p:blipFill>
         <p:spPr>
           <a:xfrm>
-            <a:off x="7396299" y="750326"/>
-            <a:ext cx="2270957" cy="2812024"/>
+            <a:off x="3811022" y="676750"/>
+            <a:ext cx="2284978" cy="2752250"/>
           </a:xfrm>
           <a:prstGeom prst="rect">
             <a:avLst/>
           </a:prstGeom>
         </p:spPr>
       </p:pic>
-      <p:pic>
-        <p:nvPicPr>
-          <p:cNvPr id="41" name="Imagem 40">
-            <a:extLst>
-              <a:ext uri="{FF2B5EF4-FFF2-40B4-BE49-F238E27FC236}">
-                <a16:creationId xmlns:a16="http://schemas.microsoft.com/office/drawing/2014/main" id="{7A6D4A0A-1C71-B2E0-B687-F8397828BC7D}"/>
-              </a:ext>
-            </a:extLst>
-          </p:cNvPr>
-          <p:cNvPicPr>
-            <a:picLocks noChangeAspect="1"/>
-          </p:cNvPicPr>
-          <p:nvPr/>
-        </p:nvPicPr>
-        <p:blipFill>
-          <a:blip r:embed="rId6"/>
-          <a:stretch>
-            <a:fillRect/>
-          </a:stretch>
-        </p:blipFill>
-        <p:spPr>
-          <a:xfrm>
-            <a:off x="4656463" y="750326"/>
-            <a:ext cx="2270957" cy="2812024"/>
-          </a:xfrm>
-          <a:prstGeom prst="rect">
-            <a:avLst/>
-          </a:prstGeom>
-        </p:spPr>
-      </p:pic>
-      <p:pic>
-        <p:nvPicPr>
-          <p:cNvPr id="42" name="Imagem 41">
-            <a:extLst>
-              <a:ext uri="{FF2B5EF4-FFF2-40B4-BE49-F238E27FC236}">
-                <a16:creationId xmlns:a16="http://schemas.microsoft.com/office/drawing/2014/main" id="{E766C390-DF9A-8D5B-89D5-28E1C874B803}"/>
-              </a:ext>
-            </a:extLst>
-          </p:cNvPr>
-          <p:cNvPicPr>
-            <a:picLocks noChangeAspect="1"/>
-          </p:cNvPicPr>
-          <p:nvPr/>
-        </p:nvPicPr>
-        <p:blipFill>
-          <a:blip r:embed="rId7"/>
-          <a:stretch>
-            <a:fillRect/>
-          </a:stretch>
-        </p:blipFill>
-        <p:spPr>
-          <a:xfrm>
-            <a:off x="1916625" y="747794"/>
-            <a:ext cx="2270957" cy="2812024"/>
-          </a:xfrm>
-          <a:prstGeom prst="rect">
-            <a:avLst/>
-          </a:prstGeom>
-        </p:spPr>
-      </p:pic>
-      <p:sp>
-        <p:nvSpPr>
-          <p:cNvPr id="48" name="CaixaDeTexto 47">
-            <a:extLst>
-              <a:ext uri="{FF2B5EF4-FFF2-40B4-BE49-F238E27FC236}">
-                <a16:creationId xmlns:a16="http://schemas.microsoft.com/office/drawing/2014/main" id="{EBC949DD-EBCE-C3BB-ECF7-4907323D0A7E}"/>
+      <p:sp>
+        <p:nvSpPr>
+          <p:cNvPr id="32" name="CaixaDeTexto 31">
+            <a:extLst>
+              <a:ext uri="{FF2B5EF4-FFF2-40B4-BE49-F238E27FC236}">
+                <a16:creationId xmlns:a16="http://schemas.microsoft.com/office/drawing/2014/main" id="{2E95CC22-F595-E456-E28C-EDCE91B1C071}"/>
               </a:ext>
             </a:extLst>
           </p:cNvPr>
@@ -3970,8 +5639,8 @@
         </p:nvSpPr>
         <p:spPr>
           <a:xfrm>
-            <a:off x="2846706" y="626844"/>
-            <a:ext cx="779381" cy="276999"/>
+            <a:off x="3636405" y="3606804"/>
+            <a:ext cx="5012772" cy="369332"/>
           </a:xfrm>
           <a:prstGeom prst="rect">
             <a:avLst/>
@@ -3979,27 +5648,42 @@
           <a:noFill/>
         </p:spPr>
         <p:txBody>
-          <a:bodyPr wrap="none" rtlCol="0">
+          <a:bodyPr wrap="square" rtlCol="0">
             <a:spAutoFit/>
           </a:bodyPr>
           <a:lstStyle/>
           <a:p>
-            <a:r>
-              <a:rPr lang="pt-BR" sz="1200" dirty="0">
+            <a:pPr algn="ctr"/>
+            <a:r>
+              <a:rPr lang="pt-BR" dirty="0">
                 <a:latin typeface="Times New Roman" panose="02020603050405020304" pitchFamily="18" charset="0"/>
                 <a:cs typeface="Times New Roman" panose="02020603050405020304" pitchFamily="18" charset="0"/>
               </a:rPr>
-              <a:t>P=0.0219</a:t>
+              <a:t>Beck Anxiety </a:t>
+            </a:r>
+            <a:r>
+              <a:rPr lang="pt-BR" dirty="0" err="1">
+                <a:latin typeface="Times New Roman" panose="02020603050405020304" pitchFamily="18" charset="0"/>
+                <a:cs typeface="Times New Roman" panose="02020603050405020304" pitchFamily="18" charset="0"/>
+              </a:rPr>
+              <a:t>Inventory</a:t>
+            </a:r>
+            <a:r>
+              <a:rPr lang="pt-BR" dirty="0">
+                <a:latin typeface="Times New Roman" panose="02020603050405020304" pitchFamily="18" charset="0"/>
+                <a:cs typeface="Times New Roman" panose="02020603050405020304" pitchFamily="18" charset="0"/>
+              </a:rPr>
+              <a:t> Score</a:t>
             </a:r>
           </a:p>
         </p:txBody>
       </p:sp>
       <p:cxnSp>
         <p:nvCxnSpPr>
-          <p:cNvPr id="53" name="Conector reto 52">
-            <a:extLst>
-              <a:ext uri="{FF2B5EF4-FFF2-40B4-BE49-F238E27FC236}">
-                <a16:creationId xmlns:a16="http://schemas.microsoft.com/office/drawing/2014/main" id="{9C9C9A2E-4322-2187-FB43-396B71C64E71}"/>
+          <p:cNvPr id="34" name="Conector reto 33">
+            <a:extLst>
+              <a:ext uri="{FF2B5EF4-FFF2-40B4-BE49-F238E27FC236}">
+                <a16:creationId xmlns:a16="http://schemas.microsoft.com/office/drawing/2014/main" id="{1E37D809-A9FC-A899-FD3E-3D6190F5B892}"/>
               </a:ext>
             </a:extLst>
           </p:cNvPr>
@@ -4010,8 +5694,8 @@
         </p:nvCxnSpPr>
         <p:spPr>
           <a:xfrm>
-            <a:off x="2831523" y="847725"/>
-            <a:ext cx="794564" cy="0"/>
+            <a:off x="3522266" y="3947229"/>
+            <a:ext cx="5400000" cy="0"/>
           </a:xfrm>
           <a:prstGeom prst="line">
             <a:avLst/>
@@ -4034,10 +5718,10 @@
       </p:cxnSp>
       <p:sp>
         <p:nvSpPr>
-          <p:cNvPr id="57" name="CaixaDeTexto 56">
-            <a:extLst>
-              <a:ext uri="{FF2B5EF4-FFF2-40B4-BE49-F238E27FC236}">
-                <a16:creationId xmlns:a16="http://schemas.microsoft.com/office/drawing/2014/main" id="{5D60D7A8-E3D9-1A31-3C82-C1E9FB1664FD}"/>
+          <p:cNvPr id="20" name="CaixaDeTexto 19">
+            <a:extLst>
+              <a:ext uri="{FF2B5EF4-FFF2-40B4-BE49-F238E27FC236}">
+                <a16:creationId xmlns:a16="http://schemas.microsoft.com/office/drawing/2014/main" id="{A463A417-904F-FD4D-2CFE-2A69B93AC0E0}"/>
               </a:ext>
             </a:extLst>
           </p:cNvPr>
@@ -4046,8 +5730,8 @@
         </p:nvSpPr>
         <p:spPr>
           <a:xfrm>
-            <a:off x="5589906" y="626844"/>
-            <a:ext cx="779381" cy="276999"/>
+            <a:off x="3629149" y="0"/>
+            <a:ext cx="5012772" cy="369332"/>
           </a:xfrm>
           <a:prstGeom prst="rect">
             <a:avLst/>
@@ -4055,27 +5739,127 @@
           <a:noFill/>
         </p:spPr>
         <p:txBody>
+          <a:bodyPr wrap="square" rtlCol="0">
+            <a:spAutoFit/>
+          </a:bodyPr>
+          <a:lstStyle/>
+          <a:p>
+            <a:pPr algn="ctr"/>
+            <a:r>
+              <a:rPr lang="pt-BR" dirty="0">
+                <a:latin typeface="Times New Roman" panose="02020603050405020304" pitchFamily="18" charset="0"/>
+                <a:cs typeface="Times New Roman" panose="02020603050405020304" pitchFamily="18" charset="0"/>
+              </a:rPr>
+              <a:t>Beck Depression </a:t>
+            </a:r>
+            <a:r>
+              <a:rPr lang="pt-BR" dirty="0" err="1">
+                <a:latin typeface="Times New Roman" panose="02020603050405020304" pitchFamily="18" charset="0"/>
+                <a:cs typeface="Times New Roman" panose="02020603050405020304" pitchFamily="18" charset="0"/>
+              </a:rPr>
+              <a:t>Inventory</a:t>
+            </a:r>
+            <a:r>
+              <a:rPr lang="pt-BR" dirty="0">
+                <a:latin typeface="Times New Roman" panose="02020603050405020304" pitchFamily="18" charset="0"/>
+                <a:cs typeface="Times New Roman" panose="02020603050405020304" pitchFamily="18" charset="0"/>
+              </a:rPr>
+              <a:t> Score</a:t>
+            </a:r>
+          </a:p>
+        </p:txBody>
+      </p:sp>
+      <p:sp>
+        <p:nvSpPr>
+          <p:cNvPr id="21" name="CaixaDeTexto 20">
+            <a:extLst>
+              <a:ext uri="{FF2B5EF4-FFF2-40B4-BE49-F238E27FC236}">
+                <a16:creationId xmlns:a16="http://schemas.microsoft.com/office/drawing/2014/main" id="{6093B8D4-A5F1-AAF0-17AA-AA539F630A33}"/>
+              </a:ext>
+            </a:extLst>
+          </p:cNvPr>
+          <p:cNvSpPr txBox="1"/>
+          <p:nvPr/>
+        </p:nvSpPr>
+        <p:spPr>
+          <a:xfrm>
+            <a:off x="4621928" y="342405"/>
+            <a:ext cx="593432" cy="338554"/>
+          </a:xfrm>
+          <a:prstGeom prst="rect">
+            <a:avLst/>
+          </a:prstGeom>
+          <a:noFill/>
+        </p:spPr>
+        <p:txBody>
           <a:bodyPr wrap="none" rtlCol="0">
             <a:spAutoFit/>
           </a:bodyPr>
           <a:lstStyle/>
           <a:p>
-            <a:r>
-              <a:rPr lang="pt-BR" sz="1200" dirty="0">
+            <a:pPr algn="ctr"/>
+            <a:r>
+              <a:rPr lang="pt-BR" sz="1600" u="sng" dirty="0">
                 <a:latin typeface="Times New Roman" panose="02020603050405020304" pitchFamily="18" charset="0"/>
                 <a:cs typeface="Times New Roman" panose="02020603050405020304" pitchFamily="18" charset="0"/>
               </a:rPr>
-              <a:t>P=0.0003</a:t>
+              <a:t>HGS</a:t>
+            </a:r>
+          </a:p>
+        </p:txBody>
+      </p:sp>
+      <p:sp>
+        <p:nvSpPr>
+          <p:cNvPr id="24" name="CaixaDeTexto 23">
+            <a:extLst>
+              <a:ext uri="{FF2B5EF4-FFF2-40B4-BE49-F238E27FC236}">
+                <a16:creationId xmlns:a16="http://schemas.microsoft.com/office/drawing/2014/main" id="{F3899C2E-B56E-EDD1-0544-B5A3B2903AE4}"/>
+              </a:ext>
+            </a:extLst>
+          </p:cNvPr>
+          <p:cNvSpPr txBox="1"/>
+          <p:nvPr/>
+        </p:nvSpPr>
+        <p:spPr>
+          <a:xfrm>
+            <a:off x="6991017" y="340425"/>
+            <a:ext cx="1313950" cy="338554"/>
+          </a:xfrm>
+          <a:prstGeom prst="rect">
+            <a:avLst/>
+          </a:prstGeom>
+          <a:noFill/>
+        </p:spPr>
+        <p:txBody>
+          <a:bodyPr wrap="none" rtlCol="0">
+            <a:spAutoFit/>
+          </a:bodyPr>
+          <a:lstStyle/>
+          <a:p>
+            <a:pPr algn="ctr"/>
+            <a:r>
+              <a:rPr lang="pt-BR" sz="1600" u="sng" dirty="0" err="1">
+                <a:latin typeface="Times New Roman" panose="02020603050405020304" pitchFamily="18" charset="0"/>
+                <a:cs typeface="Times New Roman" panose="02020603050405020304" pitchFamily="18" charset="0"/>
+              </a:rPr>
+              <a:t>Timed</a:t>
+            </a:r>
+            <a:r>
+              <a:rPr lang="pt-BR" sz="1600" u="sng" dirty="0">
+                <a:latin typeface="Times New Roman" panose="02020603050405020304" pitchFamily="18" charset="0"/>
+                <a:cs typeface="Times New Roman" panose="02020603050405020304" pitchFamily="18" charset="0"/>
+              </a:rPr>
+              <a:t> Stands</a:t>
             </a:r>
           </a:p>
         </p:txBody>
       </p:sp>
       <p:cxnSp>
         <p:nvCxnSpPr>
-          <p:cNvPr id="58" name="Conector reto 57">
-            <a:extLst>
-              <a:ext uri="{FF2B5EF4-FFF2-40B4-BE49-F238E27FC236}">
-                <a16:creationId xmlns:a16="http://schemas.microsoft.com/office/drawing/2014/main" id="{0463A3FC-03CE-EA1D-944D-0C461D5D436E}"/>
+          <p:cNvPr id="28" name="Conector reto 27">
+            <a:extLst>
+              <a:ext uri="{FF2B5EF4-FFF2-40B4-BE49-F238E27FC236}">
+                <a16:creationId xmlns:a16="http://schemas.microsoft.com/office/drawing/2014/main" id="{45802C0D-18BB-AE8E-F130-800E1D591458}"/>
               </a:ext>
             </a:extLst>
           </p:cNvPr>
@@ -4086,8 +5870,8 @@
         </p:nvCxnSpPr>
         <p:spPr>
           <a:xfrm>
-            <a:off x="5574723" y="847725"/>
-            <a:ext cx="794564" cy="0"/>
+            <a:off x="3515010" y="340425"/>
+            <a:ext cx="5400000" cy="0"/>
           </a:xfrm>
           <a:prstGeom prst="line">
             <a:avLst/>
@@ -4110,10 +5894,10 @@
       </p:cxnSp>
       <p:sp>
         <p:nvSpPr>
-          <p:cNvPr id="61" name="CaixaDeTexto 60">
-            <a:extLst>
-              <a:ext uri="{FF2B5EF4-FFF2-40B4-BE49-F238E27FC236}">
-                <a16:creationId xmlns:a16="http://schemas.microsoft.com/office/drawing/2014/main" id="{B0F1B997-D74A-DDCB-6E57-E027B4ADCCC9}"/>
+          <p:cNvPr id="48" name="CaixaDeTexto 47">
+            <a:extLst>
+              <a:ext uri="{FF2B5EF4-FFF2-40B4-BE49-F238E27FC236}">
+                <a16:creationId xmlns:a16="http://schemas.microsoft.com/office/drawing/2014/main" id="{EBC949DD-EBCE-C3BB-ECF7-4907323D0A7E}"/>
               </a:ext>
             </a:extLst>
           </p:cNvPr>
@@ -4122,7 +5906,7 @@
         </p:nvSpPr>
         <p:spPr>
           <a:xfrm>
-            <a:off x="2846706" y="4151094"/>
+            <a:off x="4561206" y="698743"/>
             <a:ext cx="779381" cy="276999"/>
           </a:xfrm>
           <a:prstGeom prst="rect">
@@ -4141,17 +5925,17 @@
                 <a:latin typeface="Times New Roman" panose="02020603050405020304" pitchFamily="18" charset="0"/>
                 <a:cs typeface="Times New Roman" panose="02020603050405020304" pitchFamily="18" charset="0"/>
               </a:rPr>
-              <a:t>P=0.0003</a:t>
+              <a:t>P=0.0214</a:t>
             </a:r>
           </a:p>
         </p:txBody>
       </p:sp>
       <p:cxnSp>
         <p:nvCxnSpPr>
-          <p:cNvPr id="62" name="Conector reto 61">
-            <a:extLst>
-              <a:ext uri="{FF2B5EF4-FFF2-40B4-BE49-F238E27FC236}">
-                <a16:creationId xmlns:a16="http://schemas.microsoft.com/office/drawing/2014/main" id="{FAE99593-7F71-C1D3-0FE9-C682736782E7}"/>
+          <p:cNvPr id="53" name="Conector reto 52">
+            <a:extLst>
+              <a:ext uri="{FF2B5EF4-FFF2-40B4-BE49-F238E27FC236}">
+                <a16:creationId xmlns:a16="http://schemas.microsoft.com/office/drawing/2014/main" id="{9C9C9A2E-4322-2187-FB43-396B71C64E71}"/>
               </a:ext>
             </a:extLst>
           </p:cNvPr>
@@ -4162,7 +5946,7 @@
         </p:nvCxnSpPr>
         <p:spPr>
           <a:xfrm>
-            <a:off x="2831523" y="4371975"/>
+            <a:off x="4546023" y="919624"/>
             <a:ext cx="794564" cy="0"/>
           </a:xfrm>
           <a:prstGeom prst="line">
@@ -4186,10 +5970,10 @@
       </p:cxnSp>
       <p:sp>
         <p:nvSpPr>
-          <p:cNvPr id="63" name="CaixaDeTexto 62">
-            <a:extLst>
-              <a:ext uri="{FF2B5EF4-FFF2-40B4-BE49-F238E27FC236}">
-                <a16:creationId xmlns:a16="http://schemas.microsoft.com/office/drawing/2014/main" id="{F72DF69E-5B43-4E2E-FBF6-50BDC7B2D4BD}"/>
+          <p:cNvPr id="57" name="CaixaDeTexto 56">
+            <a:extLst>
+              <a:ext uri="{FF2B5EF4-FFF2-40B4-BE49-F238E27FC236}">
+                <a16:creationId xmlns:a16="http://schemas.microsoft.com/office/drawing/2014/main" id="{5D60D7A8-E3D9-1A31-3C82-C1E9FB1664FD}"/>
               </a:ext>
             </a:extLst>
           </p:cNvPr>
@@ -4198,7 +5982,7 @@
         </p:nvSpPr>
         <p:spPr>
           <a:xfrm>
-            <a:off x="5589906" y="4151094"/>
+            <a:off x="7304406" y="698743"/>
             <a:ext cx="779381" cy="276999"/>
           </a:xfrm>
           <a:prstGeom prst="rect">
@@ -4217,17 +6001,17 @@
                 <a:latin typeface="Times New Roman" panose="02020603050405020304" pitchFamily="18" charset="0"/>
                 <a:cs typeface="Times New Roman" panose="02020603050405020304" pitchFamily="18" charset="0"/>
               </a:rPr>
-              <a:t>P&lt;0.0001</a:t>
+              <a:t>P=0.0030</a:t>
             </a:r>
           </a:p>
         </p:txBody>
       </p:sp>
       <p:cxnSp>
         <p:nvCxnSpPr>
-          <p:cNvPr id="64" name="Conector reto 63">
-            <a:extLst>
-              <a:ext uri="{FF2B5EF4-FFF2-40B4-BE49-F238E27FC236}">
-                <a16:creationId xmlns:a16="http://schemas.microsoft.com/office/drawing/2014/main" id="{DD54D9D5-8D00-A40C-F269-A0C4CE40628B}"/>
+          <p:cNvPr id="58" name="Conector reto 57">
+            <a:extLst>
+              <a:ext uri="{FF2B5EF4-FFF2-40B4-BE49-F238E27FC236}">
+                <a16:creationId xmlns:a16="http://schemas.microsoft.com/office/drawing/2014/main" id="{0463A3FC-03CE-EA1D-944D-0C461D5D436E}"/>
               </a:ext>
             </a:extLst>
           </p:cNvPr>
@@ -4238,7 +6022,7 @@
         </p:nvCxnSpPr>
         <p:spPr>
           <a:xfrm>
-            <a:off x="5574723" y="4371975"/>
+            <a:off x="7289223" y="919624"/>
             <a:ext cx="794564" cy="0"/>
           </a:xfrm>
           <a:prstGeom prst="line">
@@ -4260,10 +6044,235 @@
           </a:fontRef>
         </p:style>
       </p:cxnSp>
+      <p:sp>
+        <p:nvSpPr>
+          <p:cNvPr id="2" name="CaixaDeTexto 1">
+            <a:extLst>
+              <a:ext uri="{FF2B5EF4-FFF2-40B4-BE49-F238E27FC236}">
+                <a16:creationId xmlns:a16="http://schemas.microsoft.com/office/drawing/2014/main" id="{DADBD845-CBF3-929C-511A-D1521280300B}"/>
+              </a:ext>
+            </a:extLst>
+          </p:cNvPr>
+          <p:cNvSpPr txBox="1"/>
+          <p:nvPr/>
+        </p:nvSpPr>
+        <p:spPr>
+          <a:xfrm>
+            <a:off x="3531424" y="356908"/>
+            <a:ext cx="428322" cy="369332"/>
+          </a:xfrm>
+          <a:prstGeom prst="rect">
+            <a:avLst/>
+          </a:prstGeom>
+          <a:noFill/>
+        </p:spPr>
+        <p:txBody>
+          <a:bodyPr wrap="none" rtlCol="0">
+            <a:spAutoFit/>
+          </a:bodyPr>
+          <a:lstStyle/>
+          <a:p>
+            <a:r>
+              <a:rPr lang="pt-BR" dirty="0">
+                <a:latin typeface="Times New Roman" panose="02020603050405020304" pitchFamily="18" charset="0"/>
+                <a:cs typeface="Times New Roman" panose="02020603050405020304" pitchFamily="18" charset="0"/>
+              </a:rPr>
+              <a:t>A)</a:t>
+            </a:r>
+          </a:p>
+        </p:txBody>
+      </p:sp>
+      <p:sp>
+        <p:nvSpPr>
+          <p:cNvPr id="3" name="CaixaDeTexto 2">
+            <a:extLst>
+              <a:ext uri="{FF2B5EF4-FFF2-40B4-BE49-F238E27FC236}">
+                <a16:creationId xmlns:a16="http://schemas.microsoft.com/office/drawing/2014/main" id="{BBAD1269-47E5-C49F-C3F2-C77D4C0C706D}"/>
+              </a:ext>
+            </a:extLst>
+          </p:cNvPr>
+          <p:cNvSpPr txBox="1"/>
+          <p:nvPr/>
+        </p:nvSpPr>
+        <p:spPr>
+          <a:xfrm>
+            <a:off x="6284519" y="354929"/>
+            <a:ext cx="428322" cy="369332"/>
+          </a:xfrm>
+          <a:prstGeom prst="rect">
+            <a:avLst/>
+          </a:prstGeom>
+          <a:noFill/>
+        </p:spPr>
+        <p:txBody>
+          <a:bodyPr wrap="square" rtlCol="0">
+            <a:spAutoFit/>
+          </a:bodyPr>
+          <a:lstStyle/>
+          <a:p>
+            <a:r>
+              <a:rPr lang="pt-BR" dirty="0">
+                <a:latin typeface="Times New Roman" panose="02020603050405020304" pitchFamily="18" charset="0"/>
+                <a:cs typeface="Times New Roman" panose="02020603050405020304" pitchFamily="18" charset="0"/>
+              </a:rPr>
+              <a:t>B)</a:t>
+            </a:r>
+          </a:p>
+        </p:txBody>
+      </p:sp>
+      <p:pic>
+        <p:nvPicPr>
+          <p:cNvPr id="38" name="Imagem 37">
+            <a:extLst>
+              <a:ext uri="{FF2B5EF4-FFF2-40B4-BE49-F238E27FC236}">
+                <a16:creationId xmlns:a16="http://schemas.microsoft.com/office/drawing/2014/main" id="{2244621B-988E-5E2F-1FD2-DE36C9D4515C}"/>
+              </a:ext>
+            </a:extLst>
+          </p:cNvPr>
+          <p:cNvPicPr>
+            <a:picLocks noChangeAspect="1"/>
+          </p:cNvPicPr>
+          <p:nvPr/>
+        </p:nvPicPr>
+        <p:blipFill>
+          <a:blip r:embed="rId6"/>
+          <a:stretch>
+            <a:fillRect/>
+          </a:stretch>
+        </p:blipFill>
+        <p:spPr>
+          <a:xfrm>
+            <a:off x="9304103" y="184666"/>
+            <a:ext cx="6165114" cy="1699407"/>
+          </a:xfrm>
+          <a:prstGeom prst="rect">
+            <a:avLst/>
+          </a:prstGeom>
+        </p:spPr>
+      </p:pic>
+      <p:pic>
+        <p:nvPicPr>
+          <p:cNvPr id="40" name="Imagem 39">
+            <a:extLst>
+              <a:ext uri="{FF2B5EF4-FFF2-40B4-BE49-F238E27FC236}">
+                <a16:creationId xmlns:a16="http://schemas.microsoft.com/office/drawing/2014/main" id="{04EDF24C-5B1A-DD0F-F45B-38A6F6E7FEE8}"/>
+              </a:ext>
+            </a:extLst>
+          </p:cNvPr>
+          <p:cNvPicPr>
+            <a:picLocks noChangeAspect="1"/>
+          </p:cNvPicPr>
+          <p:nvPr/>
+        </p:nvPicPr>
+        <p:blipFill>
+          <a:blip r:embed="rId7"/>
+          <a:stretch>
+            <a:fillRect/>
+          </a:stretch>
+        </p:blipFill>
+        <p:spPr>
+          <a:xfrm>
+            <a:off x="-2639103" y="92782"/>
+            <a:ext cx="6119390" cy="1653683"/>
+          </a:xfrm>
+          <a:prstGeom prst="rect">
+            <a:avLst/>
+          </a:prstGeom>
+        </p:spPr>
+      </p:pic>
+      <p:pic>
+        <p:nvPicPr>
+          <p:cNvPr id="44" name="Imagem 43">
+            <a:extLst>
+              <a:ext uri="{FF2B5EF4-FFF2-40B4-BE49-F238E27FC236}">
+                <a16:creationId xmlns:a16="http://schemas.microsoft.com/office/drawing/2014/main" id="{B273F828-F07C-DFBD-5366-0D6EAF628FDB}"/>
+              </a:ext>
+            </a:extLst>
+          </p:cNvPr>
+          <p:cNvPicPr>
+            <a:picLocks noChangeAspect="1"/>
+          </p:cNvPicPr>
+          <p:nvPr/>
+        </p:nvPicPr>
+        <p:blipFill>
+          <a:blip r:embed="rId8"/>
+          <a:stretch>
+            <a:fillRect/>
+          </a:stretch>
+        </p:blipFill>
+        <p:spPr>
+          <a:xfrm>
+            <a:off x="-2886072" y="3863031"/>
+            <a:ext cx="6149873" cy="1638442"/>
+          </a:xfrm>
+          <a:prstGeom prst="rect">
+            <a:avLst/>
+          </a:prstGeom>
+        </p:spPr>
+      </p:pic>
+      <p:pic>
+        <p:nvPicPr>
+          <p:cNvPr id="46" name="Imagem 45">
+            <a:extLst>
+              <a:ext uri="{FF2B5EF4-FFF2-40B4-BE49-F238E27FC236}">
+                <a16:creationId xmlns:a16="http://schemas.microsoft.com/office/drawing/2014/main" id="{20A457F5-B69A-A103-3527-416D6A0E20CB}"/>
+              </a:ext>
+            </a:extLst>
+          </p:cNvPr>
+          <p:cNvPicPr>
+            <a:picLocks noChangeAspect="1"/>
+          </p:cNvPicPr>
+          <p:nvPr/>
+        </p:nvPicPr>
+        <p:blipFill>
+          <a:blip r:embed="rId9"/>
+          <a:stretch>
+            <a:fillRect/>
+          </a:stretch>
+        </p:blipFill>
+        <p:spPr>
+          <a:xfrm>
+            <a:off x="9180731" y="4360296"/>
+            <a:ext cx="6180356" cy="1707028"/>
+          </a:xfrm>
+          <a:prstGeom prst="rect">
+            <a:avLst/>
+          </a:prstGeom>
+        </p:spPr>
+      </p:pic>
+      <p:pic>
+        <p:nvPicPr>
+          <p:cNvPr id="7" name="Imagem 6">
+            <a:extLst>
+              <a:ext uri="{FF2B5EF4-FFF2-40B4-BE49-F238E27FC236}">
+                <a16:creationId xmlns:a16="http://schemas.microsoft.com/office/drawing/2014/main" id="{5236B3D2-D06E-2B4A-5989-F83BC36C2961}"/>
+              </a:ext>
+            </a:extLst>
+          </p:cNvPr>
+          <p:cNvPicPr>
+            <a:picLocks noChangeAspect="1"/>
+          </p:cNvPicPr>
+          <p:nvPr/>
+        </p:nvPicPr>
+        <p:blipFill rotWithShape="1">
+          <a:blip r:embed="rId3"/>
+          <a:srcRect t="93823"/>
+          <a:stretch/>
+        </p:blipFill>
+        <p:spPr>
+          <a:xfrm>
+            <a:off x="3811345" y="3440434"/>
+            <a:ext cx="2284978" cy="181876"/>
+          </a:xfrm>
+          <a:prstGeom prst="rect">
+            <a:avLst/>
+          </a:prstGeom>
+        </p:spPr>
+      </p:pic>
     </p:spTree>
     <p:extLst>
       <p:ext uri="{BB962C8B-B14F-4D97-AF65-F5344CB8AC3E}">
-        <p14:creationId xmlns:p14="http://schemas.microsoft.com/office/powerpoint/2010/main" val="3967906435"/>
+        <p14:creationId xmlns:p14="http://schemas.microsoft.com/office/powerpoint/2010/main" val="3270712228"/>
       </p:ext>
     </p:extLst>
   </p:cSld>
@@ -4290,12 +6299,1784 @@
           <a:chExt cx="0" cy="0"/>
         </a:xfrm>
       </p:grpSpPr>
+      <p:sp>
+        <p:nvSpPr>
+          <p:cNvPr id="2" name="CaixaDeTexto 1">
+            <a:extLst>
+              <a:ext uri="{FF2B5EF4-FFF2-40B4-BE49-F238E27FC236}">
+                <a16:creationId xmlns:a16="http://schemas.microsoft.com/office/drawing/2014/main" id="{FED15CA6-4259-D9DF-D867-C2CBB9B859C3}"/>
+              </a:ext>
+            </a:extLst>
+          </p:cNvPr>
+          <p:cNvSpPr txBox="1"/>
+          <p:nvPr/>
+        </p:nvSpPr>
+        <p:spPr>
+          <a:xfrm>
+            <a:off x="621225" y="-71899"/>
+            <a:ext cx="11340000" cy="369332"/>
+          </a:xfrm>
+          <a:prstGeom prst="rect">
+            <a:avLst/>
+          </a:prstGeom>
+          <a:noFill/>
+        </p:spPr>
+        <p:txBody>
+          <a:bodyPr wrap="square" rtlCol="0">
+            <a:spAutoFit/>
+          </a:bodyPr>
+          <a:lstStyle/>
+          <a:p>
+            <a:pPr algn="ctr"/>
+            <a:r>
+              <a:rPr lang="pt-BR" dirty="0">
+                <a:latin typeface="Times New Roman" panose="02020603050405020304" pitchFamily="18" charset="0"/>
+                <a:cs typeface="Times New Roman" panose="02020603050405020304" pitchFamily="18" charset="0"/>
+              </a:rPr>
+              <a:t>Beck Depression </a:t>
+            </a:r>
+            <a:r>
+              <a:rPr lang="pt-BR" dirty="0" err="1">
+                <a:latin typeface="Times New Roman" panose="02020603050405020304" pitchFamily="18" charset="0"/>
+                <a:cs typeface="Times New Roman" panose="02020603050405020304" pitchFamily="18" charset="0"/>
+              </a:rPr>
+              <a:t>Inventory</a:t>
+            </a:r>
+            <a:r>
+              <a:rPr lang="pt-BR" dirty="0">
+                <a:latin typeface="Times New Roman" panose="02020603050405020304" pitchFamily="18" charset="0"/>
+                <a:cs typeface="Times New Roman" panose="02020603050405020304" pitchFamily="18" charset="0"/>
+              </a:rPr>
+              <a:t> Score</a:t>
+            </a:r>
+          </a:p>
+        </p:txBody>
+      </p:sp>
+      <p:sp>
+        <p:nvSpPr>
+          <p:cNvPr id="3" name="CaixaDeTexto 2">
+            <a:extLst>
+              <a:ext uri="{FF2B5EF4-FFF2-40B4-BE49-F238E27FC236}">
+                <a16:creationId xmlns:a16="http://schemas.microsoft.com/office/drawing/2014/main" id="{1482DB97-8665-B17F-22E3-501FD29F761D}"/>
+              </a:ext>
+            </a:extLst>
+          </p:cNvPr>
+          <p:cNvSpPr txBox="1"/>
+          <p:nvPr/>
+        </p:nvSpPr>
+        <p:spPr>
+          <a:xfrm>
+            <a:off x="3123328" y="270506"/>
+            <a:ext cx="593432" cy="338554"/>
+          </a:xfrm>
+          <a:prstGeom prst="rect">
+            <a:avLst/>
+          </a:prstGeom>
+          <a:noFill/>
+        </p:spPr>
+        <p:txBody>
+          <a:bodyPr wrap="none" rtlCol="0">
+            <a:spAutoFit/>
+          </a:bodyPr>
+          <a:lstStyle/>
+          <a:p>
+            <a:pPr algn="ctr"/>
+            <a:r>
+              <a:rPr lang="pt-BR" sz="1600" u="sng" dirty="0">
+                <a:latin typeface="Times New Roman" panose="02020603050405020304" pitchFamily="18" charset="0"/>
+                <a:cs typeface="Times New Roman" panose="02020603050405020304" pitchFamily="18" charset="0"/>
+              </a:rPr>
+              <a:t>HGS</a:t>
+            </a:r>
+          </a:p>
+        </p:txBody>
+      </p:sp>
+      <p:sp>
+        <p:nvSpPr>
+          <p:cNvPr id="4" name="CaixaDeTexto 3">
+            <a:extLst>
+              <a:ext uri="{FF2B5EF4-FFF2-40B4-BE49-F238E27FC236}">
+                <a16:creationId xmlns:a16="http://schemas.microsoft.com/office/drawing/2014/main" id="{54E2658C-9266-07DD-A344-187CE3178972}"/>
+              </a:ext>
+            </a:extLst>
+          </p:cNvPr>
+          <p:cNvSpPr txBox="1"/>
+          <p:nvPr/>
+        </p:nvSpPr>
+        <p:spPr>
+          <a:xfrm>
+            <a:off x="8426117" y="268526"/>
+            <a:ext cx="1313950" cy="338554"/>
+          </a:xfrm>
+          <a:prstGeom prst="rect">
+            <a:avLst/>
+          </a:prstGeom>
+          <a:noFill/>
+        </p:spPr>
+        <p:txBody>
+          <a:bodyPr wrap="none" rtlCol="0">
+            <a:spAutoFit/>
+          </a:bodyPr>
+          <a:lstStyle/>
+          <a:p>
+            <a:pPr algn="ctr"/>
+            <a:r>
+              <a:rPr lang="pt-BR" sz="1600" u="sng" dirty="0" err="1">
+                <a:latin typeface="Times New Roman" panose="02020603050405020304" pitchFamily="18" charset="0"/>
+                <a:cs typeface="Times New Roman" panose="02020603050405020304" pitchFamily="18" charset="0"/>
+              </a:rPr>
+              <a:t>Timed</a:t>
+            </a:r>
+            <a:r>
+              <a:rPr lang="pt-BR" sz="1600" u="sng" dirty="0">
+                <a:latin typeface="Times New Roman" panose="02020603050405020304" pitchFamily="18" charset="0"/>
+                <a:cs typeface="Times New Roman" panose="02020603050405020304" pitchFamily="18" charset="0"/>
+              </a:rPr>
+              <a:t> Stands</a:t>
+            </a:r>
+          </a:p>
+        </p:txBody>
+      </p:sp>
+      <p:cxnSp>
+        <p:nvCxnSpPr>
+          <p:cNvPr id="5" name="Conector reto 4">
+            <a:extLst>
+              <a:ext uri="{FF2B5EF4-FFF2-40B4-BE49-F238E27FC236}">
+                <a16:creationId xmlns:a16="http://schemas.microsoft.com/office/drawing/2014/main" id="{1A441D07-F6B6-3F99-A84B-54AB764D60C1}"/>
+              </a:ext>
+            </a:extLst>
+          </p:cNvPr>
+          <p:cNvCxnSpPr>
+            <a:cxnSpLocks/>
+          </p:cNvCxnSpPr>
+          <p:nvPr/>
+        </p:nvCxnSpPr>
+        <p:spPr>
+          <a:xfrm>
+            <a:off x="621225" y="268526"/>
+            <a:ext cx="11340000" cy="0"/>
+          </a:xfrm>
+          <a:prstGeom prst="line">
+            <a:avLst/>
+          </a:prstGeom>
+        </p:spPr>
+        <p:style>
+          <a:lnRef idx="1">
+            <a:schemeClr val="dk1"/>
+          </a:lnRef>
+          <a:fillRef idx="0">
+            <a:schemeClr val="dk1"/>
+          </a:fillRef>
+          <a:effectRef idx="0">
+            <a:schemeClr val="dk1"/>
+          </a:effectRef>
+          <a:fontRef idx="minor">
+            <a:schemeClr val="tx1"/>
+          </a:fontRef>
+        </p:style>
+      </p:cxnSp>
+      <p:sp>
+        <p:nvSpPr>
+          <p:cNvPr id="10" name="CaixaDeTexto 9">
+            <a:extLst>
+              <a:ext uri="{FF2B5EF4-FFF2-40B4-BE49-F238E27FC236}">
+                <a16:creationId xmlns:a16="http://schemas.microsoft.com/office/drawing/2014/main" id="{14CD97AE-011A-F8E0-BDD1-EFA8CCD6AD30}"/>
+              </a:ext>
+            </a:extLst>
+          </p:cNvPr>
+          <p:cNvSpPr txBox="1"/>
+          <p:nvPr/>
+        </p:nvSpPr>
+        <p:spPr>
+          <a:xfrm>
+            <a:off x="750124" y="285009"/>
+            <a:ext cx="428322" cy="369332"/>
+          </a:xfrm>
+          <a:prstGeom prst="rect">
+            <a:avLst/>
+          </a:prstGeom>
+          <a:noFill/>
+        </p:spPr>
+        <p:txBody>
+          <a:bodyPr wrap="none" rtlCol="0">
+            <a:spAutoFit/>
+          </a:bodyPr>
+          <a:lstStyle/>
+          <a:p>
+            <a:r>
+              <a:rPr lang="pt-BR" dirty="0">
+                <a:latin typeface="Times New Roman" panose="02020603050405020304" pitchFamily="18" charset="0"/>
+                <a:cs typeface="Times New Roman" panose="02020603050405020304" pitchFamily="18" charset="0"/>
+              </a:rPr>
+              <a:t>A)</a:t>
+            </a:r>
+          </a:p>
+        </p:txBody>
+      </p:sp>
+      <p:sp>
+        <p:nvSpPr>
+          <p:cNvPr id="11" name="CaixaDeTexto 10">
+            <a:extLst>
+              <a:ext uri="{FF2B5EF4-FFF2-40B4-BE49-F238E27FC236}">
+                <a16:creationId xmlns:a16="http://schemas.microsoft.com/office/drawing/2014/main" id="{45CCB714-8995-2BEB-F1B5-C5468E01573C}"/>
+              </a:ext>
+            </a:extLst>
+          </p:cNvPr>
+          <p:cNvSpPr txBox="1"/>
+          <p:nvPr/>
+        </p:nvSpPr>
+        <p:spPr>
+          <a:xfrm>
+            <a:off x="6424219" y="283030"/>
+            <a:ext cx="428322" cy="369332"/>
+          </a:xfrm>
+          <a:prstGeom prst="rect">
+            <a:avLst/>
+          </a:prstGeom>
+          <a:noFill/>
+        </p:spPr>
+        <p:txBody>
+          <a:bodyPr wrap="square" rtlCol="0">
+            <a:spAutoFit/>
+          </a:bodyPr>
+          <a:lstStyle/>
+          <a:p>
+            <a:r>
+              <a:rPr lang="pt-BR" dirty="0">
+                <a:latin typeface="Times New Roman" panose="02020603050405020304" pitchFamily="18" charset="0"/>
+                <a:cs typeface="Times New Roman" panose="02020603050405020304" pitchFamily="18" charset="0"/>
+              </a:rPr>
+              <a:t>B)</a:t>
+            </a:r>
+          </a:p>
+        </p:txBody>
+      </p:sp>
       <p:pic>
         <p:nvPicPr>
-          <p:cNvPr id="3" name="Imagem 2">
-            <a:extLst>
-              <a:ext uri="{FF2B5EF4-FFF2-40B4-BE49-F238E27FC236}">
-                <a16:creationId xmlns:a16="http://schemas.microsoft.com/office/drawing/2014/main" id="{A1816BDE-31B7-1B8D-0625-755CAE53AF0A}"/>
+          <p:cNvPr id="22" name="Imagem 21">
+            <a:extLst>
+              <a:ext uri="{FF2B5EF4-FFF2-40B4-BE49-F238E27FC236}">
+                <a16:creationId xmlns:a16="http://schemas.microsoft.com/office/drawing/2014/main" id="{E852004E-798C-2E6F-3F36-2C149C40D78A}"/>
+              </a:ext>
+            </a:extLst>
+          </p:cNvPr>
+          <p:cNvPicPr>
+            <a:picLocks noChangeAspect="1"/>
+          </p:cNvPicPr>
+          <p:nvPr/>
+        </p:nvPicPr>
+        <p:blipFill rotWithShape="1">
+          <a:blip r:embed="rId2"/>
+          <a:srcRect t="11597"/>
+          <a:stretch/>
+        </p:blipFill>
+        <p:spPr>
+          <a:xfrm>
+            <a:off x="742950" y="629930"/>
+            <a:ext cx="5349704" cy="3072040"/>
+          </a:xfrm>
+          <a:prstGeom prst="rect">
+            <a:avLst/>
+          </a:prstGeom>
+        </p:spPr>
+      </p:pic>
+      <p:pic>
+        <p:nvPicPr>
+          <p:cNvPr id="23" name="Imagem 22">
+            <a:extLst>
+              <a:ext uri="{FF2B5EF4-FFF2-40B4-BE49-F238E27FC236}">
+                <a16:creationId xmlns:a16="http://schemas.microsoft.com/office/drawing/2014/main" id="{F54963AA-AA8D-08A9-29B6-36233E8051B5}"/>
+              </a:ext>
+            </a:extLst>
+          </p:cNvPr>
+          <p:cNvPicPr>
+            <a:picLocks noChangeAspect="1"/>
+          </p:cNvPicPr>
+          <p:nvPr/>
+        </p:nvPicPr>
+        <p:blipFill rotWithShape="1">
+          <a:blip r:embed="rId3"/>
+          <a:srcRect t="11597"/>
+          <a:stretch/>
+        </p:blipFill>
+        <p:spPr>
+          <a:xfrm>
+            <a:off x="6407417" y="629930"/>
+            <a:ext cx="5349704" cy="3072040"/>
+          </a:xfrm>
+          <a:prstGeom prst="rect">
+            <a:avLst/>
+          </a:prstGeom>
+        </p:spPr>
+      </p:pic>
+      <p:pic>
+        <p:nvPicPr>
+          <p:cNvPr id="24" name="Imagem 23">
+            <a:extLst>
+              <a:ext uri="{FF2B5EF4-FFF2-40B4-BE49-F238E27FC236}">
+                <a16:creationId xmlns:a16="http://schemas.microsoft.com/office/drawing/2014/main" id="{948D6D3F-C9DA-7A43-DBBF-974800D0078F}"/>
+              </a:ext>
+            </a:extLst>
+          </p:cNvPr>
+          <p:cNvPicPr>
+            <a:picLocks noChangeAspect="1"/>
+          </p:cNvPicPr>
+          <p:nvPr/>
+        </p:nvPicPr>
+        <p:blipFill rotWithShape="1">
+          <a:blip r:embed="rId4"/>
+          <a:srcRect t="11125"/>
+          <a:stretch/>
+        </p:blipFill>
+        <p:spPr>
+          <a:xfrm>
+            <a:off x="742950" y="4392384"/>
+            <a:ext cx="5349704" cy="3088415"/>
+          </a:xfrm>
+          <a:prstGeom prst="rect">
+            <a:avLst/>
+          </a:prstGeom>
+        </p:spPr>
+      </p:pic>
+      <p:pic>
+        <p:nvPicPr>
+          <p:cNvPr id="25" name="Imagem 24">
+            <a:extLst>
+              <a:ext uri="{FF2B5EF4-FFF2-40B4-BE49-F238E27FC236}">
+                <a16:creationId xmlns:a16="http://schemas.microsoft.com/office/drawing/2014/main" id="{8DCE506B-8475-65D3-2214-430BF712A2EB}"/>
+              </a:ext>
+            </a:extLst>
+          </p:cNvPr>
+          <p:cNvPicPr>
+            <a:picLocks noChangeAspect="1"/>
+          </p:cNvPicPr>
+          <p:nvPr/>
+        </p:nvPicPr>
+        <p:blipFill rotWithShape="1">
+          <a:blip r:embed="rId5"/>
+          <a:srcRect t="11125"/>
+          <a:stretch/>
+        </p:blipFill>
+        <p:spPr>
+          <a:xfrm>
+            <a:off x="6588490" y="4392384"/>
+            <a:ext cx="5349704" cy="3088415"/>
+          </a:xfrm>
+          <a:prstGeom prst="rect">
+            <a:avLst/>
+          </a:prstGeom>
+        </p:spPr>
+      </p:pic>
+      <p:sp>
+        <p:nvSpPr>
+          <p:cNvPr id="30" name="CaixaDeTexto 29">
+            <a:extLst>
+              <a:ext uri="{FF2B5EF4-FFF2-40B4-BE49-F238E27FC236}">
+                <a16:creationId xmlns:a16="http://schemas.microsoft.com/office/drawing/2014/main" id="{D96DE3F8-7245-7542-7368-EF1C3AF70516}"/>
+              </a:ext>
+            </a:extLst>
+          </p:cNvPr>
+          <p:cNvSpPr txBox="1"/>
+          <p:nvPr/>
+        </p:nvSpPr>
+        <p:spPr>
+          <a:xfrm>
+            <a:off x="621225" y="3685487"/>
+            <a:ext cx="11340000" cy="369332"/>
+          </a:xfrm>
+          <a:prstGeom prst="rect">
+            <a:avLst/>
+          </a:prstGeom>
+          <a:noFill/>
+        </p:spPr>
+        <p:txBody>
+          <a:bodyPr wrap="square" rtlCol="0">
+            <a:spAutoFit/>
+          </a:bodyPr>
+          <a:lstStyle/>
+          <a:p>
+            <a:pPr algn="ctr"/>
+            <a:r>
+              <a:rPr lang="pt-BR" dirty="0">
+                <a:latin typeface="Times New Roman" panose="02020603050405020304" pitchFamily="18" charset="0"/>
+                <a:cs typeface="Times New Roman" panose="02020603050405020304" pitchFamily="18" charset="0"/>
+              </a:rPr>
+              <a:t>Beck Anxiety </a:t>
+            </a:r>
+            <a:r>
+              <a:rPr lang="pt-BR" dirty="0" err="1">
+                <a:latin typeface="Times New Roman" panose="02020603050405020304" pitchFamily="18" charset="0"/>
+                <a:cs typeface="Times New Roman" panose="02020603050405020304" pitchFamily="18" charset="0"/>
+              </a:rPr>
+              <a:t>Inventory</a:t>
+            </a:r>
+            <a:r>
+              <a:rPr lang="pt-BR" dirty="0">
+                <a:latin typeface="Times New Roman" panose="02020603050405020304" pitchFamily="18" charset="0"/>
+                <a:cs typeface="Times New Roman" panose="02020603050405020304" pitchFamily="18" charset="0"/>
+              </a:rPr>
+              <a:t> Score</a:t>
+            </a:r>
+          </a:p>
+        </p:txBody>
+      </p:sp>
+      <p:cxnSp>
+        <p:nvCxnSpPr>
+          <p:cNvPr id="31" name="Conector reto 30">
+            <a:extLst>
+              <a:ext uri="{FF2B5EF4-FFF2-40B4-BE49-F238E27FC236}">
+                <a16:creationId xmlns:a16="http://schemas.microsoft.com/office/drawing/2014/main" id="{2CBE900C-2937-98B5-01E3-B55822E7B3C9}"/>
+              </a:ext>
+            </a:extLst>
+          </p:cNvPr>
+          <p:cNvCxnSpPr>
+            <a:cxnSpLocks/>
+          </p:cNvCxnSpPr>
+          <p:nvPr/>
+        </p:nvCxnSpPr>
+        <p:spPr>
+          <a:xfrm>
+            <a:off x="621225" y="4025912"/>
+            <a:ext cx="11340000" cy="0"/>
+          </a:xfrm>
+          <a:prstGeom prst="line">
+            <a:avLst/>
+          </a:prstGeom>
+        </p:spPr>
+        <p:style>
+          <a:lnRef idx="1">
+            <a:schemeClr val="dk1"/>
+          </a:lnRef>
+          <a:fillRef idx="0">
+            <a:schemeClr val="dk1"/>
+          </a:fillRef>
+          <a:effectRef idx="0">
+            <a:schemeClr val="dk1"/>
+          </a:effectRef>
+          <a:fontRef idx="minor">
+            <a:schemeClr val="tx1"/>
+          </a:fontRef>
+        </p:style>
+      </p:cxnSp>
+      <p:sp>
+        <p:nvSpPr>
+          <p:cNvPr id="32" name="CaixaDeTexto 31">
+            <a:extLst>
+              <a:ext uri="{FF2B5EF4-FFF2-40B4-BE49-F238E27FC236}">
+                <a16:creationId xmlns:a16="http://schemas.microsoft.com/office/drawing/2014/main" id="{9C0A834B-2A40-2FCD-C255-524CF4A0EB30}"/>
+              </a:ext>
+            </a:extLst>
+          </p:cNvPr>
+          <p:cNvSpPr txBox="1"/>
+          <p:nvPr/>
+        </p:nvSpPr>
+        <p:spPr>
+          <a:xfrm>
+            <a:off x="750124" y="4042395"/>
+            <a:ext cx="415498" cy="369332"/>
+          </a:xfrm>
+          <a:prstGeom prst="rect">
+            <a:avLst/>
+          </a:prstGeom>
+          <a:noFill/>
+        </p:spPr>
+        <p:txBody>
+          <a:bodyPr wrap="none" rtlCol="0">
+            <a:spAutoFit/>
+          </a:bodyPr>
+          <a:lstStyle/>
+          <a:p>
+            <a:r>
+              <a:rPr lang="pt-BR" dirty="0">
+                <a:latin typeface="Times New Roman" panose="02020603050405020304" pitchFamily="18" charset="0"/>
+                <a:cs typeface="Times New Roman" panose="02020603050405020304" pitchFamily="18" charset="0"/>
+              </a:rPr>
+              <a:t>C)</a:t>
+            </a:r>
+          </a:p>
+        </p:txBody>
+      </p:sp>
+      <p:sp>
+        <p:nvSpPr>
+          <p:cNvPr id="33" name="CaixaDeTexto 32">
+            <a:extLst>
+              <a:ext uri="{FF2B5EF4-FFF2-40B4-BE49-F238E27FC236}">
+                <a16:creationId xmlns:a16="http://schemas.microsoft.com/office/drawing/2014/main" id="{1647E1A5-6A61-C6F5-F2BB-1C3E1FF33C83}"/>
+              </a:ext>
+            </a:extLst>
+          </p:cNvPr>
+          <p:cNvSpPr txBox="1"/>
+          <p:nvPr/>
+        </p:nvSpPr>
+        <p:spPr>
+          <a:xfrm>
+            <a:off x="6424219" y="4040416"/>
+            <a:ext cx="428322" cy="369332"/>
+          </a:xfrm>
+          <a:prstGeom prst="rect">
+            <a:avLst/>
+          </a:prstGeom>
+          <a:noFill/>
+        </p:spPr>
+        <p:txBody>
+          <a:bodyPr wrap="square" rtlCol="0">
+            <a:spAutoFit/>
+          </a:bodyPr>
+          <a:lstStyle/>
+          <a:p>
+            <a:r>
+              <a:rPr lang="pt-BR" dirty="0">
+                <a:latin typeface="Times New Roman" panose="02020603050405020304" pitchFamily="18" charset="0"/>
+                <a:cs typeface="Times New Roman" panose="02020603050405020304" pitchFamily="18" charset="0"/>
+              </a:rPr>
+              <a:t>D)</a:t>
+            </a:r>
+          </a:p>
+        </p:txBody>
+      </p:sp>
+      <p:sp>
+        <p:nvSpPr>
+          <p:cNvPr id="34" name="CaixaDeTexto 33">
+            <a:extLst>
+              <a:ext uri="{FF2B5EF4-FFF2-40B4-BE49-F238E27FC236}">
+                <a16:creationId xmlns:a16="http://schemas.microsoft.com/office/drawing/2014/main" id="{86C29078-3A59-EC3A-B03F-457441F96848}"/>
+              </a:ext>
+            </a:extLst>
+          </p:cNvPr>
+          <p:cNvSpPr txBox="1"/>
+          <p:nvPr/>
+        </p:nvSpPr>
+        <p:spPr>
+          <a:xfrm>
+            <a:off x="8426117" y="4025912"/>
+            <a:ext cx="1313950" cy="338554"/>
+          </a:xfrm>
+          <a:prstGeom prst="rect">
+            <a:avLst/>
+          </a:prstGeom>
+          <a:noFill/>
+        </p:spPr>
+        <p:txBody>
+          <a:bodyPr wrap="none" rtlCol="0">
+            <a:spAutoFit/>
+          </a:bodyPr>
+          <a:lstStyle/>
+          <a:p>
+            <a:pPr algn="ctr"/>
+            <a:r>
+              <a:rPr lang="pt-BR" sz="1600" u="sng" dirty="0" err="1">
+                <a:latin typeface="Times New Roman" panose="02020603050405020304" pitchFamily="18" charset="0"/>
+                <a:cs typeface="Times New Roman" panose="02020603050405020304" pitchFamily="18" charset="0"/>
+              </a:rPr>
+              <a:t>Timed</a:t>
+            </a:r>
+            <a:r>
+              <a:rPr lang="pt-BR" sz="1600" u="sng" dirty="0">
+                <a:latin typeface="Times New Roman" panose="02020603050405020304" pitchFamily="18" charset="0"/>
+                <a:cs typeface="Times New Roman" panose="02020603050405020304" pitchFamily="18" charset="0"/>
+              </a:rPr>
+              <a:t> Stands</a:t>
+            </a:r>
+          </a:p>
+        </p:txBody>
+      </p:sp>
+      <p:sp>
+        <p:nvSpPr>
+          <p:cNvPr id="35" name="CaixaDeTexto 34">
+            <a:extLst>
+              <a:ext uri="{FF2B5EF4-FFF2-40B4-BE49-F238E27FC236}">
+                <a16:creationId xmlns:a16="http://schemas.microsoft.com/office/drawing/2014/main" id="{522C2D8F-68CB-D377-0E1C-4A73AB63CA87}"/>
+              </a:ext>
+            </a:extLst>
+          </p:cNvPr>
+          <p:cNvSpPr txBox="1"/>
+          <p:nvPr/>
+        </p:nvSpPr>
+        <p:spPr>
+          <a:xfrm>
+            <a:off x="3123328" y="4027892"/>
+            <a:ext cx="593432" cy="338554"/>
+          </a:xfrm>
+          <a:prstGeom prst="rect">
+            <a:avLst/>
+          </a:prstGeom>
+          <a:noFill/>
+        </p:spPr>
+        <p:txBody>
+          <a:bodyPr wrap="none" rtlCol="0">
+            <a:spAutoFit/>
+          </a:bodyPr>
+          <a:lstStyle/>
+          <a:p>
+            <a:pPr algn="ctr"/>
+            <a:r>
+              <a:rPr lang="pt-BR" sz="1600" u="sng" dirty="0">
+                <a:latin typeface="Times New Roman" panose="02020603050405020304" pitchFamily="18" charset="0"/>
+                <a:cs typeface="Times New Roman" panose="02020603050405020304" pitchFamily="18" charset="0"/>
+              </a:rPr>
+              <a:t>HGS</a:t>
+            </a:r>
+          </a:p>
+        </p:txBody>
+      </p:sp>
+      <p:pic>
+        <p:nvPicPr>
+          <p:cNvPr id="56" name="Imagem 55">
+            <a:extLst>
+              <a:ext uri="{FF2B5EF4-FFF2-40B4-BE49-F238E27FC236}">
+                <a16:creationId xmlns:a16="http://schemas.microsoft.com/office/drawing/2014/main" id="{858FE4D5-A49B-20BC-24D6-91EABF815829}"/>
+              </a:ext>
+            </a:extLst>
+          </p:cNvPr>
+          <p:cNvPicPr>
+            <a:picLocks noChangeAspect="1"/>
+          </p:cNvPicPr>
+          <p:nvPr/>
+        </p:nvPicPr>
+        <p:blipFill rotWithShape="1">
+          <a:blip r:embed="rId6"/>
+          <a:srcRect l="49406" r="1266"/>
+          <a:stretch/>
+        </p:blipFill>
+        <p:spPr>
+          <a:xfrm>
+            <a:off x="9471833" y="-1514651"/>
+            <a:ext cx="1927688" cy="457240"/>
+          </a:xfrm>
+          <a:prstGeom prst="rect">
+            <a:avLst/>
+          </a:prstGeom>
+        </p:spPr>
+      </p:pic>
+      <p:pic>
+        <p:nvPicPr>
+          <p:cNvPr id="57" name="Imagem 56">
+            <a:extLst>
+              <a:ext uri="{FF2B5EF4-FFF2-40B4-BE49-F238E27FC236}">
+                <a16:creationId xmlns:a16="http://schemas.microsoft.com/office/drawing/2014/main" id="{278F13A9-4B9B-13AA-FB09-03814742E85E}"/>
+              </a:ext>
+            </a:extLst>
+          </p:cNvPr>
+          <p:cNvPicPr>
+            <a:picLocks noChangeAspect="1"/>
+          </p:cNvPicPr>
+          <p:nvPr/>
+        </p:nvPicPr>
+        <p:blipFill rotWithShape="1">
+          <a:blip r:embed="rId7"/>
+          <a:srcRect l="7411" r="46881" b="43815"/>
+          <a:stretch/>
+        </p:blipFill>
+        <p:spPr>
+          <a:xfrm>
+            <a:off x="9426113" y="-1055432"/>
+            <a:ext cx="1927688" cy="456248"/>
+          </a:xfrm>
+          <a:prstGeom prst="rect">
+            <a:avLst/>
+          </a:prstGeom>
+        </p:spPr>
+      </p:pic>
+      <p:pic>
+        <p:nvPicPr>
+          <p:cNvPr id="61" name="Imagem 60">
+            <a:extLst>
+              <a:ext uri="{FF2B5EF4-FFF2-40B4-BE49-F238E27FC236}">
+                <a16:creationId xmlns:a16="http://schemas.microsoft.com/office/drawing/2014/main" id="{3FBA5D27-C22D-0202-E4D0-C809065489B9}"/>
+              </a:ext>
+            </a:extLst>
+          </p:cNvPr>
+          <p:cNvPicPr>
+            <a:picLocks noChangeAspect="1"/>
+          </p:cNvPicPr>
+          <p:nvPr/>
+        </p:nvPicPr>
+        <p:blipFill rotWithShape="1">
+          <a:blip r:embed="rId8"/>
+          <a:srcRect l="2248" r="48187"/>
+          <a:stretch/>
+        </p:blipFill>
+        <p:spPr>
+          <a:xfrm>
+            <a:off x="11353801" y="-1514651"/>
+            <a:ext cx="1600027" cy="580799"/>
+          </a:xfrm>
+          <a:prstGeom prst="rect">
+            <a:avLst/>
+          </a:prstGeom>
+        </p:spPr>
+      </p:pic>
+      <p:pic>
+        <p:nvPicPr>
+          <p:cNvPr id="62" name="Imagem 61">
+            <a:extLst>
+              <a:ext uri="{FF2B5EF4-FFF2-40B4-BE49-F238E27FC236}">
+                <a16:creationId xmlns:a16="http://schemas.microsoft.com/office/drawing/2014/main" id="{1728A38A-9D6E-025A-EEE7-F7ED6D2C7026}"/>
+              </a:ext>
+            </a:extLst>
+          </p:cNvPr>
+          <p:cNvPicPr>
+            <a:picLocks noChangeAspect="1"/>
+          </p:cNvPicPr>
+          <p:nvPr/>
+        </p:nvPicPr>
+        <p:blipFill rotWithShape="1">
+          <a:blip r:embed="rId8"/>
+          <a:srcRect l="51629" t="-1455" r="1537" b="24807"/>
+          <a:stretch/>
+        </p:blipFill>
+        <p:spPr>
+          <a:xfrm>
+            <a:off x="11434348" y="-1049612"/>
+            <a:ext cx="1511860" cy="445174"/>
+          </a:xfrm>
+          <a:prstGeom prst="rect">
+            <a:avLst/>
+          </a:prstGeom>
+        </p:spPr>
+      </p:pic>
+      <p:pic>
+        <p:nvPicPr>
+          <p:cNvPr id="66" name="Imagem 65">
+            <a:extLst>
+              <a:ext uri="{FF2B5EF4-FFF2-40B4-BE49-F238E27FC236}">
+                <a16:creationId xmlns:a16="http://schemas.microsoft.com/office/drawing/2014/main" id="{F75C9097-F5F4-7D0D-6589-4AA90F1027CF}"/>
+              </a:ext>
+            </a:extLst>
+          </p:cNvPr>
+          <p:cNvPicPr>
+            <a:picLocks noChangeAspect="1"/>
+          </p:cNvPicPr>
+          <p:nvPr/>
+        </p:nvPicPr>
+        <p:blipFill>
+          <a:blip r:embed="rId9"/>
+          <a:stretch>
+            <a:fillRect/>
+          </a:stretch>
+        </p:blipFill>
+        <p:spPr>
+          <a:xfrm>
+            <a:off x="10276993" y="608952"/>
+            <a:ext cx="1480128" cy="685244"/>
+          </a:xfrm>
+          <a:prstGeom prst="rect">
+            <a:avLst/>
+          </a:prstGeom>
+        </p:spPr>
+      </p:pic>
+      <p:pic>
+        <p:nvPicPr>
+          <p:cNvPr id="67" name="Imagem 66">
+            <a:extLst>
+              <a:ext uri="{FF2B5EF4-FFF2-40B4-BE49-F238E27FC236}">
+                <a16:creationId xmlns:a16="http://schemas.microsoft.com/office/drawing/2014/main" id="{97C392D0-D510-72F2-E733-0D1B73770C62}"/>
+              </a:ext>
+            </a:extLst>
+          </p:cNvPr>
+          <p:cNvPicPr>
+            <a:picLocks noChangeAspect="1"/>
+          </p:cNvPicPr>
+          <p:nvPr/>
+        </p:nvPicPr>
+        <p:blipFill>
+          <a:blip r:embed="rId9"/>
+          <a:stretch>
+            <a:fillRect/>
+          </a:stretch>
+        </p:blipFill>
+        <p:spPr>
+          <a:xfrm>
+            <a:off x="10276993" y="4391406"/>
+            <a:ext cx="1480128" cy="685244"/>
+          </a:xfrm>
+          <a:prstGeom prst="rect">
+            <a:avLst/>
+          </a:prstGeom>
+        </p:spPr>
+      </p:pic>
+      <p:pic>
+        <p:nvPicPr>
+          <p:cNvPr id="68" name="Imagem 67">
+            <a:extLst>
+              <a:ext uri="{FF2B5EF4-FFF2-40B4-BE49-F238E27FC236}">
+                <a16:creationId xmlns:a16="http://schemas.microsoft.com/office/drawing/2014/main" id="{A657BDE2-C205-0B14-0673-91CCF17EF8D6}"/>
+              </a:ext>
+            </a:extLst>
+          </p:cNvPr>
+          <p:cNvPicPr>
+            <a:picLocks noChangeAspect="1"/>
+          </p:cNvPicPr>
+          <p:nvPr/>
+        </p:nvPicPr>
+        <p:blipFill>
+          <a:blip r:embed="rId10"/>
+          <a:stretch>
+            <a:fillRect/>
+          </a:stretch>
+        </p:blipFill>
+        <p:spPr>
+          <a:xfrm>
+            <a:off x="4832241" y="626182"/>
+            <a:ext cx="1182926" cy="672733"/>
+          </a:xfrm>
+          <a:prstGeom prst="rect">
+            <a:avLst/>
+          </a:prstGeom>
+        </p:spPr>
+      </p:pic>
+      <p:pic>
+        <p:nvPicPr>
+          <p:cNvPr id="69" name="Imagem 68">
+            <a:extLst>
+              <a:ext uri="{FF2B5EF4-FFF2-40B4-BE49-F238E27FC236}">
+                <a16:creationId xmlns:a16="http://schemas.microsoft.com/office/drawing/2014/main" id="{81ACDC6B-5544-3723-CE9B-173FAAB15C0B}"/>
+              </a:ext>
+            </a:extLst>
+          </p:cNvPr>
+          <p:cNvPicPr>
+            <a:picLocks noChangeAspect="1"/>
+          </p:cNvPicPr>
+          <p:nvPr/>
+        </p:nvPicPr>
+        <p:blipFill>
+          <a:blip r:embed="rId10"/>
+          <a:stretch>
+            <a:fillRect/>
+          </a:stretch>
+        </p:blipFill>
+        <p:spPr>
+          <a:xfrm>
+            <a:off x="4832241" y="4407020"/>
+            <a:ext cx="1182926" cy="672733"/>
+          </a:xfrm>
+          <a:prstGeom prst="rect">
+            <a:avLst/>
+          </a:prstGeom>
+        </p:spPr>
+      </p:pic>
+    </p:spTree>
+    <p:extLst>
+      <p:ext uri="{BB962C8B-B14F-4D97-AF65-F5344CB8AC3E}">
+        <p14:creationId xmlns:p14="http://schemas.microsoft.com/office/powerpoint/2010/main" val="1937024240"/>
+      </p:ext>
+    </p:extLst>
+  </p:cSld>
+  <p:clrMapOvr>
+    <a:masterClrMapping/>
+  </p:clrMapOvr>
+</p:sld>
+</file>
+
+<file path=ppt/slides/slide3.xml><?xml version="1.0" encoding="utf-8"?>
+<p:sld xmlns:a="http://schemas.openxmlformats.org/drawingml/2006/main" xmlns:r="http://schemas.openxmlformats.org/officeDocument/2006/relationships" xmlns:p="http://schemas.openxmlformats.org/presentationml/2006/main">
+  <p:cSld>
+    <p:spTree>
+      <p:nvGrpSpPr>
+        <p:cNvPr id="1" name=""/>
+        <p:cNvGrpSpPr/>
+        <p:nvPr/>
+      </p:nvGrpSpPr>
+      <p:grpSpPr>
+        <a:xfrm>
+          <a:off x="0" y="0"/>
+          <a:ext cx="0" cy="0"/>
+          <a:chOff x="0" y="0"/>
+          <a:chExt cx="0" cy="0"/>
+        </a:xfrm>
+      </p:grpSpPr>
+      <p:pic>
+        <p:nvPicPr>
+          <p:cNvPr id="27" name="Imagem 26">
+            <a:extLst>
+              <a:ext uri="{FF2B5EF4-FFF2-40B4-BE49-F238E27FC236}">
+                <a16:creationId xmlns:a16="http://schemas.microsoft.com/office/drawing/2014/main" id="{691D1136-CA47-9F15-5073-148B55FAD9D8}"/>
+              </a:ext>
+            </a:extLst>
+          </p:cNvPr>
+          <p:cNvPicPr>
+            <a:picLocks noChangeAspect="1"/>
+          </p:cNvPicPr>
+          <p:nvPr/>
+        </p:nvPicPr>
+        <p:blipFill rotWithShape="1">
+          <a:blip r:embed="rId2"/>
+          <a:srcRect t="10056"/>
+          <a:stretch/>
+        </p:blipFill>
+        <p:spPr>
+          <a:xfrm>
+            <a:off x="1105840" y="4409760"/>
+            <a:ext cx="4021200" cy="3061253"/>
+          </a:xfrm>
+          <a:prstGeom prst="rect">
+            <a:avLst/>
+          </a:prstGeom>
+        </p:spPr>
+      </p:pic>
+      <p:pic>
+        <p:nvPicPr>
+          <p:cNvPr id="15" name="Imagem 14">
+            <a:extLst>
+              <a:ext uri="{FF2B5EF4-FFF2-40B4-BE49-F238E27FC236}">
+                <a16:creationId xmlns:a16="http://schemas.microsoft.com/office/drawing/2014/main" id="{9491D7A6-2DFE-AA1A-C0E4-A1A36083F40E}"/>
+              </a:ext>
+            </a:extLst>
+          </p:cNvPr>
+          <p:cNvPicPr>
+            <a:picLocks noChangeAspect="1"/>
+          </p:cNvPicPr>
+          <p:nvPr/>
+        </p:nvPicPr>
+        <p:blipFill rotWithShape="1">
+          <a:blip r:embed="rId3"/>
+          <a:srcRect t="10253"/>
+          <a:stretch/>
+        </p:blipFill>
+        <p:spPr>
+          <a:xfrm>
+            <a:off x="6852541" y="4424434"/>
+            <a:ext cx="4022520" cy="3055580"/>
+          </a:xfrm>
+          <a:prstGeom prst="rect">
+            <a:avLst/>
+          </a:prstGeom>
+        </p:spPr>
+      </p:pic>
+      <p:pic>
+        <p:nvPicPr>
+          <p:cNvPr id="16" name="Imagem 15">
+            <a:extLst>
+              <a:ext uri="{FF2B5EF4-FFF2-40B4-BE49-F238E27FC236}">
+                <a16:creationId xmlns:a16="http://schemas.microsoft.com/office/drawing/2014/main" id="{7ADAC0BB-56F9-4D50-5ADC-148DB0D846A3}"/>
+              </a:ext>
+            </a:extLst>
+          </p:cNvPr>
+          <p:cNvPicPr>
+            <a:picLocks noChangeAspect="1"/>
+          </p:cNvPicPr>
+          <p:nvPr/>
+        </p:nvPicPr>
+        <p:blipFill rotWithShape="1">
+          <a:blip r:embed="rId4"/>
+          <a:srcRect t="10253"/>
+          <a:stretch/>
+        </p:blipFill>
+        <p:spPr>
+          <a:xfrm>
+            <a:off x="6852541" y="665426"/>
+            <a:ext cx="4022520" cy="3055580"/>
+          </a:xfrm>
+          <a:prstGeom prst="rect">
+            <a:avLst/>
+          </a:prstGeom>
+        </p:spPr>
+      </p:pic>
+      <p:pic>
+        <p:nvPicPr>
+          <p:cNvPr id="17" name="Imagem 16">
+            <a:extLst>
+              <a:ext uri="{FF2B5EF4-FFF2-40B4-BE49-F238E27FC236}">
+                <a16:creationId xmlns:a16="http://schemas.microsoft.com/office/drawing/2014/main" id="{C52EFEE5-FA1A-3DF4-D5FC-A9E4441EE9B5}"/>
+              </a:ext>
+            </a:extLst>
+          </p:cNvPr>
+          <p:cNvPicPr>
+            <a:picLocks noChangeAspect="1"/>
+          </p:cNvPicPr>
+          <p:nvPr/>
+        </p:nvPicPr>
+        <p:blipFill rotWithShape="1">
+          <a:blip r:embed="rId5"/>
+          <a:srcRect t="10253"/>
+          <a:stretch/>
+        </p:blipFill>
+        <p:spPr>
+          <a:xfrm>
+            <a:off x="1178446" y="654133"/>
+            <a:ext cx="4022520" cy="3055580"/>
+          </a:xfrm>
+          <a:prstGeom prst="rect">
+            <a:avLst/>
+          </a:prstGeom>
+        </p:spPr>
+      </p:pic>
+      <p:sp>
+        <p:nvSpPr>
+          <p:cNvPr id="2" name="CaixaDeTexto 1">
+            <a:extLst>
+              <a:ext uri="{FF2B5EF4-FFF2-40B4-BE49-F238E27FC236}">
+                <a16:creationId xmlns:a16="http://schemas.microsoft.com/office/drawing/2014/main" id="{FED15CA6-4259-D9DF-D867-C2CBB9B859C3}"/>
+              </a:ext>
+            </a:extLst>
+          </p:cNvPr>
+          <p:cNvSpPr txBox="1"/>
+          <p:nvPr/>
+        </p:nvSpPr>
+        <p:spPr>
+          <a:xfrm>
+            <a:off x="621225" y="-71899"/>
+            <a:ext cx="11340000" cy="369332"/>
+          </a:xfrm>
+          <a:prstGeom prst="rect">
+            <a:avLst/>
+          </a:prstGeom>
+          <a:noFill/>
+        </p:spPr>
+        <p:txBody>
+          <a:bodyPr wrap="square" rtlCol="0">
+            <a:spAutoFit/>
+          </a:bodyPr>
+          <a:lstStyle/>
+          <a:p>
+            <a:pPr algn="ctr"/>
+            <a:r>
+              <a:rPr lang="pt-BR" dirty="0">
+                <a:latin typeface="Times New Roman" panose="02020603050405020304" pitchFamily="18" charset="0"/>
+                <a:cs typeface="Times New Roman" panose="02020603050405020304" pitchFamily="18" charset="0"/>
+              </a:rPr>
+              <a:t>Beck Depression </a:t>
+            </a:r>
+            <a:r>
+              <a:rPr lang="pt-BR" dirty="0" err="1">
+                <a:latin typeface="Times New Roman" panose="02020603050405020304" pitchFamily="18" charset="0"/>
+                <a:cs typeface="Times New Roman" panose="02020603050405020304" pitchFamily="18" charset="0"/>
+              </a:rPr>
+              <a:t>Inventory</a:t>
+            </a:r>
+            <a:r>
+              <a:rPr lang="pt-BR" dirty="0">
+                <a:latin typeface="Times New Roman" panose="02020603050405020304" pitchFamily="18" charset="0"/>
+                <a:cs typeface="Times New Roman" panose="02020603050405020304" pitchFamily="18" charset="0"/>
+              </a:rPr>
+              <a:t> Score</a:t>
+            </a:r>
+          </a:p>
+        </p:txBody>
+      </p:sp>
+      <p:sp>
+        <p:nvSpPr>
+          <p:cNvPr id="3" name="CaixaDeTexto 2">
+            <a:extLst>
+              <a:ext uri="{FF2B5EF4-FFF2-40B4-BE49-F238E27FC236}">
+                <a16:creationId xmlns:a16="http://schemas.microsoft.com/office/drawing/2014/main" id="{1482DB97-8665-B17F-22E3-501FD29F761D}"/>
+              </a:ext>
+            </a:extLst>
+          </p:cNvPr>
+          <p:cNvSpPr txBox="1"/>
+          <p:nvPr/>
+        </p:nvSpPr>
+        <p:spPr>
+          <a:xfrm>
+            <a:off x="3123328" y="270506"/>
+            <a:ext cx="593432" cy="338554"/>
+          </a:xfrm>
+          <a:prstGeom prst="rect">
+            <a:avLst/>
+          </a:prstGeom>
+          <a:noFill/>
+        </p:spPr>
+        <p:txBody>
+          <a:bodyPr wrap="none" rtlCol="0">
+            <a:spAutoFit/>
+          </a:bodyPr>
+          <a:lstStyle/>
+          <a:p>
+            <a:pPr algn="ctr"/>
+            <a:r>
+              <a:rPr lang="pt-BR" sz="1600" u="sng" dirty="0">
+                <a:latin typeface="Times New Roman" panose="02020603050405020304" pitchFamily="18" charset="0"/>
+                <a:cs typeface="Times New Roman" panose="02020603050405020304" pitchFamily="18" charset="0"/>
+              </a:rPr>
+              <a:t>HGS</a:t>
+            </a:r>
+          </a:p>
+        </p:txBody>
+      </p:sp>
+      <p:sp>
+        <p:nvSpPr>
+          <p:cNvPr id="4" name="CaixaDeTexto 3">
+            <a:extLst>
+              <a:ext uri="{FF2B5EF4-FFF2-40B4-BE49-F238E27FC236}">
+                <a16:creationId xmlns:a16="http://schemas.microsoft.com/office/drawing/2014/main" id="{54E2658C-9266-07DD-A344-187CE3178972}"/>
+              </a:ext>
+            </a:extLst>
+          </p:cNvPr>
+          <p:cNvSpPr txBox="1"/>
+          <p:nvPr/>
+        </p:nvSpPr>
+        <p:spPr>
+          <a:xfrm>
+            <a:off x="8426117" y="268526"/>
+            <a:ext cx="1313950" cy="338554"/>
+          </a:xfrm>
+          <a:prstGeom prst="rect">
+            <a:avLst/>
+          </a:prstGeom>
+          <a:noFill/>
+        </p:spPr>
+        <p:txBody>
+          <a:bodyPr wrap="none" rtlCol="0">
+            <a:spAutoFit/>
+          </a:bodyPr>
+          <a:lstStyle/>
+          <a:p>
+            <a:pPr algn="ctr"/>
+            <a:r>
+              <a:rPr lang="pt-BR" sz="1600" u="sng" dirty="0" err="1">
+                <a:latin typeface="Times New Roman" panose="02020603050405020304" pitchFamily="18" charset="0"/>
+                <a:cs typeface="Times New Roman" panose="02020603050405020304" pitchFamily="18" charset="0"/>
+              </a:rPr>
+              <a:t>Timed</a:t>
+            </a:r>
+            <a:r>
+              <a:rPr lang="pt-BR" sz="1600" u="sng" dirty="0">
+                <a:latin typeface="Times New Roman" panose="02020603050405020304" pitchFamily="18" charset="0"/>
+                <a:cs typeface="Times New Roman" panose="02020603050405020304" pitchFamily="18" charset="0"/>
+              </a:rPr>
+              <a:t> Stands</a:t>
+            </a:r>
+          </a:p>
+        </p:txBody>
+      </p:sp>
+      <p:cxnSp>
+        <p:nvCxnSpPr>
+          <p:cNvPr id="5" name="Conector reto 4">
+            <a:extLst>
+              <a:ext uri="{FF2B5EF4-FFF2-40B4-BE49-F238E27FC236}">
+                <a16:creationId xmlns:a16="http://schemas.microsoft.com/office/drawing/2014/main" id="{1A441D07-F6B6-3F99-A84B-54AB764D60C1}"/>
+              </a:ext>
+            </a:extLst>
+          </p:cNvPr>
+          <p:cNvCxnSpPr>
+            <a:cxnSpLocks/>
+          </p:cNvCxnSpPr>
+          <p:nvPr/>
+        </p:nvCxnSpPr>
+        <p:spPr>
+          <a:xfrm>
+            <a:off x="621225" y="268526"/>
+            <a:ext cx="11340000" cy="0"/>
+          </a:xfrm>
+          <a:prstGeom prst="line">
+            <a:avLst/>
+          </a:prstGeom>
+        </p:spPr>
+        <p:style>
+          <a:lnRef idx="1">
+            <a:schemeClr val="dk1"/>
+          </a:lnRef>
+          <a:fillRef idx="0">
+            <a:schemeClr val="dk1"/>
+          </a:fillRef>
+          <a:effectRef idx="0">
+            <a:schemeClr val="dk1"/>
+          </a:effectRef>
+          <a:fontRef idx="minor">
+            <a:schemeClr val="tx1"/>
+          </a:fontRef>
+        </p:style>
+      </p:cxnSp>
+      <p:sp>
+        <p:nvSpPr>
+          <p:cNvPr id="10" name="CaixaDeTexto 9">
+            <a:extLst>
+              <a:ext uri="{FF2B5EF4-FFF2-40B4-BE49-F238E27FC236}">
+                <a16:creationId xmlns:a16="http://schemas.microsoft.com/office/drawing/2014/main" id="{14CD97AE-011A-F8E0-BDD1-EFA8CCD6AD30}"/>
+              </a:ext>
+            </a:extLst>
+          </p:cNvPr>
+          <p:cNvSpPr txBox="1"/>
+          <p:nvPr/>
+        </p:nvSpPr>
+        <p:spPr>
+          <a:xfrm>
+            <a:off x="750124" y="285009"/>
+            <a:ext cx="428322" cy="369332"/>
+          </a:xfrm>
+          <a:prstGeom prst="rect">
+            <a:avLst/>
+          </a:prstGeom>
+          <a:noFill/>
+        </p:spPr>
+        <p:txBody>
+          <a:bodyPr wrap="none" rtlCol="0">
+            <a:spAutoFit/>
+          </a:bodyPr>
+          <a:lstStyle/>
+          <a:p>
+            <a:r>
+              <a:rPr lang="pt-BR" dirty="0">
+                <a:latin typeface="Times New Roman" panose="02020603050405020304" pitchFamily="18" charset="0"/>
+                <a:cs typeface="Times New Roman" panose="02020603050405020304" pitchFamily="18" charset="0"/>
+              </a:rPr>
+              <a:t>A)</a:t>
+            </a:r>
+          </a:p>
+        </p:txBody>
+      </p:sp>
+      <p:sp>
+        <p:nvSpPr>
+          <p:cNvPr id="11" name="CaixaDeTexto 10">
+            <a:extLst>
+              <a:ext uri="{FF2B5EF4-FFF2-40B4-BE49-F238E27FC236}">
+                <a16:creationId xmlns:a16="http://schemas.microsoft.com/office/drawing/2014/main" id="{45CCB714-8995-2BEB-F1B5-C5468E01573C}"/>
+              </a:ext>
+            </a:extLst>
+          </p:cNvPr>
+          <p:cNvSpPr txBox="1"/>
+          <p:nvPr/>
+        </p:nvSpPr>
+        <p:spPr>
+          <a:xfrm>
+            <a:off x="6424219" y="283030"/>
+            <a:ext cx="428322" cy="369332"/>
+          </a:xfrm>
+          <a:prstGeom prst="rect">
+            <a:avLst/>
+          </a:prstGeom>
+          <a:noFill/>
+        </p:spPr>
+        <p:txBody>
+          <a:bodyPr wrap="square" rtlCol="0">
+            <a:spAutoFit/>
+          </a:bodyPr>
+          <a:lstStyle/>
+          <a:p>
+            <a:r>
+              <a:rPr lang="pt-BR" dirty="0">
+                <a:latin typeface="Times New Roman" panose="02020603050405020304" pitchFamily="18" charset="0"/>
+                <a:cs typeface="Times New Roman" panose="02020603050405020304" pitchFamily="18" charset="0"/>
+              </a:rPr>
+              <a:t>B)</a:t>
+            </a:r>
+          </a:p>
+        </p:txBody>
+      </p:sp>
+      <p:sp>
+        <p:nvSpPr>
+          <p:cNvPr id="30" name="CaixaDeTexto 29">
+            <a:extLst>
+              <a:ext uri="{FF2B5EF4-FFF2-40B4-BE49-F238E27FC236}">
+                <a16:creationId xmlns:a16="http://schemas.microsoft.com/office/drawing/2014/main" id="{D96DE3F8-7245-7542-7368-EF1C3AF70516}"/>
+              </a:ext>
+            </a:extLst>
+          </p:cNvPr>
+          <p:cNvSpPr txBox="1"/>
+          <p:nvPr/>
+        </p:nvSpPr>
+        <p:spPr>
+          <a:xfrm>
+            <a:off x="621225" y="3685487"/>
+            <a:ext cx="11340000" cy="369332"/>
+          </a:xfrm>
+          <a:prstGeom prst="rect">
+            <a:avLst/>
+          </a:prstGeom>
+          <a:noFill/>
+        </p:spPr>
+        <p:txBody>
+          <a:bodyPr wrap="square" rtlCol="0">
+            <a:spAutoFit/>
+          </a:bodyPr>
+          <a:lstStyle/>
+          <a:p>
+            <a:pPr algn="ctr"/>
+            <a:r>
+              <a:rPr lang="pt-BR" dirty="0">
+                <a:latin typeface="Times New Roman" panose="02020603050405020304" pitchFamily="18" charset="0"/>
+                <a:cs typeface="Times New Roman" panose="02020603050405020304" pitchFamily="18" charset="0"/>
+              </a:rPr>
+              <a:t>Beck Anxiety </a:t>
+            </a:r>
+            <a:r>
+              <a:rPr lang="pt-BR" dirty="0" err="1">
+                <a:latin typeface="Times New Roman" panose="02020603050405020304" pitchFamily="18" charset="0"/>
+                <a:cs typeface="Times New Roman" panose="02020603050405020304" pitchFamily="18" charset="0"/>
+              </a:rPr>
+              <a:t>Inventory</a:t>
+            </a:r>
+            <a:r>
+              <a:rPr lang="pt-BR" dirty="0">
+                <a:latin typeface="Times New Roman" panose="02020603050405020304" pitchFamily="18" charset="0"/>
+                <a:cs typeface="Times New Roman" panose="02020603050405020304" pitchFamily="18" charset="0"/>
+              </a:rPr>
+              <a:t> Score</a:t>
+            </a:r>
+          </a:p>
+        </p:txBody>
+      </p:sp>
+      <p:cxnSp>
+        <p:nvCxnSpPr>
+          <p:cNvPr id="31" name="Conector reto 30">
+            <a:extLst>
+              <a:ext uri="{FF2B5EF4-FFF2-40B4-BE49-F238E27FC236}">
+                <a16:creationId xmlns:a16="http://schemas.microsoft.com/office/drawing/2014/main" id="{2CBE900C-2937-98B5-01E3-B55822E7B3C9}"/>
+              </a:ext>
+            </a:extLst>
+          </p:cNvPr>
+          <p:cNvCxnSpPr>
+            <a:cxnSpLocks/>
+          </p:cNvCxnSpPr>
+          <p:nvPr/>
+        </p:nvCxnSpPr>
+        <p:spPr>
+          <a:xfrm>
+            <a:off x="621225" y="4025912"/>
+            <a:ext cx="11340000" cy="0"/>
+          </a:xfrm>
+          <a:prstGeom prst="line">
+            <a:avLst/>
+          </a:prstGeom>
+        </p:spPr>
+        <p:style>
+          <a:lnRef idx="1">
+            <a:schemeClr val="dk1"/>
+          </a:lnRef>
+          <a:fillRef idx="0">
+            <a:schemeClr val="dk1"/>
+          </a:fillRef>
+          <a:effectRef idx="0">
+            <a:schemeClr val="dk1"/>
+          </a:effectRef>
+          <a:fontRef idx="minor">
+            <a:schemeClr val="tx1"/>
+          </a:fontRef>
+        </p:style>
+      </p:cxnSp>
+      <p:sp>
+        <p:nvSpPr>
+          <p:cNvPr id="32" name="CaixaDeTexto 31">
+            <a:extLst>
+              <a:ext uri="{FF2B5EF4-FFF2-40B4-BE49-F238E27FC236}">
+                <a16:creationId xmlns:a16="http://schemas.microsoft.com/office/drawing/2014/main" id="{9C0A834B-2A40-2FCD-C255-524CF4A0EB30}"/>
+              </a:ext>
+            </a:extLst>
+          </p:cNvPr>
+          <p:cNvSpPr txBox="1"/>
+          <p:nvPr/>
+        </p:nvSpPr>
+        <p:spPr>
+          <a:xfrm>
+            <a:off x="750124" y="4042395"/>
+            <a:ext cx="415498" cy="369332"/>
+          </a:xfrm>
+          <a:prstGeom prst="rect">
+            <a:avLst/>
+          </a:prstGeom>
+          <a:noFill/>
+        </p:spPr>
+        <p:txBody>
+          <a:bodyPr wrap="none" rtlCol="0">
+            <a:spAutoFit/>
+          </a:bodyPr>
+          <a:lstStyle/>
+          <a:p>
+            <a:r>
+              <a:rPr lang="pt-BR" dirty="0">
+                <a:latin typeface="Times New Roman" panose="02020603050405020304" pitchFamily="18" charset="0"/>
+                <a:cs typeface="Times New Roman" panose="02020603050405020304" pitchFamily="18" charset="0"/>
+              </a:rPr>
+              <a:t>C)</a:t>
+            </a:r>
+          </a:p>
+        </p:txBody>
+      </p:sp>
+      <p:sp>
+        <p:nvSpPr>
+          <p:cNvPr id="33" name="CaixaDeTexto 32">
+            <a:extLst>
+              <a:ext uri="{FF2B5EF4-FFF2-40B4-BE49-F238E27FC236}">
+                <a16:creationId xmlns:a16="http://schemas.microsoft.com/office/drawing/2014/main" id="{1647E1A5-6A61-C6F5-F2BB-1C3E1FF33C83}"/>
+              </a:ext>
+            </a:extLst>
+          </p:cNvPr>
+          <p:cNvSpPr txBox="1"/>
+          <p:nvPr/>
+        </p:nvSpPr>
+        <p:spPr>
+          <a:xfrm>
+            <a:off x="6424219" y="4040416"/>
+            <a:ext cx="428322" cy="369332"/>
+          </a:xfrm>
+          <a:prstGeom prst="rect">
+            <a:avLst/>
+          </a:prstGeom>
+          <a:noFill/>
+        </p:spPr>
+        <p:txBody>
+          <a:bodyPr wrap="square" rtlCol="0">
+            <a:spAutoFit/>
+          </a:bodyPr>
+          <a:lstStyle/>
+          <a:p>
+            <a:r>
+              <a:rPr lang="pt-BR" dirty="0">
+                <a:latin typeface="Times New Roman" panose="02020603050405020304" pitchFamily="18" charset="0"/>
+                <a:cs typeface="Times New Roman" panose="02020603050405020304" pitchFamily="18" charset="0"/>
+              </a:rPr>
+              <a:t>D)</a:t>
+            </a:r>
+          </a:p>
+        </p:txBody>
+      </p:sp>
+      <p:sp>
+        <p:nvSpPr>
+          <p:cNvPr id="34" name="CaixaDeTexto 33">
+            <a:extLst>
+              <a:ext uri="{FF2B5EF4-FFF2-40B4-BE49-F238E27FC236}">
+                <a16:creationId xmlns:a16="http://schemas.microsoft.com/office/drawing/2014/main" id="{86C29078-3A59-EC3A-B03F-457441F96848}"/>
+              </a:ext>
+            </a:extLst>
+          </p:cNvPr>
+          <p:cNvSpPr txBox="1"/>
+          <p:nvPr/>
+        </p:nvSpPr>
+        <p:spPr>
+          <a:xfrm>
+            <a:off x="8349173" y="4025912"/>
+            <a:ext cx="1467838" cy="338554"/>
+          </a:xfrm>
+          <a:prstGeom prst="rect">
+            <a:avLst/>
+          </a:prstGeom>
+          <a:noFill/>
+        </p:spPr>
+        <p:txBody>
+          <a:bodyPr wrap="none" rtlCol="0">
+            <a:spAutoFit/>
+          </a:bodyPr>
+          <a:lstStyle/>
+          <a:p>
+            <a:pPr algn="ctr"/>
+            <a:r>
+              <a:rPr lang="pt-BR" sz="1600" u="sng" dirty="0" err="1">
+                <a:latin typeface="Times New Roman" panose="02020603050405020304" pitchFamily="18" charset="0"/>
+                <a:cs typeface="Times New Roman" panose="02020603050405020304" pitchFamily="18" charset="0"/>
+              </a:rPr>
+              <a:t>Timed</a:t>
+            </a:r>
+            <a:r>
+              <a:rPr lang="pt-BR" sz="1600" u="sng" dirty="0">
+                <a:latin typeface="Times New Roman" panose="02020603050405020304" pitchFamily="18" charset="0"/>
+                <a:cs typeface="Times New Roman" panose="02020603050405020304" pitchFamily="18" charset="0"/>
+              </a:rPr>
+              <a:t> Stands *</a:t>
+            </a:r>
+          </a:p>
+        </p:txBody>
+      </p:sp>
+      <p:sp>
+        <p:nvSpPr>
+          <p:cNvPr id="35" name="CaixaDeTexto 34">
+            <a:extLst>
+              <a:ext uri="{FF2B5EF4-FFF2-40B4-BE49-F238E27FC236}">
+                <a16:creationId xmlns:a16="http://schemas.microsoft.com/office/drawing/2014/main" id="{522C2D8F-68CB-D377-0E1C-4A73AB63CA87}"/>
+              </a:ext>
+            </a:extLst>
+          </p:cNvPr>
+          <p:cNvSpPr txBox="1"/>
+          <p:nvPr/>
+        </p:nvSpPr>
+        <p:spPr>
+          <a:xfrm>
+            <a:off x="3123328" y="4027892"/>
+            <a:ext cx="593432" cy="338554"/>
+          </a:xfrm>
+          <a:prstGeom prst="rect">
+            <a:avLst/>
+          </a:prstGeom>
+          <a:noFill/>
+        </p:spPr>
+        <p:txBody>
+          <a:bodyPr wrap="none" rtlCol="0">
+            <a:spAutoFit/>
+          </a:bodyPr>
+          <a:lstStyle/>
+          <a:p>
+            <a:pPr algn="ctr"/>
+            <a:r>
+              <a:rPr lang="pt-BR" sz="1600" u="sng" dirty="0">
+                <a:latin typeface="Times New Roman" panose="02020603050405020304" pitchFamily="18" charset="0"/>
+                <a:cs typeface="Times New Roman" panose="02020603050405020304" pitchFamily="18" charset="0"/>
+              </a:rPr>
+              <a:t>HGS</a:t>
+            </a:r>
+          </a:p>
+        </p:txBody>
+      </p:sp>
+      <p:pic>
+        <p:nvPicPr>
+          <p:cNvPr id="56" name="Imagem 55">
+            <a:extLst>
+              <a:ext uri="{FF2B5EF4-FFF2-40B4-BE49-F238E27FC236}">
+                <a16:creationId xmlns:a16="http://schemas.microsoft.com/office/drawing/2014/main" id="{858FE4D5-A49B-20BC-24D6-91EABF815829}"/>
+              </a:ext>
+            </a:extLst>
+          </p:cNvPr>
+          <p:cNvPicPr>
+            <a:picLocks noChangeAspect="1"/>
+          </p:cNvPicPr>
+          <p:nvPr/>
+        </p:nvPicPr>
+        <p:blipFill rotWithShape="1">
+          <a:blip r:embed="rId6"/>
+          <a:srcRect l="49406" r="1266"/>
+          <a:stretch/>
+        </p:blipFill>
+        <p:spPr>
+          <a:xfrm>
+            <a:off x="9471833" y="-1514651"/>
+            <a:ext cx="1927688" cy="457240"/>
+          </a:xfrm>
+          <a:prstGeom prst="rect">
+            <a:avLst/>
+          </a:prstGeom>
+        </p:spPr>
+      </p:pic>
+      <p:pic>
+        <p:nvPicPr>
+          <p:cNvPr id="57" name="Imagem 56">
+            <a:extLst>
+              <a:ext uri="{FF2B5EF4-FFF2-40B4-BE49-F238E27FC236}">
+                <a16:creationId xmlns:a16="http://schemas.microsoft.com/office/drawing/2014/main" id="{278F13A9-4B9B-13AA-FB09-03814742E85E}"/>
+              </a:ext>
+            </a:extLst>
+          </p:cNvPr>
+          <p:cNvPicPr>
+            <a:picLocks noChangeAspect="1"/>
+          </p:cNvPicPr>
+          <p:nvPr/>
+        </p:nvPicPr>
+        <p:blipFill rotWithShape="1">
+          <a:blip r:embed="rId7"/>
+          <a:srcRect l="7411" r="46881" b="43815"/>
+          <a:stretch/>
+        </p:blipFill>
+        <p:spPr>
+          <a:xfrm>
+            <a:off x="9426113" y="-1055432"/>
+            <a:ext cx="1927688" cy="456248"/>
+          </a:xfrm>
+          <a:prstGeom prst="rect">
+            <a:avLst/>
+          </a:prstGeom>
+        </p:spPr>
+      </p:pic>
+      <p:pic>
+        <p:nvPicPr>
+          <p:cNvPr id="61" name="Imagem 60">
+            <a:extLst>
+              <a:ext uri="{FF2B5EF4-FFF2-40B4-BE49-F238E27FC236}">
+                <a16:creationId xmlns:a16="http://schemas.microsoft.com/office/drawing/2014/main" id="{3FBA5D27-C22D-0202-E4D0-C809065489B9}"/>
+              </a:ext>
+            </a:extLst>
+          </p:cNvPr>
+          <p:cNvPicPr>
+            <a:picLocks noChangeAspect="1"/>
+          </p:cNvPicPr>
+          <p:nvPr/>
+        </p:nvPicPr>
+        <p:blipFill rotWithShape="1">
+          <a:blip r:embed="rId8"/>
+          <a:srcRect l="2248" r="48187"/>
+          <a:stretch/>
+        </p:blipFill>
+        <p:spPr>
+          <a:xfrm>
+            <a:off x="11353801" y="-1514651"/>
+            <a:ext cx="1600027" cy="580799"/>
+          </a:xfrm>
+          <a:prstGeom prst="rect">
+            <a:avLst/>
+          </a:prstGeom>
+        </p:spPr>
+      </p:pic>
+      <p:pic>
+        <p:nvPicPr>
+          <p:cNvPr id="62" name="Imagem 61">
+            <a:extLst>
+              <a:ext uri="{FF2B5EF4-FFF2-40B4-BE49-F238E27FC236}">
+                <a16:creationId xmlns:a16="http://schemas.microsoft.com/office/drawing/2014/main" id="{1728A38A-9D6E-025A-EEE7-F7ED6D2C7026}"/>
+              </a:ext>
+            </a:extLst>
+          </p:cNvPr>
+          <p:cNvPicPr>
+            <a:picLocks noChangeAspect="1"/>
+          </p:cNvPicPr>
+          <p:nvPr/>
+        </p:nvPicPr>
+        <p:blipFill rotWithShape="1">
+          <a:blip r:embed="rId8"/>
+          <a:srcRect l="51629" t="-1455" r="1537" b="24807"/>
+          <a:stretch/>
+        </p:blipFill>
+        <p:spPr>
+          <a:xfrm>
+            <a:off x="11434348" y="-1049612"/>
+            <a:ext cx="1511860" cy="445174"/>
+          </a:xfrm>
+          <a:prstGeom prst="rect">
+            <a:avLst/>
+          </a:prstGeom>
+        </p:spPr>
+      </p:pic>
+      <p:pic>
+        <p:nvPicPr>
+          <p:cNvPr id="66" name="Imagem 65">
+            <a:extLst>
+              <a:ext uri="{FF2B5EF4-FFF2-40B4-BE49-F238E27FC236}">
+                <a16:creationId xmlns:a16="http://schemas.microsoft.com/office/drawing/2014/main" id="{F75C9097-F5F4-7D0D-6589-4AA90F1027CF}"/>
+              </a:ext>
+            </a:extLst>
+          </p:cNvPr>
+          <p:cNvPicPr>
+            <a:picLocks noChangeAspect="1"/>
+          </p:cNvPicPr>
+          <p:nvPr/>
+        </p:nvPicPr>
+        <p:blipFill>
+          <a:blip r:embed="rId9"/>
+          <a:stretch>
+            <a:fillRect/>
+          </a:stretch>
+        </p:blipFill>
+        <p:spPr>
+          <a:xfrm>
+            <a:off x="10276993" y="608952"/>
+            <a:ext cx="1480128" cy="685244"/>
+          </a:xfrm>
+          <a:prstGeom prst="rect">
+            <a:avLst/>
+          </a:prstGeom>
+        </p:spPr>
+      </p:pic>
+      <p:pic>
+        <p:nvPicPr>
+          <p:cNvPr id="67" name="Imagem 66">
+            <a:extLst>
+              <a:ext uri="{FF2B5EF4-FFF2-40B4-BE49-F238E27FC236}">
+                <a16:creationId xmlns:a16="http://schemas.microsoft.com/office/drawing/2014/main" id="{97C392D0-D510-72F2-E733-0D1B73770C62}"/>
+              </a:ext>
+            </a:extLst>
+          </p:cNvPr>
+          <p:cNvPicPr>
+            <a:picLocks noChangeAspect="1"/>
+          </p:cNvPicPr>
+          <p:nvPr/>
+        </p:nvPicPr>
+        <p:blipFill>
+          <a:blip r:embed="rId9"/>
+          <a:stretch>
+            <a:fillRect/>
+          </a:stretch>
+        </p:blipFill>
+        <p:spPr>
+          <a:xfrm>
+            <a:off x="10276993" y="4391406"/>
+            <a:ext cx="1480128" cy="685244"/>
+          </a:xfrm>
+          <a:prstGeom prst="rect">
+            <a:avLst/>
+          </a:prstGeom>
+        </p:spPr>
+      </p:pic>
+      <p:pic>
+        <p:nvPicPr>
+          <p:cNvPr id="68" name="Imagem 67">
+            <a:extLst>
+              <a:ext uri="{FF2B5EF4-FFF2-40B4-BE49-F238E27FC236}">
+                <a16:creationId xmlns:a16="http://schemas.microsoft.com/office/drawing/2014/main" id="{A657BDE2-C205-0B14-0673-91CCF17EF8D6}"/>
+              </a:ext>
+            </a:extLst>
+          </p:cNvPr>
+          <p:cNvPicPr>
+            <a:picLocks noChangeAspect="1"/>
+          </p:cNvPicPr>
+          <p:nvPr/>
+        </p:nvPicPr>
+        <p:blipFill>
+          <a:blip r:embed="rId10"/>
+          <a:stretch>
+            <a:fillRect/>
+          </a:stretch>
+        </p:blipFill>
+        <p:spPr>
+          <a:xfrm>
+            <a:off x="4832241" y="626182"/>
+            <a:ext cx="1182926" cy="672733"/>
+          </a:xfrm>
+          <a:prstGeom prst="rect">
+            <a:avLst/>
+          </a:prstGeom>
+        </p:spPr>
+      </p:pic>
+      <p:pic>
+        <p:nvPicPr>
+          <p:cNvPr id="69" name="Imagem 68">
+            <a:extLst>
+              <a:ext uri="{FF2B5EF4-FFF2-40B4-BE49-F238E27FC236}">
+                <a16:creationId xmlns:a16="http://schemas.microsoft.com/office/drawing/2014/main" id="{81ACDC6B-5544-3723-CE9B-173FAAB15C0B}"/>
+              </a:ext>
+            </a:extLst>
+          </p:cNvPr>
+          <p:cNvPicPr>
+            <a:picLocks noChangeAspect="1"/>
+          </p:cNvPicPr>
+          <p:nvPr/>
+        </p:nvPicPr>
+        <p:blipFill>
+          <a:blip r:embed="rId10"/>
+          <a:stretch>
+            <a:fillRect/>
+          </a:stretch>
+        </p:blipFill>
+        <p:spPr>
+          <a:xfrm>
+            <a:off x="4832241" y="4407020"/>
+            <a:ext cx="1182926" cy="672733"/>
+          </a:xfrm>
+          <a:prstGeom prst="rect">
+            <a:avLst/>
+          </a:prstGeom>
+        </p:spPr>
+      </p:pic>
+    </p:spTree>
+    <p:extLst>
+      <p:ext uri="{BB962C8B-B14F-4D97-AF65-F5344CB8AC3E}">
+        <p14:creationId xmlns:p14="http://schemas.microsoft.com/office/powerpoint/2010/main" val="3841045236"/>
+      </p:ext>
+    </p:extLst>
+  </p:cSld>
+  <p:clrMapOvr>
+    <a:masterClrMapping/>
+  </p:clrMapOvr>
+</p:sld>
+</file>
+
+<file path=ppt/slides/slide4.xml><?xml version="1.0" encoding="utf-8"?>
+<p:sld xmlns:a="http://schemas.openxmlformats.org/drawingml/2006/main" xmlns:r="http://schemas.openxmlformats.org/officeDocument/2006/relationships" xmlns:p="http://schemas.openxmlformats.org/presentationml/2006/main">
+  <p:cSld>
+    <p:spTree>
+      <p:nvGrpSpPr>
+        <p:cNvPr id="1" name=""/>
+        <p:cNvGrpSpPr/>
+        <p:nvPr/>
+      </p:nvGrpSpPr>
+      <p:grpSpPr>
+        <a:xfrm>
+          <a:off x="0" y="0"/>
+          <a:ext cx="0" cy="0"/>
+          <a:chOff x="0" y="0"/>
+          <a:chExt cx="0" cy="0"/>
+        </a:xfrm>
+      </p:grpSpPr>
+      <p:pic>
+        <p:nvPicPr>
+          <p:cNvPr id="2" name="Imagem 1">
+            <a:extLst>
+              <a:ext uri="{FF2B5EF4-FFF2-40B4-BE49-F238E27FC236}">
+                <a16:creationId xmlns:a16="http://schemas.microsoft.com/office/drawing/2014/main" id="{87CA6893-CC07-32DC-2001-957A49FCE169}"/>
               </a:ext>
             </a:extLst>
           </p:cNvPr>
@@ -4312,8 +8093,8 @@
         </p:blipFill>
         <p:spPr>
           <a:xfrm>
-            <a:off x="2402784" y="0"/>
-            <a:ext cx="7386432" cy="6858000"/>
+            <a:off x="-165524" y="0"/>
+            <a:ext cx="8382726" cy="6447079"/>
           </a:xfrm>
           <a:prstGeom prst="rect">
             <a:avLst/>
@@ -4323,7 +8104,7 @@
     </p:spTree>
     <p:extLst>
       <p:ext uri="{BB962C8B-B14F-4D97-AF65-F5344CB8AC3E}">
-        <p14:creationId xmlns:p14="http://schemas.microsoft.com/office/powerpoint/2010/main" val="4151576114"/>
+        <p14:creationId xmlns:p14="http://schemas.microsoft.com/office/powerpoint/2010/main" val="1188421431"/>
       </p:ext>
     </p:extLst>
   </p:cSld>
